--- a/答辩.pptx
+++ b/答辩.pptx
@@ -9,14 +9,14 @@
   </p:notesMasterIdLst>
   <p:sldIdLst>
     <p:sldId id="256" r:id="rId3"/>
-    <p:sldId id="257" r:id="rId4"/>
-    <p:sldId id="271" r:id="rId5"/>
-    <p:sldId id="264" r:id="rId6"/>
-    <p:sldId id="267" r:id="rId7"/>
-    <p:sldId id="268" r:id="rId8"/>
-    <p:sldId id="272" r:id="rId9"/>
-    <p:sldId id="273" r:id="rId10"/>
-    <p:sldId id="274" r:id="rId11"/>
+    <p:sldId id="268" r:id="rId4"/>
+    <p:sldId id="272" r:id="rId5"/>
+    <p:sldId id="273" r:id="rId6"/>
+    <p:sldId id="274" r:id="rId7"/>
+    <p:sldId id="257" r:id="rId8"/>
+    <p:sldId id="271" r:id="rId9"/>
+    <p:sldId id="264" r:id="rId10"/>
+    <p:sldId id="267" r:id="rId11"/>
     <p:sldId id="258" r:id="rId12"/>
     <p:sldId id="259" r:id="rId13"/>
     <p:sldId id="260" r:id="rId14"/>
@@ -356,11 +356,11 @@
           <c:showBubbleSize val="0"/>
         </c:dLbls>
         <c:gapWidth val="150"/>
-        <c:axId val="89024752"/>
-        <c:axId val="89018768"/>
+        <c:axId val="-1305354656"/>
+        <c:axId val="-1305359552"/>
       </c:barChart>
       <c:catAx>
-        <c:axId val="89024752"/>
+        <c:axId val="-1305354656"/>
         <c:scaling>
           <c:orientation val="minMax"/>
         </c:scaling>
@@ -382,7 +382,7 @@
             <a:endParaRPr lang="en-US"/>
           </a:p>
         </c:txPr>
-        <c:crossAx val="89018768"/>
+        <c:crossAx val="-1305359552"/>
         <c:crosses val="autoZero"/>
         <c:auto val="1"/>
         <c:lblAlgn val="ctr"/>
@@ -390,7 +390,7 @@
         <c:noMultiLvlLbl val="0"/>
       </c:catAx>
       <c:valAx>
-        <c:axId val="89018768"/>
+        <c:axId val="-1305359552"/>
         <c:scaling>
           <c:orientation val="minMax"/>
         </c:scaling>
@@ -411,7 +411,7 @@
             <a:endParaRPr lang="en-US"/>
           </a:p>
         </c:txPr>
-        <c:crossAx val="89024752"/>
+        <c:crossAx val="-1305354656"/>
         <c:crosses val="autoZero"/>
         <c:crossBetween val="between"/>
       </c:valAx>
@@ -426,7 +426,6 @@
     </c:plotArea>
     <c:legend>
       <c:legendPos val="r"/>
-      <c:layout/>
       <c:overlay val="0"/>
       <c:txPr>
         <a:bodyPr/>
@@ -506,7 +505,6 @@
           </a:p>
         </c:rich>
       </c:tx>
-      <c:layout/>
       <c:overlay val="0"/>
     </c:title>
     <c:autoTitleDeleted val="0"/>
@@ -729,7 +727,7 @@
             <a:fld id="{2447E72A-D913-4DC2-9E0A-E520CE8FCC86}" type="datetimeFigureOut">
               <a:rPr lang="en-US" smtClean="0"/>
               <a:pPr/>
-              <a:t>5/17/2017</a:t>
+              <a:t>5/22/2017</a:t>
             </a:fld>
             <a:endParaRPr lang="en-US"/>
           </a:p>
@@ -2002,7 +2000,7 @@
               <a:buNone/>
             </a:pPr>
             <a:r>
-              <a:rPr lang="zh-CN" altLang="en-US" sz="1200" b="0" i="0" dirty="0" smtClean="0">
+              <a:rPr lang="zh-CN" altLang="en-US" sz="1200" b="0" i="0" smtClean="0">
                 <a:solidFill>
                   <a:schemeClr val="tx1"/>
                 </a:solidFill>
@@ -2010,10 +2008,10 @@
                 <a:ea typeface="宋体" pitchFamily="2" charset="-122"/>
                 <a:cs typeface="+mn-cs"/>
               </a:rPr>
-              <a:t>初级课程的详细信息</a:t>
-            </a:r>
-            <a:r>
-              <a:rPr lang="zh-CN" altLang="en-US" sz="1200" b="0" i="0" baseline="0" dirty="0" smtClean="0">
+              <a:t>课程的目标</a:t>
+            </a:r>
+            <a:r>
+              <a:rPr lang="zh-CN" altLang="en-US" sz="1200" b="0" i="0" baseline="0" smtClean="0">
                 <a:solidFill>
                   <a:schemeClr val="tx1"/>
                 </a:solidFill>
@@ -2021,10 +2019,10 @@
                 <a:ea typeface="宋体" pitchFamily="2" charset="-122"/>
                 <a:cs typeface="+mn-cs"/>
               </a:rPr>
-              <a:t>和</a:t>
-            </a:r>
-            <a:r>
-              <a:rPr lang="en-US" altLang="zh-CN" sz="1200" b="0" i="0" baseline="0" dirty="0" smtClean="0">
+              <a:t>和预期结果，和</a:t>
+            </a:r>
+            <a:r>
+              <a:rPr lang="en-US" altLang="zh-CN" sz="1200" b="0" i="0" baseline="0" smtClean="0">
                 <a:solidFill>
                   <a:schemeClr val="tx1"/>
                 </a:solidFill>
@@ -2035,7 +2033,7 @@
               <a:t>/</a:t>
             </a:r>
             <a:r>
-              <a:rPr lang="zh-CN" altLang="en-US" sz="1200" b="0" i="0" baseline="0" dirty="0" smtClean="0">
+              <a:rPr lang="zh-CN" altLang="en-US" sz="1200" b="0" i="0" baseline="0" smtClean="0">
                 <a:solidFill>
                   <a:schemeClr val="tx1"/>
                 </a:solidFill>
@@ -2043,53 +2041,9 @@
                 <a:ea typeface="宋体" pitchFamily="2" charset="-122"/>
                 <a:cs typeface="+mn-cs"/>
               </a:rPr>
-              <a:t>或课目</a:t>
-            </a:r>
-            <a:r>
-              <a:rPr lang="en-US" altLang="zh-CN" sz="1200" b="0" i="0" baseline="0" dirty="0" smtClean="0">
-                <a:solidFill>
-                  <a:schemeClr val="tx1"/>
-                </a:solidFill>
-                <a:latin typeface="Calibri"/>
-                <a:ea typeface="宋体" pitchFamily="2" charset="-122"/>
-                <a:cs typeface="+mn-cs"/>
-              </a:rPr>
-              <a:t>/</a:t>
-            </a:r>
-            <a:r>
-              <a:rPr lang="zh-CN" altLang="en-US" sz="1200" b="0" i="0" baseline="0" dirty="0" smtClean="0">
-                <a:solidFill>
-                  <a:schemeClr val="tx1"/>
-                </a:solidFill>
-                <a:latin typeface="Calibri"/>
-                <a:ea typeface="宋体" pitchFamily="2" charset="-122"/>
-                <a:cs typeface="+mn-cs"/>
-              </a:rPr>
-              <a:t>项目所需的书籍</a:t>
-            </a:r>
-            <a:r>
-              <a:rPr lang="en-US" altLang="zh-CN" sz="1200" b="0" i="0" baseline="0" dirty="0" smtClean="0">
-                <a:solidFill>
-                  <a:schemeClr val="tx1"/>
-                </a:solidFill>
-                <a:latin typeface="Calibri"/>
-                <a:ea typeface="宋体" pitchFamily="2" charset="-122"/>
-                <a:cs typeface="+mn-cs"/>
-              </a:rPr>
-              <a:t>/</a:t>
-            </a:r>
-            <a:r>
-              <a:rPr lang="zh-CN" altLang="en-US" sz="1200" b="0" i="0" baseline="0" dirty="0" smtClean="0">
-                <a:solidFill>
-                  <a:schemeClr val="tx1"/>
-                </a:solidFill>
-                <a:latin typeface="Calibri"/>
-                <a:ea typeface="宋体" pitchFamily="2" charset="-122"/>
-                <a:cs typeface="+mn-cs"/>
-              </a:rPr>
-              <a:t>资料。</a:t>
-            </a:r>
-            <a:endParaRPr lang="zh-CN" altLang="en-US" sz="1200" b="0" i="0" baseline="0" dirty="0">
+              <a:t>或通过学习培养的技能。 </a:t>
+            </a:r>
+            <a:endParaRPr lang="zh-CN" altLang="en-US" sz="1200" b="0" i="0" baseline="0">
               <a:solidFill>
                 <a:schemeClr val="tx1"/>
               </a:solidFill>
@@ -2140,7 +2094,7 @@
     </p:spTree>
     <p:extLst>
       <p:ext uri="{BB962C8B-B14F-4D97-AF65-F5344CB8AC3E}">
-        <p14:creationId xmlns:p14="http://schemas.microsoft.com/office/powerpoint/2010/main" val="171175287"/>
+        <p14:creationId xmlns:p14="http://schemas.microsoft.com/office/powerpoint/2010/main" val="3858375781"/>
       </p:ext>
     </p:extLst>
   </p:cSld>
@@ -2205,7 +2159,7 @@
               <a:buNone/>
             </a:pPr>
             <a:r>
-              <a:rPr lang="zh-CN" altLang="en-US" sz="1200" b="0" i="0" dirty="0" smtClean="0">
+              <a:rPr lang="zh-CN" altLang="en-US" sz="1200" b="0" i="0" smtClean="0">
                 <a:solidFill>
                   <a:schemeClr val="tx1"/>
                 </a:solidFill>
@@ -2213,10 +2167,10 @@
                 <a:ea typeface="宋体" pitchFamily="2" charset="-122"/>
                 <a:cs typeface="+mn-cs"/>
               </a:rPr>
-              <a:t>初级课程的详细信息</a:t>
-            </a:r>
-            <a:r>
-              <a:rPr lang="zh-CN" altLang="en-US" sz="1200" b="0" i="0" baseline="0" dirty="0" smtClean="0">
+              <a:t>课程的目标</a:t>
+            </a:r>
+            <a:r>
+              <a:rPr lang="zh-CN" altLang="en-US" sz="1200" b="0" i="0" baseline="0" smtClean="0">
                 <a:solidFill>
                   <a:schemeClr val="tx1"/>
                 </a:solidFill>
@@ -2224,10 +2178,10 @@
                 <a:ea typeface="宋体" pitchFamily="2" charset="-122"/>
                 <a:cs typeface="+mn-cs"/>
               </a:rPr>
-              <a:t>和</a:t>
-            </a:r>
-            <a:r>
-              <a:rPr lang="en-US" altLang="zh-CN" sz="1200" b="0" i="0" baseline="0" dirty="0" smtClean="0">
+              <a:t>和预期结果，和</a:t>
+            </a:r>
+            <a:r>
+              <a:rPr lang="en-US" altLang="zh-CN" sz="1200" b="0" i="0" baseline="0" smtClean="0">
                 <a:solidFill>
                   <a:schemeClr val="tx1"/>
                 </a:solidFill>
@@ -2238,7 +2192,7 @@
               <a:t>/</a:t>
             </a:r>
             <a:r>
-              <a:rPr lang="zh-CN" altLang="en-US" sz="1200" b="0" i="0" baseline="0" dirty="0" smtClean="0">
+              <a:rPr lang="zh-CN" altLang="en-US" sz="1200" b="0" i="0" baseline="0" smtClean="0">
                 <a:solidFill>
                   <a:schemeClr val="tx1"/>
                 </a:solidFill>
@@ -2246,53 +2200,9 @@
                 <a:ea typeface="宋体" pitchFamily="2" charset="-122"/>
                 <a:cs typeface="+mn-cs"/>
               </a:rPr>
-              <a:t>或课目</a:t>
-            </a:r>
-            <a:r>
-              <a:rPr lang="en-US" altLang="zh-CN" sz="1200" b="0" i="0" baseline="0" dirty="0" smtClean="0">
-                <a:solidFill>
-                  <a:schemeClr val="tx1"/>
-                </a:solidFill>
-                <a:latin typeface="Calibri"/>
-                <a:ea typeface="宋体" pitchFamily="2" charset="-122"/>
-                <a:cs typeface="+mn-cs"/>
-              </a:rPr>
-              <a:t>/</a:t>
-            </a:r>
-            <a:r>
-              <a:rPr lang="zh-CN" altLang="en-US" sz="1200" b="0" i="0" baseline="0" dirty="0" smtClean="0">
-                <a:solidFill>
-                  <a:schemeClr val="tx1"/>
-                </a:solidFill>
-                <a:latin typeface="Calibri"/>
-                <a:ea typeface="宋体" pitchFamily="2" charset="-122"/>
-                <a:cs typeface="+mn-cs"/>
-              </a:rPr>
-              <a:t>项目所需的书籍</a:t>
-            </a:r>
-            <a:r>
-              <a:rPr lang="en-US" altLang="zh-CN" sz="1200" b="0" i="0" baseline="0" dirty="0" smtClean="0">
-                <a:solidFill>
-                  <a:schemeClr val="tx1"/>
-                </a:solidFill>
-                <a:latin typeface="Calibri"/>
-                <a:ea typeface="宋体" pitchFamily="2" charset="-122"/>
-                <a:cs typeface="+mn-cs"/>
-              </a:rPr>
-              <a:t>/</a:t>
-            </a:r>
-            <a:r>
-              <a:rPr lang="zh-CN" altLang="en-US" sz="1200" b="0" i="0" baseline="0" dirty="0" smtClean="0">
-                <a:solidFill>
-                  <a:schemeClr val="tx1"/>
-                </a:solidFill>
-                <a:latin typeface="Calibri"/>
-                <a:ea typeface="宋体" pitchFamily="2" charset="-122"/>
-                <a:cs typeface="+mn-cs"/>
-              </a:rPr>
-              <a:t>资料。</a:t>
-            </a:r>
-            <a:endParaRPr lang="zh-CN" altLang="en-US" sz="1200" b="0" i="0" baseline="0" dirty="0">
+              <a:t>或通过学习培养的技能。 </a:t>
+            </a:r>
+            <a:endParaRPr lang="zh-CN" altLang="en-US" sz="1200" b="0" i="0" baseline="0">
               <a:solidFill>
                 <a:schemeClr val="tx1"/>
               </a:solidFill>
@@ -2343,7 +2253,7 @@
     </p:spTree>
     <p:extLst>
       <p:ext uri="{BB962C8B-B14F-4D97-AF65-F5344CB8AC3E}">
-        <p14:creationId xmlns:p14="http://schemas.microsoft.com/office/powerpoint/2010/main" val="2049263339"/>
+        <p14:creationId xmlns:p14="http://schemas.microsoft.com/office/powerpoint/2010/main" val="1964372725"/>
       </p:ext>
     </p:extLst>
   </p:cSld>
@@ -2408,7 +2318,7 @@
               <a:buNone/>
             </a:pPr>
             <a:r>
-              <a:rPr lang="zh-CN" altLang="en-US" sz="1200" b="0" i="0" dirty="0" smtClean="0">
+              <a:rPr lang="zh-CN" altLang="en-US" sz="1200" b="0" i="0" smtClean="0">
                 <a:solidFill>
                   <a:schemeClr val="tx1"/>
                 </a:solidFill>
@@ -2416,10 +2326,21 @@
                 <a:ea typeface="宋体" pitchFamily="2" charset="-122"/>
                 <a:cs typeface="+mn-cs"/>
               </a:rPr>
-              <a:t>有关可选的时间</a:t>
-            </a:r>
-            <a:r>
-              <a:rPr lang="en-US" altLang="zh-CN" sz="1200" b="0" i="0" dirty="0" smtClean="0">
+              <a:t>课程的目标</a:t>
+            </a:r>
+            <a:r>
+              <a:rPr lang="zh-CN" altLang="en-US" sz="1200" b="0" i="0" baseline="0" smtClean="0">
+                <a:solidFill>
+                  <a:schemeClr val="tx1"/>
+                </a:solidFill>
+                <a:latin typeface="Calibri"/>
+                <a:ea typeface="宋体" pitchFamily="2" charset="-122"/>
+                <a:cs typeface="+mn-cs"/>
+              </a:rPr>
+              <a:t>和预期结果，和</a:t>
+            </a:r>
+            <a:r>
+              <a:rPr lang="en-US" altLang="zh-CN" sz="1200" b="0" i="0" baseline="0" smtClean="0">
                 <a:solidFill>
                   <a:schemeClr val="tx1"/>
                 </a:solidFill>
@@ -2430,7 +2351,7 @@
               <a:t>/</a:t>
             </a:r>
             <a:r>
-              <a:rPr lang="zh-CN" altLang="en-US" sz="1200" b="0" i="0" dirty="0" smtClean="0">
+              <a:rPr lang="zh-CN" altLang="en-US" sz="1200" b="0" i="0" baseline="0" smtClean="0">
                 <a:solidFill>
                   <a:schemeClr val="tx1"/>
                 </a:solidFill>
@@ -2438,9 +2359,9 @@
                 <a:ea typeface="宋体" pitchFamily="2" charset="-122"/>
                 <a:cs typeface="+mn-cs"/>
               </a:rPr>
-              <a:t>目标阶段的日程设计。 </a:t>
-            </a:r>
-            <a:endParaRPr lang="zh-CN" altLang="en-US" sz="1200" b="0" i="0" dirty="0">
+              <a:t>或通过学习培养的技能。 </a:t>
+            </a:r>
+            <a:endParaRPr lang="zh-CN" altLang="en-US" sz="1200" b="0" i="0" baseline="0">
               <a:solidFill>
                 <a:schemeClr val="tx1"/>
               </a:solidFill>
@@ -2491,7 +2412,7 @@
     </p:spTree>
     <p:extLst>
       <p:ext uri="{BB962C8B-B14F-4D97-AF65-F5344CB8AC3E}">
-        <p14:creationId xmlns:p14="http://schemas.microsoft.com/office/powerpoint/2010/main" val="3976239503"/>
+        <p14:creationId xmlns:p14="http://schemas.microsoft.com/office/powerpoint/2010/main" val="3122319661"/>
       </p:ext>
     </p:extLst>
   </p:cSld>
@@ -2556,7 +2477,7 @@
               <a:buNone/>
             </a:pPr>
             <a:r>
-              <a:rPr lang="zh-CN" altLang="en-US" sz="1200" b="0" i="0" dirty="0" smtClean="0">
+              <a:rPr lang="zh-CN" altLang="en-US" sz="1200" b="0" i="0" smtClean="0">
                 <a:solidFill>
                   <a:schemeClr val="tx1"/>
                 </a:solidFill>
@@ -2564,9 +2485,42 @@
                 <a:ea typeface="宋体" pitchFamily="2" charset="-122"/>
                 <a:cs typeface="+mn-cs"/>
               </a:rPr>
-              <a:t>介绍性注释。</a:t>
-            </a:r>
-            <a:endParaRPr lang="zh-CN" altLang="en-US" sz="1200" b="0" i="0" dirty="0">
+              <a:t>课程的目标</a:t>
+            </a:r>
+            <a:r>
+              <a:rPr lang="zh-CN" altLang="en-US" sz="1200" b="0" i="0" baseline="0" smtClean="0">
+                <a:solidFill>
+                  <a:schemeClr val="tx1"/>
+                </a:solidFill>
+                <a:latin typeface="Calibri"/>
+                <a:ea typeface="宋体" pitchFamily="2" charset="-122"/>
+                <a:cs typeface="+mn-cs"/>
+              </a:rPr>
+              <a:t>和预期结果，和</a:t>
+            </a:r>
+            <a:r>
+              <a:rPr lang="en-US" altLang="zh-CN" sz="1200" b="0" i="0" baseline="0" smtClean="0">
+                <a:solidFill>
+                  <a:schemeClr val="tx1"/>
+                </a:solidFill>
+                <a:latin typeface="Calibri"/>
+                <a:ea typeface="宋体" pitchFamily="2" charset="-122"/>
+                <a:cs typeface="+mn-cs"/>
+              </a:rPr>
+              <a:t>/</a:t>
+            </a:r>
+            <a:r>
+              <a:rPr lang="zh-CN" altLang="en-US" sz="1200" b="0" i="0" baseline="0" smtClean="0">
+                <a:solidFill>
+                  <a:schemeClr val="tx1"/>
+                </a:solidFill>
+                <a:latin typeface="Calibri"/>
+                <a:ea typeface="宋体" pitchFamily="2" charset="-122"/>
+                <a:cs typeface="+mn-cs"/>
+              </a:rPr>
+              <a:t>或通过学习培养的技能。 </a:t>
+            </a:r>
+            <a:endParaRPr lang="zh-CN" altLang="en-US" sz="1200" b="0" i="0" baseline="0">
               <a:solidFill>
                 <a:schemeClr val="tx1"/>
               </a:solidFill>
@@ -2617,7 +2571,7 @@
     </p:spTree>
     <p:extLst>
       <p:ext uri="{BB962C8B-B14F-4D97-AF65-F5344CB8AC3E}">
-        <p14:creationId xmlns:p14="http://schemas.microsoft.com/office/powerpoint/2010/main" val="1443818733"/>
+        <p14:creationId xmlns:p14="http://schemas.microsoft.com/office/powerpoint/2010/main" val="358460093"/>
       </p:ext>
     </p:extLst>
   </p:cSld>
@@ -2682,7 +2636,7 @@
               <a:buNone/>
             </a:pPr>
             <a:r>
-              <a:rPr lang="zh-CN" altLang="en-US" sz="1200" b="0" i="0" smtClean="0">
+              <a:rPr lang="zh-CN" altLang="en-US" sz="1200" b="0" i="0" dirty="0" smtClean="0">
                 <a:solidFill>
                   <a:schemeClr val="tx1"/>
                 </a:solidFill>
@@ -2690,10 +2644,10 @@
                 <a:ea typeface="宋体" pitchFamily="2" charset="-122"/>
                 <a:cs typeface="+mn-cs"/>
               </a:rPr>
-              <a:t>课程的目标</a:t>
-            </a:r>
-            <a:r>
-              <a:rPr lang="zh-CN" altLang="en-US" sz="1200" b="0" i="0" baseline="0" smtClean="0">
+              <a:t>初级课程的详细信息</a:t>
+            </a:r>
+            <a:r>
+              <a:rPr lang="zh-CN" altLang="en-US" sz="1200" b="0" i="0" baseline="0" dirty="0" smtClean="0">
                 <a:solidFill>
                   <a:schemeClr val="tx1"/>
                 </a:solidFill>
@@ -2701,10 +2655,10 @@
                 <a:ea typeface="宋体" pitchFamily="2" charset="-122"/>
                 <a:cs typeface="+mn-cs"/>
               </a:rPr>
-              <a:t>和预期结果，和</a:t>
-            </a:r>
-            <a:r>
-              <a:rPr lang="en-US" altLang="zh-CN" sz="1200" b="0" i="0" baseline="0" smtClean="0">
+              <a:t>和</a:t>
+            </a:r>
+            <a:r>
+              <a:rPr lang="en-US" altLang="zh-CN" sz="1200" b="0" i="0" baseline="0" dirty="0" smtClean="0">
                 <a:solidFill>
                   <a:schemeClr val="tx1"/>
                 </a:solidFill>
@@ -2715,7 +2669,7 @@
               <a:t>/</a:t>
             </a:r>
             <a:r>
-              <a:rPr lang="zh-CN" altLang="en-US" sz="1200" b="0" i="0" baseline="0" smtClean="0">
+              <a:rPr lang="zh-CN" altLang="en-US" sz="1200" b="0" i="0" baseline="0" dirty="0" smtClean="0">
                 <a:solidFill>
                   <a:schemeClr val="tx1"/>
                 </a:solidFill>
@@ -2723,9 +2677,53 @@
                 <a:ea typeface="宋体" pitchFamily="2" charset="-122"/>
                 <a:cs typeface="+mn-cs"/>
               </a:rPr>
-              <a:t>或通过学习培养的技能。 </a:t>
-            </a:r>
-            <a:endParaRPr lang="zh-CN" altLang="en-US" sz="1200" b="0" i="0" baseline="0">
+              <a:t>或课目</a:t>
+            </a:r>
+            <a:r>
+              <a:rPr lang="en-US" altLang="zh-CN" sz="1200" b="0" i="0" baseline="0" dirty="0" smtClean="0">
+                <a:solidFill>
+                  <a:schemeClr val="tx1"/>
+                </a:solidFill>
+                <a:latin typeface="Calibri"/>
+                <a:ea typeface="宋体" pitchFamily="2" charset="-122"/>
+                <a:cs typeface="+mn-cs"/>
+              </a:rPr>
+              <a:t>/</a:t>
+            </a:r>
+            <a:r>
+              <a:rPr lang="zh-CN" altLang="en-US" sz="1200" b="0" i="0" baseline="0" dirty="0" smtClean="0">
+                <a:solidFill>
+                  <a:schemeClr val="tx1"/>
+                </a:solidFill>
+                <a:latin typeface="Calibri"/>
+                <a:ea typeface="宋体" pitchFamily="2" charset="-122"/>
+                <a:cs typeface="+mn-cs"/>
+              </a:rPr>
+              <a:t>项目所需的书籍</a:t>
+            </a:r>
+            <a:r>
+              <a:rPr lang="en-US" altLang="zh-CN" sz="1200" b="0" i="0" baseline="0" dirty="0" smtClean="0">
+                <a:solidFill>
+                  <a:schemeClr val="tx1"/>
+                </a:solidFill>
+                <a:latin typeface="Calibri"/>
+                <a:ea typeface="宋体" pitchFamily="2" charset="-122"/>
+                <a:cs typeface="+mn-cs"/>
+              </a:rPr>
+              <a:t>/</a:t>
+            </a:r>
+            <a:r>
+              <a:rPr lang="zh-CN" altLang="en-US" sz="1200" b="0" i="0" baseline="0" dirty="0" smtClean="0">
+                <a:solidFill>
+                  <a:schemeClr val="tx1"/>
+                </a:solidFill>
+                <a:latin typeface="Calibri"/>
+                <a:ea typeface="宋体" pitchFamily="2" charset="-122"/>
+                <a:cs typeface="+mn-cs"/>
+              </a:rPr>
+              <a:t>资料。</a:t>
+            </a:r>
+            <a:endParaRPr lang="zh-CN" altLang="en-US" sz="1200" b="0" i="0" baseline="0" dirty="0">
               <a:solidFill>
                 <a:schemeClr val="tx1"/>
               </a:solidFill>
@@ -2776,7 +2774,7 @@
     </p:spTree>
     <p:extLst>
       <p:ext uri="{BB962C8B-B14F-4D97-AF65-F5344CB8AC3E}">
-        <p14:creationId xmlns:p14="http://schemas.microsoft.com/office/powerpoint/2010/main" val="3858375781"/>
+        <p14:creationId xmlns:p14="http://schemas.microsoft.com/office/powerpoint/2010/main" val="171175287"/>
       </p:ext>
     </p:extLst>
   </p:cSld>
@@ -2841,7 +2839,7 @@
               <a:buNone/>
             </a:pPr>
             <a:r>
-              <a:rPr lang="zh-CN" altLang="en-US" sz="1200" b="0" i="0" smtClean="0">
+              <a:rPr lang="zh-CN" altLang="en-US" sz="1200" b="0" i="0" dirty="0" smtClean="0">
                 <a:solidFill>
                   <a:schemeClr val="tx1"/>
                 </a:solidFill>
@@ -2849,10 +2847,10 @@
                 <a:ea typeface="宋体" pitchFamily="2" charset="-122"/>
                 <a:cs typeface="+mn-cs"/>
               </a:rPr>
-              <a:t>课程的目标</a:t>
-            </a:r>
-            <a:r>
-              <a:rPr lang="zh-CN" altLang="en-US" sz="1200" b="0" i="0" baseline="0" smtClean="0">
+              <a:t>初级课程的详细信息</a:t>
+            </a:r>
+            <a:r>
+              <a:rPr lang="zh-CN" altLang="en-US" sz="1200" b="0" i="0" baseline="0" dirty="0" smtClean="0">
                 <a:solidFill>
                   <a:schemeClr val="tx1"/>
                 </a:solidFill>
@@ -2860,10 +2858,10 @@
                 <a:ea typeface="宋体" pitchFamily="2" charset="-122"/>
                 <a:cs typeface="+mn-cs"/>
               </a:rPr>
-              <a:t>和预期结果，和</a:t>
-            </a:r>
-            <a:r>
-              <a:rPr lang="en-US" altLang="zh-CN" sz="1200" b="0" i="0" baseline="0" smtClean="0">
+              <a:t>和</a:t>
+            </a:r>
+            <a:r>
+              <a:rPr lang="en-US" altLang="zh-CN" sz="1200" b="0" i="0" baseline="0" dirty="0" smtClean="0">
                 <a:solidFill>
                   <a:schemeClr val="tx1"/>
                 </a:solidFill>
@@ -2874,7 +2872,7 @@
               <a:t>/</a:t>
             </a:r>
             <a:r>
-              <a:rPr lang="zh-CN" altLang="en-US" sz="1200" b="0" i="0" baseline="0" smtClean="0">
+              <a:rPr lang="zh-CN" altLang="en-US" sz="1200" b="0" i="0" baseline="0" dirty="0" smtClean="0">
                 <a:solidFill>
                   <a:schemeClr val="tx1"/>
                 </a:solidFill>
@@ -2882,9 +2880,53 @@
                 <a:ea typeface="宋体" pitchFamily="2" charset="-122"/>
                 <a:cs typeface="+mn-cs"/>
               </a:rPr>
-              <a:t>或通过学习培养的技能。 </a:t>
-            </a:r>
-            <a:endParaRPr lang="zh-CN" altLang="en-US" sz="1200" b="0" i="0" baseline="0">
+              <a:t>或课目</a:t>
+            </a:r>
+            <a:r>
+              <a:rPr lang="en-US" altLang="zh-CN" sz="1200" b="0" i="0" baseline="0" dirty="0" smtClean="0">
+                <a:solidFill>
+                  <a:schemeClr val="tx1"/>
+                </a:solidFill>
+                <a:latin typeface="Calibri"/>
+                <a:ea typeface="宋体" pitchFamily="2" charset="-122"/>
+                <a:cs typeface="+mn-cs"/>
+              </a:rPr>
+              <a:t>/</a:t>
+            </a:r>
+            <a:r>
+              <a:rPr lang="zh-CN" altLang="en-US" sz="1200" b="0" i="0" baseline="0" dirty="0" smtClean="0">
+                <a:solidFill>
+                  <a:schemeClr val="tx1"/>
+                </a:solidFill>
+                <a:latin typeface="Calibri"/>
+                <a:ea typeface="宋体" pitchFamily="2" charset="-122"/>
+                <a:cs typeface="+mn-cs"/>
+              </a:rPr>
+              <a:t>项目所需的书籍</a:t>
+            </a:r>
+            <a:r>
+              <a:rPr lang="en-US" altLang="zh-CN" sz="1200" b="0" i="0" baseline="0" dirty="0" smtClean="0">
+                <a:solidFill>
+                  <a:schemeClr val="tx1"/>
+                </a:solidFill>
+                <a:latin typeface="Calibri"/>
+                <a:ea typeface="宋体" pitchFamily="2" charset="-122"/>
+                <a:cs typeface="+mn-cs"/>
+              </a:rPr>
+              <a:t>/</a:t>
+            </a:r>
+            <a:r>
+              <a:rPr lang="zh-CN" altLang="en-US" sz="1200" b="0" i="0" baseline="0" dirty="0" smtClean="0">
+                <a:solidFill>
+                  <a:schemeClr val="tx1"/>
+                </a:solidFill>
+                <a:latin typeface="Calibri"/>
+                <a:ea typeface="宋体" pitchFamily="2" charset="-122"/>
+                <a:cs typeface="+mn-cs"/>
+              </a:rPr>
+              <a:t>资料。</a:t>
+            </a:r>
+            <a:endParaRPr lang="zh-CN" altLang="en-US" sz="1200" b="0" i="0" baseline="0" dirty="0">
               <a:solidFill>
                 <a:schemeClr val="tx1"/>
               </a:solidFill>
@@ -2935,7 +2977,7 @@
     </p:spTree>
     <p:extLst>
       <p:ext uri="{BB962C8B-B14F-4D97-AF65-F5344CB8AC3E}">
-        <p14:creationId xmlns:p14="http://schemas.microsoft.com/office/powerpoint/2010/main" val="1964372725"/>
+        <p14:creationId xmlns:p14="http://schemas.microsoft.com/office/powerpoint/2010/main" val="2049263339"/>
       </p:ext>
     </p:extLst>
   </p:cSld>
@@ -3000,7 +3042,7 @@
               <a:buNone/>
             </a:pPr>
             <a:r>
-              <a:rPr lang="zh-CN" altLang="en-US" sz="1200" b="0" i="0" smtClean="0">
+              <a:rPr lang="zh-CN" altLang="en-US" sz="1200" b="0" i="0" dirty="0" smtClean="0">
                 <a:solidFill>
                   <a:schemeClr val="tx1"/>
                 </a:solidFill>
@@ -3008,21 +3050,10 @@
                 <a:ea typeface="宋体" pitchFamily="2" charset="-122"/>
                 <a:cs typeface="+mn-cs"/>
               </a:rPr>
-              <a:t>课程的目标</a:t>
-            </a:r>
-            <a:r>
-              <a:rPr lang="zh-CN" altLang="en-US" sz="1200" b="0" i="0" baseline="0" smtClean="0">
-                <a:solidFill>
-                  <a:schemeClr val="tx1"/>
-                </a:solidFill>
-                <a:latin typeface="Calibri"/>
-                <a:ea typeface="宋体" pitchFamily="2" charset="-122"/>
-                <a:cs typeface="+mn-cs"/>
-              </a:rPr>
-              <a:t>和预期结果，和</a:t>
-            </a:r>
-            <a:r>
-              <a:rPr lang="en-US" altLang="zh-CN" sz="1200" b="0" i="0" baseline="0" smtClean="0">
+              <a:t>有关可选的时间</a:t>
+            </a:r>
+            <a:r>
+              <a:rPr lang="en-US" altLang="zh-CN" sz="1200" b="0" i="0" dirty="0" smtClean="0">
                 <a:solidFill>
                   <a:schemeClr val="tx1"/>
                 </a:solidFill>
@@ -3033,7 +3064,7 @@
               <a:t>/</a:t>
             </a:r>
             <a:r>
-              <a:rPr lang="zh-CN" altLang="en-US" sz="1200" b="0" i="0" baseline="0" smtClean="0">
+              <a:rPr lang="zh-CN" altLang="en-US" sz="1200" b="0" i="0" dirty="0" smtClean="0">
                 <a:solidFill>
                   <a:schemeClr val="tx1"/>
                 </a:solidFill>
@@ -3041,9 +3072,9 @@
                 <a:ea typeface="宋体" pitchFamily="2" charset="-122"/>
                 <a:cs typeface="+mn-cs"/>
               </a:rPr>
-              <a:t>或通过学习培养的技能。 </a:t>
-            </a:r>
-            <a:endParaRPr lang="zh-CN" altLang="en-US" sz="1200" b="0" i="0" baseline="0">
+              <a:t>目标阶段的日程设计。 </a:t>
+            </a:r>
+            <a:endParaRPr lang="zh-CN" altLang="en-US" sz="1200" b="0" i="0" dirty="0">
               <a:solidFill>
                 <a:schemeClr val="tx1"/>
               </a:solidFill>
@@ -3094,7 +3125,7 @@
     </p:spTree>
     <p:extLst>
       <p:ext uri="{BB962C8B-B14F-4D97-AF65-F5344CB8AC3E}">
-        <p14:creationId xmlns:p14="http://schemas.microsoft.com/office/powerpoint/2010/main" val="3122319661"/>
+        <p14:creationId xmlns:p14="http://schemas.microsoft.com/office/powerpoint/2010/main" val="3976239503"/>
       </p:ext>
     </p:extLst>
   </p:cSld>
@@ -3159,7 +3190,7 @@
               <a:buNone/>
             </a:pPr>
             <a:r>
-              <a:rPr lang="zh-CN" altLang="en-US" sz="1200" b="0" i="0" smtClean="0">
+              <a:rPr lang="zh-CN" altLang="en-US" sz="1200" b="0" i="0" dirty="0" smtClean="0">
                 <a:solidFill>
                   <a:schemeClr val="tx1"/>
                 </a:solidFill>
@@ -3167,42 +3198,9 @@
                 <a:ea typeface="宋体" pitchFamily="2" charset="-122"/>
                 <a:cs typeface="+mn-cs"/>
               </a:rPr>
-              <a:t>课程的目标</a:t>
-            </a:r>
-            <a:r>
-              <a:rPr lang="zh-CN" altLang="en-US" sz="1200" b="0" i="0" baseline="0" smtClean="0">
-                <a:solidFill>
-                  <a:schemeClr val="tx1"/>
-                </a:solidFill>
-                <a:latin typeface="Calibri"/>
-                <a:ea typeface="宋体" pitchFamily="2" charset="-122"/>
-                <a:cs typeface="+mn-cs"/>
-              </a:rPr>
-              <a:t>和预期结果，和</a:t>
-            </a:r>
-            <a:r>
-              <a:rPr lang="en-US" altLang="zh-CN" sz="1200" b="0" i="0" baseline="0" smtClean="0">
-                <a:solidFill>
-                  <a:schemeClr val="tx1"/>
-                </a:solidFill>
-                <a:latin typeface="Calibri"/>
-                <a:ea typeface="宋体" pitchFamily="2" charset="-122"/>
-                <a:cs typeface="+mn-cs"/>
-              </a:rPr>
-              <a:t>/</a:t>
-            </a:r>
-            <a:r>
-              <a:rPr lang="zh-CN" altLang="en-US" sz="1200" b="0" i="0" baseline="0" smtClean="0">
-                <a:solidFill>
-                  <a:schemeClr val="tx1"/>
-                </a:solidFill>
-                <a:latin typeface="Calibri"/>
-                <a:ea typeface="宋体" pitchFamily="2" charset="-122"/>
-                <a:cs typeface="+mn-cs"/>
-              </a:rPr>
-              <a:t>或通过学习培养的技能。 </a:t>
-            </a:r>
-            <a:endParaRPr lang="zh-CN" altLang="en-US" sz="1200" b="0" i="0" baseline="0">
+              <a:t>介绍性注释。</a:t>
+            </a:r>
+            <a:endParaRPr lang="zh-CN" altLang="en-US" sz="1200" b="0" i="0" dirty="0">
               <a:solidFill>
                 <a:schemeClr val="tx1"/>
               </a:solidFill>
@@ -3253,7 +3251,7 @@
     </p:spTree>
     <p:extLst>
       <p:ext uri="{BB962C8B-B14F-4D97-AF65-F5344CB8AC3E}">
-        <p14:creationId xmlns:p14="http://schemas.microsoft.com/office/powerpoint/2010/main" val="358460093"/>
+        <p14:creationId xmlns:p14="http://schemas.microsoft.com/office/powerpoint/2010/main" val="1443818733"/>
       </p:ext>
     </p:extLst>
   </p:cSld>
@@ -3565,7 +3563,7 @@
             <a:fld id="{743653DA-8BF4-4869-96FE-9BCF43372D46}" type="datetime8">
               <a:rPr lang="en-US" smtClean="0"/>
               <a:pPr algn="ctr"/>
-              <a:t>5/17/2017 8:33 AM</a:t>
+              <a:t>5/22/2017 7:46 PM</a:t>
             </a:fld>
             <a:endParaRPr lang="en-US" sz="2000" dirty="0">
               <a:solidFill>
@@ -3775,7 +3773,7 @@
                 </a:solidFill>
               </a:rPr>
               <a:pPr/>
-              <a:t>5/17/2017 8:33 AM</a:t>
+              <a:t>5/22/2017 7:46 PM</a:t>
             </a:fld>
             <a:endParaRPr lang="en-US"/>
           </a:p>
@@ -3965,7 +3963,7 @@
                 </a:solidFill>
               </a:rPr>
               <a:pPr/>
-              <a:t>5/17/2017 8:33 AM</a:t>
+              <a:t>5/22/2017 7:46 PM</a:t>
             </a:fld>
             <a:endParaRPr lang="en-US" dirty="0"/>
           </a:p>
@@ -4234,7 +4232,7 @@
             <a:fld id="{B7129108-AC8D-4212-9283-60D9E99BF07A}" type="datetime8">
               <a:rPr lang="en-US" smtClean="0"/>
               <a:pPr/>
-              <a:t>5/17/2017 8:33 AM</a:t>
+              <a:t>5/22/2017 7:46 PM</a:t>
             </a:fld>
             <a:endParaRPr lang="en-US" dirty="0"/>
           </a:p>
@@ -4651,7 +4649,7 @@
             <a:fld id="{B6DED3D3-6235-4F4C-B439-DF277FB555A7}" type="datetime8">
               <a:rPr lang="en-US" smtClean="0"/>
               <a:pPr/>
-              <a:t>5/17/2017 8:33 AM</a:t>
+              <a:t>5/22/2017 7:46 PM</a:t>
             </a:fld>
             <a:endParaRPr lang="en-US"/>
           </a:p>
@@ -4900,7 +4898,7 @@
             <a:fld id="{3B5F1E3E-4B2F-4895-B65E-28B2E64F39F6}" type="datetime8">
               <a:rPr lang="en-US" smtClean="0"/>
               <a:pPr/>
-              <a:t>5/17/2017 8:33 AM</a:t>
+              <a:t>5/22/2017 7:46 PM</a:t>
             </a:fld>
             <a:endParaRPr lang="en-US"/>
           </a:p>
@@ -5139,7 +5137,7 @@
             <a:fld id="{63085435-8225-4333-BFFA-0096413F0D76}" type="datetime8">
               <a:rPr lang="en-US" smtClean="0"/>
               <a:pPr/>
-              <a:t>5/17/2017 8:33 AM</a:t>
+              <a:t>5/22/2017 7:46 PM</a:t>
             </a:fld>
             <a:endParaRPr lang="en-US"/>
           </a:p>
@@ -5337,7 +5335,7 @@
             <a:fld id="{0783C494-2A87-468C-A21B-CB14FB9ABB00}" type="datetime8">
               <a:rPr lang="en-US" smtClean="0"/>
               <a:pPr/>
-              <a:t>5/17/2017 8:33 AM</a:t>
+              <a:t>5/22/2017 7:46 PM</a:t>
             </a:fld>
             <a:endParaRPr lang="en-US"/>
           </a:p>
@@ -5441,7 +5439,7 @@
             <a:fld id="{9A180FA0-5B31-4864-A2BB-719EA5A679C6}" type="datetime8">
               <a:rPr lang="en-US" smtClean="0"/>
               <a:pPr/>
-              <a:t>5/17/2017 8:33 AM</a:t>
+              <a:t>5/22/2017 7:46 PM</a:t>
             </a:fld>
             <a:endParaRPr lang="en-US"/>
           </a:p>
@@ -5583,7 +5581,7 @@
             <a:fld id="{4BECC0C8-36B8-442A-833D-B6AACE86BB77}" type="datetime8">
               <a:rPr lang="en-US" smtClean="0"/>
               <a:pPr/>
-              <a:t>5/17/2017 8:33 AM</a:t>
+              <a:t>5/22/2017 7:46 PM</a:t>
             </a:fld>
             <a:endParaRPr lang="en-US"/>
           </a:p>
@@ -6058,7 +6056,7 @@
             <a:fld id="{51E20EC5-AC53-4169-941E-EDF10CD23748}" type="datetime8">
               <a:rPr lang="en-US" smtClean="0"/>
               <a:pPr/>
-              <a:t>5/17/2017 8:33 AM</a:t>
+              <a:t>5/22/2017 7:46 PM</a:t>
             </a:fld>
             <a:endParaRPr lang="en-US"/>
           </a:p>
@@ -6326,7 +6324,7 @@
                 </a:solidFill>
               </a:rPr>
               <a:pPr/>
-              <a:t>5/17/2017 8:33 AM</a:t>
+              <a:t>5/22/2017 7:46 PM</a:t>
             </a:fld>
             <a:endParaRPr lang="en-US" sz="1400" dirty="0">
               <a:solidFill>
@@ -8489,3659 +8487,6 @@
       </p:grpSpPr>
       <p:sp>
         <p:nvSpPr>
-          <p:cNvPr id="2" name="Rectangle 1"/>
-          <p:cNvSpPr>
-            <a:spLocks noGrp="1"/>
-          </p:cNvSpPr>
-          <p:nvPr>
-            <p:ph type="title"/>
-          </p:nvPr>
-        </p:nvSpPr>
-        <p:spPr/>
-        <p:txBody>
-          <a:bodyPr/>
-          <a:lstStyle/>
-          <a:p>
-            <a:pPr algn="l" defTabSz="914400">
-              <a:spcBef>
-                <a:spcPts val="0"/>
-              </a:spcBef>
-              <a:buNone/>
-            </a:pPr>
-            <a:r>
-              <a:rPr lang="en-US" altLang="zh-CN" dirty="0" smtClean="0">
-                <a:solidFill>
-                  <a:srgbClr val="4F271C"/>
-                </a:solidFill>
-                <a:latin typeface="Tw Cen MT"/>
-                <a:ea typeface="宋体" pitchFamily="2" charset="-122"/>
-              </a:rPr>
-              <a:t>AES</a:t>
-            </a:r>
-            <a:r>
-              <a:rPr lang="zh-CN" altLang="en-US" dirty="0" smtClean="0">
-                <a:solidFill>
-                  <a:srgbClr val="4F271C"/>
-                </a:solidFill>
-                <a:latin typeface="Tw Cen MT"/>
-                <a:ea typeface="宋体" pitchFamily="2" charset="-122"/>
-              </a:rPr>
-              <a:t>加密</a:t>
-            </a:r>
-            <a:endParaRPr lang="zh-CN" altLang="en-US" sz="4400" b="0" i="0" dirty="0">
-              <a:solidFill>
-                <a:srgbClr val="4F271C"/>
-              </a:solidFill>
-              <a:latin typeface="Tw Cen MT"/>
-              <a:ea typeface="宋体" pitchFamily="2" charset="-122"/>
-              <a:cs typeface="+mj-cs"/>
-            </a:endParaRPr>
-          </a:p>
-        </p:txBody>
-      </p:sp>
-      <p:pic>
-        <p:nvPicPr>
-          <p:cNvPr id="14" name="内容占位符 13"/>
-          <p:cNvPicPr>
-            <a:picLocks noGrp="1" noChangeAspect="1"/>
-          </p:cNvPicPr>
-          <p:nvPr>
-            <p:ph sz="quarter" idx="1"/>
-          </p:nvPr>
-        </p:nvPicPr>
-        <p:blipFill>
-          <a:blip r:embed="rId4"/>
-          <a:stretch>
-            <a:fillRect/>
-          </a:stretch>
-        </p:blipFill>
-        <p:spPr>
-          <a:xfrm>
-            <a:off x="123321" y="1511300"/>
-            <a:ext cx="3914286" cy="4724399"/>
-          </a:xfrm>
-          <a:prstGeom prst="rect">
-            <a:avLst/>
-          </a:prstGeom>
-        </p:spPr>
-      </p:pic>
-      <p:sp>
-        <p:nvSpPr>
-          <p:cNvPr id="15" name="右箭头 14"/>
-          <p:cNvSpPr/>
-          <p:nvPr/>
-        </p:nvSpPr>
-        <p:spPr>
-          <a:xfrm>
-            <a:off x="990600" y="1828800"/>
-            <a:ext cx="609600" cy="228600"/>
-          </a:xfrm>
-          <a:prstGeom prst="rightArrow">
-            <a:avLst/>
-          </a:prstGeom>
-        </p:spPr>
-        <p:style>
-          <a:lnRef idx="2">
-            <a:schemeClr val="accent1">
-              <a:shade val="50000"/>
-            </a:schemeClr>
-          </a:lnRef>
-          <a:fillRef idx="1">
-            <a:schemeClr val="accent1"/>
-          </a:fillRef>
-          <a:effectRef idx="0">
-            <a:schemeClr val="accent1"/>
-          </a:effectRef>
-          <a:fontRef idx="minor">
-            <a:schemeClr val="lt1"/>
-          </a:fontRef>
-        </p:style>
-        <p:txBody>
-          <a:bodyPr rtlCol="0" anchor="ctr"/>
-          <a:lstStyle/>
-          <a:p>
-            <a:pPr algn="ctr"/>
-            <a:endParaRPr lang="en-US"/>
-          </a:p>
-        </p:txBody>
-      </p:sp>
-      <p:sp>
-        <p:nvSpPr>
-          <p:cNvPr id="87" name="矩形 86"/>
-          <p:cNvSpPr/>
-          <p:nvPr/>
-        </p:nvSpPr>
-        <p:spPr>
-          <a:xfrm>
-            <a:off x="6096000" y="2514600"/>
-            <a:ext cx="184731" cy="369332"/>
-          </a:xfrm>
-          <a:prstGeom prst="rect">
-            <a:avLst/>
-          </a:prstGeom>
-        </p:spPr>
-        <p:txBody>
-          <a:bodyPr wrap="none">
-            <a:spAutoFit/>
-          </a:bodyPr>
-          <a:lstStyle/>
-          <a:p>
-            <a:endParaRPr lang="en-US" dirty="0"/>
-          </a:p>
-        </p:txBody>
-      </p:sp>
-      <p:sp>
-        <p:nvSpPr>
-          <p:cNvPr id="88" name="Rectangle 72"/>
-          <p:cNvSpPr>
-            <a:spLocks noChangeArrowheads="1"/>
-          </p:cNvSpPr>
-          <p:nvPr/>
-        </p:nvSpPr>
-        <p:spPr bwMode="auto">
-          <a:xfrm>
-            <a:off x="4997450" y="1524000"/>
-            <a:ext cx="8991600" cy="553998"/>
-          </a:xfrm>
-          <a:prstGeom prst="rect">
-            <a:avLst/>
-          </a:prstGeom>
-          <a:noFill/>
-          <a:ln>
-            <a:noFill/>
-          </a:ln>
-          <a:effectLst/>
-          <a:extLst>
-            <a:ext uri="{909E8E84-426E-40DD-AFC4-6F175D3DCCD1}">
-              <a14:hiddenFill xmlns:a14="http://schemas.microsoft.com/office/drawing/2010/main">
-                <a:solidFill>
-                  <a:schemeClr val="accent1"/>
-                </a:solidFill>
-              </a14:hiddenFill>
-            </a:ext>
-            <a:ext uri="{91240B29-F687-4F45-9708-019B960494DF}">
-              <a14:hiddenLine xmlns:a14="http://schemas.microsoft.com/office/drawing/2010/main" w="9525">
-                <a:solidFill>
-                  <a:schemeClr val="tx1"/>
-                </a:solidFill>
-                <a:miter lim="800000"/>
-                <a:headEnd/>
-                <a:tailEnd/>
-              </a14:hiddenLine>
-            </a:ext>
-            <a:ext uri="{AF507438-7753-43E0-B8FC-AC1667EBCBE1}">
-              <a14:hiddenEffects xmlns:a14="http://schemas.microsoft.com/office/drawing/2010/main">
-                <a:effectLst>
-                  <a:outerShdw dist="35921" dir="2700000" algn="ctr" rotWithShape="0">
-                    <a:schemeClr val="bg2"/>
-                  </a:outerShdw>
-                </a:effectLst>
-              </a14:hiddenEffects>
-            </a:ext>
-          </a:extLst>
-        </p:spPr>
-        <p:txBody>
-          <a:bodyPr vert="horz" wrap="square" lIns="91440" tIns="45720" rIns="91440" bIns="45720" numCol="1" anchor="ctr" anchorCtr="0" compatLnSpc="1">
-            <a:prstTxWarp prst="textNoShape">
-              <a:avLst/>
-            </a:prstTxWarp>
-            <a:spAutoFit/>
-          </a:bodyPr>
-          <a:lstStyle/>
-          <a:p>
-            <a:pPr eaLnBrk="0" fontAlgn="base" hangingPunct="0">
-              <a:spcBef>
-                <a:spcPct val="0"/>
-              </a:spcBef>
-              <a:spcAft>
-                <a:spcPct val="0"/>
-              </a:spcAft>
-            </a:pPr>
-            <a:endParaRPr lang="zh-CN" altLang="en-US" sz="1200" dirty="0">
-              <a:latin typeface="宋体" panose="02010600030101010101" pitchFamily="2" charset="-122"/>
-              <a:ea typeface="宋体" panose="02010600030101010101" pitchFamily="2" charset="-122"/>
-            </a:endParaRPr>
-          </a:p>
-          <a:p>
-            <a:pPr marL="0" marR="0" lvl="0" indent="0" algn="l" defTabSz="914400" rtl="0" eaLnBrk="0" fontAlgn="base" latinLnBrk="0" hangingPunct="0">
-              <a:lnSpc>
-                <a:spcPct val="100000"/>
-              </a:lnSpc>
-              <a:spcBef>
-                <a:spcPct val="0"/>
-              </a:spcBef>
-              <a:spcAft>
-                <a:spcPct val="0"/>
-              </a:spcAft>
-              <a:buClrTx/>
-              <a:buSzTx/>
-              <a:buFontTx/>
-              <a:buNone/>
-              <a:tabLst/>
-            </a:pPr>
-            <a:endParaRPr kumimoji="0" lang="zh-CN" altLang="en-US" sz="1800" b="0" i="0" u="none" strike="noStrike" cap="none" normalizeH="0" baseline="0" dirty="0" smtClean="0">
-              <a:ln>
-                <a:noFill/>
-              </a:ln>
-              <a:solidFill>
-                <a:schemeClr val="tx1"/>
-              </a:solidFill>
-              <a:effectLst/>
-              <a:latin typeface="Arial" panose="020B0604020202020204" pitchFamily="34" charset="0"/>
-            </a:endParaRPr>
-          </a:p>
-        </p:txBody>
-      </p:sp>
-      <p:sp>
-        <p:nvSpPr>
-          <p:cNvPr id="91" name="Rectangle 76"/>
-          <p:cNvSpPr>
-            <a:spLocks noChangeArrowheads="1"/>
-          </p:cNvSpPr>
-          <p:nvPr/>
-        </p:nvSpPr>
-        <p:spPr bwMode="auto">
-          <a:xfrm>
-            <a:off x="5486400" y="664482"/>
-            <a:ext cx="9906000" cy="0"/>
-          </a:xfrm>
-          <a:prstGeom prst="rect">
-            <a:avLst/>
-          </a:prstGeom>
-          <a:noFill/>
-          <a:ln>
-            <a:noFill/>
-          </a:ln>
-          <a:effectLst/>
-          <a:extLst>
-            <a:ext uri="{909E8E84-426E-40DD-AFC4-6F175D3DCCD1}">
-              <a14:hiddenFill xmlns:a14="http://schemas.microsoft.com/office/drawing/2010/main">
-                <a:solidFill>
-                  <a:schemeClr val="accent1"/>
-                </a:solidFill>
-              </a14:hiddenFill>
-            </a:ext>
-            <a:ext uri="{91240B29-F687-4F45-9708-019B960494DF}">
-              <a14:hiddenLine xmlns:a14="http://schemas.microsoft.com/office/drawing/2010/main" w="9525">
-                <a:solidFill>
-                  <a:schemeClr val="tx1"/>
-                </a:solidFill>
-                <a:miter lim="800000"/>
-                <a:headEnd/>
-                <a:tailEnd/>
-              </a14:hiddenLine>
-            </a:ext>
-            <a:ext uri="{AF507438-7753-43E0-B8FC-AC1667EBCBE1}">
-              <a14:hiddenEffects xmlns:a14="http://schemas.microsoft.com/office/drawing/2010/main">
-                <a:effectLst>
-                  <a:outerShdw dist="35921" dir="2700000" algn="ctr" rotWithShape="0">
-                    <a:schemeClr val="bg2"/>
-                  </a:outerShdw>
-                </a:effectLst>
-              </a14:hiddenEffects>
-            </a:ext>
-          </a:extLst>
-        </p:spPr>
-        <p:txBody>
-          <a:bodyPr vert="horz" wrap="none" lIns="91440" tIns="45720" rIns="91440" bIns="45720" numCol="1" anchor="ctr" anchorCtr="0" compatLnSpc="1">
-            <a:prstTxWarp prst="textNoShape">
-              <a:avLst/>
-            </a:prstTxWarp>
-            <a:spAutoFit/>
-          </a:bodyPr>
-          <a:lstStyle/>
-          <a:p>
-            <a:endParaRPr lang="en-US"/>
-          </a:p>
-        </p:txBody>
-      </p:sp>
-      <p:graphicFrame>
-        <p:nvGraphicFramePr>
-          <p:cNvPr id="93" name="对象 92"/>
-          <p:cNvGraphicFramePr>
-            <a:graphicFrameLocks noChangeAspect="1"/>
-          </p:cNvGraphicFramePr>
-          <p:nvPr>
-            <p:extLst>
-              <p:ext uri="{D42A27DB-BD31-4B8C-83A1-F6EECF244321}">
-                <p14:modId xmlns:p14="http://schemas.microsoft.com/office/powerpoint/2010/main" val="837415584"/>
-              </p:ext>
-            </p:extLst>
-          </p:nvPr>
-        </p:nvGraphicFramePr>
-        <p:xfrm>
-          <a:off x="4895850" y="3338513"/>
-          <a:ext cx="114300" cy="177800"/>
-        </p:xfrm>
-        <a:graphic>
-          <a:graphicData uri="http://schemas.openxmlformats.org/presentationml/2006/ole">
-            <mc:AlternateContent xmlns:mc="http://schemas.openxmlformats.org/markup-compatibility/2006">
-              <mc:Choice xmlns:v="urn:schemas-microsoft-com:vml" Requires="v">
-                <p:oleObj spid="_x0000_s1146" name="Equation" r:id="rId5" imgW="114120" imgH="177480" progId="Equation.DSMT4">
-                  <p:embed/>
-                </p:oleObj>
-              </mc:Choice>
-              <mc:Fallback>
-                <p:oleObj name="Equation" r:id="rId5" imgW="114120" imgH="177480" progId="Equation.DSMT4">
-                  <p:embed/>
-                  <p:pic>
-                    <p:nvPicPr>
-                      <p:cNvPr id="0" name=""/>
-                      <p:cNvPicPr/>
-                      <p:nvPr/>
-                    </p:nvPicPr>
-                    <p:blipFill>
-                      <a:blip r:embed="rId6"/>
-                      <a:stretch>
-                        <a:fillRect/>
-                      </a:stretch>
-                    </p:blipFill>
-                    <p:spPr>
-                      <a:xfrm>
-                        <a:off x="4895850" y="3338513"/>
-                        <a:ext cx="114300" cy="177800"/>
-                      </a:xfrm>
-                      <a:prstGeom prst="rect">
-                        <a:avLst/>
-                      </a:prstGeom>
-                    </p:spPr>
-                  </p:pic>
-                </p:oleObj>
-              </mc:Fallback>
-            </mc:AlternateContent>
-          </a:graphicData>
-        </a:graphic>
-      </p:graphicFrame>
-      <p:pic>
-        <p:nvPicPr>
-          <p:cNvPr id="95" name="图片 94"/>
-          <p:cNvPicPr>
-            <a:picLocks noChangeAspect="1"/>
-          </p:cNvPicPr>
-          <p:nvPr/>
-        </p:nvPicPr>
-        <p:blipFill>
-          <a:blip r:embed="rId7"/>
-          <a:stretch>
-            <a:fillRect/>
-          </a:stretch>
-        </p:blipFill>
-        <p:spPr>
-          <a:xfrm>
-            <a:off x="3748590" y="2187091"/>
-            <a:ext cx="6157410" cy="1393682"/>
-          </a:xfrm>
-          <a:prstGeom prst="rect">
-            <a:avLst/>
-          </a:prstGeom>
-        </p:spPr>
-      </p:pic>
-      <p:pic>
-        <p:nvPicPr>
-          <p:cNvPr id="97" name="图片 96"/>
-          <p:cNvPicPr>
-            <a:picLocks noChangeAspect="1"/>
-          </p:cNvPicPr>
-          <p:nvPr/>
-        </p:nvPicPr>
-        <p:blipFill>
-          <a:blip r:embed="rId8"/>
-          <a:stretch>
-            <a:fillRect/>
-          </a:stretch>
-        </p:blipFill>
-        <p:spPr>
-          <a:xfrm>
-            <a:off x="4095802" y="3494643"/>
-            <a:ext cx="5761864" cy="1190062"/>
-          </a:xfrm>
-          <a:prstGeom prst="rect">
-            <a:avLst/>
-          </a:prstGeom>
-        </p:spPr>
-      </p:pic>
-      <p:graphicFrame>
-        <p:nvGraphicFramePr>
-          <p:cNvPr id="103" name="对象 102"/>
-          <p:cNvGraphicFramePr>
-            <a:graphicFrameLocks noChangeAspect="1"/>
-          </p:cNvGraphicFramePr>
-          <p:nvPr>
-            <p:extLst>
-              <p:ext uri="{D42A27DB-BD31-4B8C-83A1-F6EECF244321}">
-                <p14:modId xmlns:p14="http://schemas.microsoft.com/office/powerpoint/2010/main" val="2443792826"/>
-              </p:ext>
-            </p:extLst>
-          </p:nvPr>
-        </p:nvGraphicFramePr>
-        <p:xfrm>
-          <a:off x="4117504" y="2274404"/>
-          <a:ext cx="5657798" cy="1047750"/>
-        </p:xfrm>
-        <a:graphic>
-          <a:graphicData uri="http://schemas.openxmlformats.org/presentationml/2006/ole">
-            <mc:AlternateContent xmlns:mc="http://schemas.openxmlformats.org/markup-compatibility/2006">
-              <mc:Choice xmlns:v="urn:schemas-microsoft-com:vml" Requires="v">
-                <p:oleObj spid="_x0000_s1147" name="文档" r:id="rId9" imgW="5579216" imgH="1140313" progId="Word.Document.12">
-                  <p:embed/>
-                </p:oleObj>
-              </mc:Choice>
-              <mc:Fallback>
-                <p:oleObj name="文档" r:id="rId9" imgW="5579216" imgH="1140313" progId="Word.Document.12">
-                  <p:embed/>
-                  <p:pic>
-                    <p:nvPicPr>
-                      <p:cNvPr id="0" name=""/>
-                      <p:cNvPicPr/>
-                      <p:nvPr/>
-                    </p:nvPicPr>
-                    <p:blipFill>
-                      <a:blip r:embed="rId10"/>
-                      <a:stretch>
-                        <a:fillRect/>
-                      </a:stretch>
-                    </p:blipFill>
-                    <p:spPr>
-                      <a:xfrm>
-                        <a:off x="4117504" y="2274404"/>
-                        <a:ext cx="5657798" cy="1047750"/>
-                      </a:xfrm>
-                      <a:prstGeom prst="rect">
-                        <a:avLst/>
-                      </a:prstGeom>
-                    </p:spPr>
-                  </p:pic>
-                </p:oleObj>
-              </mc:Fallback>
-            </mc:AlternateContent>
-          </a:graphicData>
-        </a:graphic>
-      </p:graphicFrame>
-      <p:sp>
-        <p:nvSpPr>
-          <p:cNvPr id="104" name="文本框 103"/>
-          <p:cNvSpPr txBox="1"/>
-          <p:nvPr/>
-        </p:nvSpPr>
-        <p:spPr>
-          <a:xfrm>
-            <a:off x="3955243" y="1962025"/>
-            <a:ext cx="5820059" cy="830997"/>
-          </a:xfrm>
-          <a:prstGeom prst="rect">
-            <a:avLst/>
-          </a:prstGeom>
-          <a:noFill/>
-        </p:spPr>
-        <p:txBody>
-          <a:bodyPr wrap="square" rtlCol="0">
-            <a:spAutoFit/>
-          </a:bodyPr>
-          <a:lstStyle/>
-          <a:p>
-            <a:r>
-              <a:rPr lang="zh-CN" altLang="en-US" sz="1600" dirty="0"/>
-              <a:t>使用一个表</a:t>
-            </a:r>
-            <a:r>
-              <a:rPr lang="en-US" altLang="zh-CN" sz="1600" dirty="0"/>
-              <a:t>(</a:t>
-            </a:r>
-            <a:r>
-              <a:rPr lang="zh-CN" altLang="en-US" sz="1600" dirty="0"/>
-              <a:t>被称为</a:t>
-            </a:r>
-            <a:r>
-              <a:rPr lang="en-US" altLang="zh-CN" sz="1600" dirty="0"/>
-              <a:t>S</a:t>
-            </a:r>
-            <a:r>
-              <a:rPr lang="zh-CN" altLang="en-US" sz="1600" dirty="0"/>
-              <a:t>盒</a:t>
-            </a:r>
-            <a:r>
-              <a:rPr lang="en-US" altLang="zh-CN" sz="1600" dirty="0"/>
-              <a:t>)</a:t>
-            </a:r>
-            <a:r>
-              <a:rPr lang="zh-CN" altLang="en-US" sz="1600" dirty="0"/>
-              <a:t>对分组进行逐一字节替换。</a:t>
-            </a:r>
-            <a:r>
-              <a:rPr lang="en-US" altLang="zh-CN" sz="1600" dirty="0"/>
-              <a:t>S</a:t>
-            </a:r>
-            <a:r>
-              <a:rPr lang="zh-CN" altLang="en-US" sz="1600" dirty="0"/>
-              <a:t>盒是</a:t>
-            </a:r>
-            <a:r>
-              <a:rPr lang="en-US" altLang="zh-CN" sz="1600" dirty="0"/>
-              <a:t>AES</a:t>
-            </a:r>
-            <a:r>
-              <a:rPr lang="zh-CN" altLang="en-US" sz="1600" dirty="0"/>
-              <a:t>算法定义的矩阵，把</a:t>
-            </a:r>
-            <a:r>
-              <a:rPr lang="en-US" altLang="zh-CN" sz="1600" dirty="0"/>
-              <a:t>State</a:t>
-            </a:r>
-            <a:r>
-              <a:rPr lang="zh-CN" altLang="en-US" sz="1600" dirty="0"/>
-              <a:t>中每个字节的高</a:t>
-            </a:r>
-            <a:r>
-              <a:rPr lang="en-US" altLang="zh-CN" sz="1600" dirty="0"/>
-              <a:t>4</a:t>
-            </a:r>
-            <a:r>
-              <a:rPr lang="zh-CN" altLang="en-US" sz="1600" dirty="0"/>
-              <a:t>位作为行值，低</a:t>
-            </a:r>
-            <a:r>
-              <a:rPr lang="en-US" altLang="zh-CN" sz="1600" dirty="0"/>
-              <a:t>4</a:t>
-            </a:r>
-            <a:r>
-              <a:rPr lang="zh-CN" altLang="en-US" sz="1600" dirty="0"/>
-              <a:t>位作为列值，然后取出</a:t>
-            </a:r>
-            <a:r>
-              <a:rPr lang="en-US" altLang="zh-CN" sz="1600" dirty="0"/>
-              <a:t>S</a:t>
-            </a:r>
-            <a:r>
-              <a:rPr lang="zh-CN" altLang="en-US" sz="1600" dirty="0"/>
-              <a:t>一盒中对应行列的元素作为输出。</a:t>
-            </a:r>
-            <a:endParaRPr lang="en-US" sz="1600" dirty="0"/>
-          </a:p>
-        </p:txBody>
-      </p:sp>
-      <p:pic>
-        <p:nvPicPr>
-          <p:cNvPr id="105" name="图片 104"/>
-          <p:cNvPicPr>
-            <a:picLocks noChangeAspect="1"/>
-          </p:cNvPicPr>
-          <p:nvPr/>
-        </p:nvPicPr>
-        <p:blipFill>
-          <a:blip r:embed="rId11"/>
-          <a:stretch>
-            <a:fillRect/>
-          </a:stretch>
-        </p:blipFill>
-        <p:spPr>
-          <a:xfrm>
-            <a:off x="4130204" y="3170536"/>
-            <a:ext cx="5761864" cy="596553"/>
-          </a:xfrm>
-          <a:prstGeom prst="rect">
-            <a:avLst/>
-          </a:prstGeom>
-        </p:spPr>
-      </p:pic>
-      <p:graphicFrame>
-        <p:nvGraphicFramePr>
-          <p:cNvPr id="106" name="对象 105"/>
-          <p:cNvGraphicFramePr>
-            <a:graphicFrameLocks noChangeAspect="1"/>
-          </p:cNvGraphicFramePr>
-          <p:nvPr>
-            <p:extLst>
-              <p:ext uri="{D42A27DB-BD31-4B8C-83A1-F6EECF244321}">
-                <p14:modId xmlns:p14="http://schemas.microsoft.com/office/powerpoint/2010/main" val="741913155"/>
-              </p:ext>
-            </p:extLst>
-          </p:nvPr>
-        </p:nvGraphicFramePr>
-        <p:xfrm>
-          <a:off x="4051930" y="2667000"/>
-          <a:ext cx="5849608" cy="3908653"/>
-        </p:xfrm>
-        <a:graphic>
-          <a:graphicData uri="http://schemas.openxmlformats.org/presentationml/2006/ole">
-            <mc:AlternateContent xmlns:mc="http://schemas.openxmlformats.org/markup-compatibility/2006">
-              <mc:Choice xmlns:v="urn:schemas-microsoft-com:vml" Requires="v">
-                <p:oleObj spid="_x0000_s1148" name="文档" r:id="rId12" imgW="6597904" imgH="4408391" progId="Word.Document.12">
-                  <p:embed/>
-                </p:oleObj>
-              </mc:Choice>
-              <mc:Fallback>
-                <p:oleObj name="文档" r:id="rId12" imgW="6597904" imgH="4408391" progId="Word.Document.12">
-                  <p:embed/>
-                  <p:pic>
-                    <p:nvPicPr>
-                      <p:cNvPr id="0" name=""/>
-                      <p:cNvPicPr/>
-                      <p:nvPr/>
-                    </p:nvPicPr>
-                    <p:blipFill>
-                      <a:blip r:embed="rId13"/>
-                      <a:stretch>
-                        <a:fillRect/>
-                      </a:stretch>
-                    </p:blipFill>
-                    <p:spPr>
-                      <a:xfrm>
-                        <a:off x="4051930" y="2667000"/>
-                        <a:ext cx="5849608" cy="3908653"/>
-                      </a:xfrm>
-                      <a:prstGeom prst="rect">
-                        <a:avLst/>
-                      </a:prstGeom>
-                    </p:spPr>
-                  </p:pic>
-                </p:oleObj>
-              </mc:Fallback>
-            </mc:AlternateContent>
-          </a:graphicData>
-        </a:graphic>
-      </p:graphicFrame>
-    </p:spTree>
-  </p:cSld>
-  <p:clrMapOvr>
-    <a:masterClrMapping/>
-  </p:clrMapOvr>
-  <p:timing>
-    <p:tnLst>
-      <p:par>
-        <p:cTn id="1" dur="indefinite" restart="never" nodeType="tmRoot">
-          <p:childTnLst>
-            <p:seq concurrent="1" nextAc="seek">
-              <p:cTn id="2" dur="indefinite" nodeType="mainSeq">
-                <p:childTnLst>
-                  <p:par>
-                    <p:cTn id="3" fill="hold">
-                      <p:stCondLst>
-                        <p:cond delay="indefinite"/>
-                      </p:stCondLst>
-                      <p:childTnLst>
-                        <p:par>
-                          <p:cTn id="4" fill="hold">
-                            <p:stCondLst>
-                              <p:cond delay="0"/>
-                            </p:stCondLst>
-                            <p:childTnLst>
-                              <p:par>
-                                <p:cTn id="5" presetID="1" presetClass="entr" presetSubtype="0" fill="hold" grpId="0" nodeType="clickEffect">
-                                  <p:stCondLst>
-                                    <p:cond delay="0"/>
-                                  </p:stCondLst>
-                                  <p:childTnLst>
-                                    <p:set>
-                                      <p:cBhvr>
-                                        <p:cTn id="6" dur="1" fill="hold">
-                                          <p:stCondLst>
-                                            <p:cond delay="0"/>
-                                          </p:stCondLst>
-                                        </p:cTn>
-                                        <p:tgtEl>
-                                          <p:spTgt spid="15"/>
-                                        </p:tgtEl>
-                                        <p:attrNameLst>
-                                          <p:attrName>style.visibility</p:attrName>
-                                        </p:attrNameLst>
-                                      </p:cBhvr>
-                                      <p:to>
-                                        <p:strVal val="visible"/>
-                                      </p:to>
-                                    </p:set>
-                                  </p:childTnLst>
-                                </p:cTn>
-                              </p:par>
-                              <p:par>
-                                <p:cTn id="7" presetID="1" presetClass="entr" presetSubtype="0" fill="hold" nodeType="withEffect">
-                                  <p:stCondLst>
-                                    <p:cond delay="0"/>
-                                  </p:stCondLst>
-                                  <p:childTnLst>
-                                    <p:set>
-                                      <p:cBhvr>
-                                        <p:cTn id="8" dur="1" fill="hold">
-                                          <p:stCondLst>
-                                            <p:cond delay="0"/>
-                                          </p:stCondLst>
-                                        </p:cTn>
-                                        <p:tgtEl>
-                                          <p:spTgt spid="95"/>
-                                        </p:tgtEl>
-                                        <p:attrNameLst>
-                                          <p:attrName>style.visibility</p:attrName>
-                                        </p:attrNameLst>
-                                      </p:cBhvr>
-                                      <p:to>
-                                        <p:strVal val="visible"/>
-                                      </p:to>
-                                    </p:set>
-                                  </p:childTnLst>
-                                </p:cTn>
-                              </p:par>
-                              <p:par>
-                                <p:cTn id="9" presetID="1" presetClass="entr" presetSubtype="0" fill="hold" nodeType="withEffect">
-                                  <p:stCondLst>
-                                    <p:cond delay="0"/>
-                                  </p:stCondLst>
-                                  <p:childTnLst>
-                                    <p:set>
-                                      <p:cBhvr>
-                                        <p:cTn id="10" dur="1" fill="hold">
-                                          <p:stCondLst>
-                                            <p:cond delay="0"/>
-                                          </p:stCondLst>
-                                        </p:cTn>
-                                        <p:tgtEl>
-                                          <p:spTgt spid="97"/>
-                                        </p:tgtEl>
-                                        <p:attrNameLst>
-                                          <p:attrName>style.visibility</p:attrName>
-                                        </p:attrNameLst>
-                                      </p:cBhvr>
-                                      <p:to>
-                                        <p:strVal val="visible"/>
-                                      </p:to>
-                                    </p:set>
-                                  </p:childTnLst>
-                                </p:cTn>
-                              </p:par>
-                            </p:childTnLst>
-                          </p:cTn>
-                        </p:par>
-                      </p:childTnLst>
-                    </p:cTn>
-                  </p:par>
-                  <p:par>
-                    <p:cTn id="11" fill="hold">
-                      <p:stCondLst>
-                        <p:cond delay="indefinite"/>
-                      </p:stCondLst>
-                      <p:childTnLst>
-                        <p:par>
-                          <p:cTn id="12" fill="hold">
-                            <p:stCondLst>
-                              <p:cond delay="0"/>
-                            </p:stCondLst>
-                            <p:childTnLst>
-                              <p:par>
-                                <p:cTn id="13" presetID="10" presetClass="exit" presetSubtype="0" fill="hold" nodeType="clickEffect">
-                                  <p:stCondLst>
-                                    <p:cond delay="0"/>
-                                  </p:stCondLst>
-                                  <p:childTnLst>
-                                    <p:animEffect transition="out" filter="fade">
-                                      <p:cBhvr>
-                                        <p:cTn id="14" dur="500"/>
-                                        <p:tgtEl>
-                                          <p:spTgt spid="95"/>
-                                        </p:tgtEl>
-                                      </p:cBhvr>
-                                    </p:animEffect>
-                                    <p:set>
-                                      <p:cBhvr>
-                                        <p:cTn id="15" dur="1" fill="hold">
-                                          <p:stCondLst>
-                                            <p:cond delay="499"/>
-                                          </p:stCondLst>
-                                        </p:cTn>
-                                        <p:tgtEl>
-                                          <p:spTgt spid="95"/>
-                                        </p:tgtEl>
-                                        <p:attrNameLst>
-                                          <p:attrName>style.visibility</p:attrName>
-                                        </p:attrNameLst>
-                                      </p:cBhvr>
-                                      <p:to>
-                                        <p:strVal val="hidden"/>
-                                      </p:to>
-                                    </p:set>
-                                  </p:childTnLst>
-                                </p:cTn>
-                              </p:par>
-                              <p:par>
-                                <p:cTn id="16" presetID="10" presetClass="exit" presetSubtype="0" fill="hold" nodeType="withEffect">
-                                  <p:stCondLst>
-                                    <p:cond delay="0"/>
-                                  </p:stCondLst>
-                                  <p:childTnLst>
-                                    <p:animEffect transition="out" filter="fade">
-                                      <p:cBhvr>
-                                        <p:cTn id="17" dur="500"/>
-                                        <p:tgtEl>
-                                          <p:spTgt spid="97"/>
-                                        </p:tgtEl>
-                                      </p:cBhvr>
-                                    </p:animEffect>
-                                    <p:set>
-                                      <p:cBhvr>
-                                        <p:cTn id="18" dur="1" fill="hold">
-                                          <p:stCondLst>
-                                            <p:cond delay="499"/>
-                                          </p:stCondLst>
-                                        </p:cTn>
-                                        <p:tgtEl>
-                                          <p:spTgt spid="97"/>
-                                        </p:tgtEl>
-                                        <p:attrNameLst>
-                                          <p:attrName>style.visibility</p:attrName>
-                                        </p:attrNameLst>
-                                      </p:cBhvr>
-                                      <p:to>
-                                        <p:strVal val="hidden"/>
-                                      </p:to>
-                                    </p:set>
-                                  </p:childTnLst>
-                                </p:cTn>
-                              </p:par>
-                            </p:childTnLst>
-                          </p:cTn>
-                        </p:par>
-                      </p:childTnLst>
-                    </p:cTn>
-                  </p:par>
-                  <p:par>
-                    <p:cTn id="19" fill="hold">
-                      <p:stCondLst>
-                        <p:cond delay="indefinite"/>
-                      </p:stCondLst>
-                      <p:childTnLst>
-                        <p:par>
-                          <p:cTn id="20" fill="hold">
-                            <p:stCondLst>
-                              <p:cond delay="0"/>
-                            </p:stCondLst>
-                            <p:childTnLst>
-                              <p:par>
-                                <p:cTn id="21" presetID="42" presetClass="path" presetSubtype="0" accel="50000" decel="50000" fill="hold" grpId="1" nodeType="clickEffect">
-                                  <p:stCondLst>
-                                    <p:cond delay="0"/>
-                                  </p:stCondLst>
-                                  <p:childTnLst>
-                                    <p:animMotion origin="layout" path="M 7.69231E-7 -3.33333E-6 L -0.10769 0.04838 " pathEditMode="relative" rAng="0" ptsTypes="AA">
-                                      <p:cBhvr>
-                                        <p:cTn id="22" dur="2000" fill="hold"/>
-                                        <p:tgtEl>
-                                          <p:spTgt spid="15"/>
-                                        </p:tgtEl>
-                                        <p:attrNameLst>
-                                          <p:attrName>ppt_x</p:attrName>
-                                          <p:attrName>ppt_y</p:attrName>
-                                        </p:attrNameLst>
-                                      </p:cBhvr>
-                                      <p:rCtr x="-5385" y="2407"/>
-                                    </p:animMotion>
-                                  </p:childTnLst>
-                                </p:cTn>
-                              </p:par>
-                              <p:par>
-                                <p:cTn id="23" presetID="1" presetClass="entr" presetSubtype="0" fill="hold" nodeType="withEffect">
-                                  <p:stCondLst>
-                                    <p:cond delay="0"/>
-                                  </p:stCondLst>
-                                  <p:childTnLst>
-                                    <p:set>
-                                      <p:cBhvr>
-                                        <p:cTn id="24" dur="1" fill="hold">
-                                          <p:stCondLst>
-                                            <p:cond delay="0"/>
-                                          </p:stCondLst>
-                                        </p:cTn>
-                                        <p:tgtEl>
-                                          <p:spTgt spid="103"/>
-                                        </p:tgtEl>
-                                        <p:attrNameLst>
-                                          <p:attrName>style.visibility</p:attrName>
-                                        </p:attrNameLst>
-                                      </p:cBhvr>
-                                      <p:to>
-                                        <p:strVal val="visible"/>
-                                      </p:to>
-                                    </p:set>
-                                  </p:childTnLst>
-                                </p:cTn>
-                              </p:par>
-                            </p:childTnLst>
-                          </p:cTn>
-                        </p:par>
-                      </p:childTnLst>
-                    </p:cTn>
-                  </p:par>
-                  <p:par>
-                    <p:cTn id="25" fill="hold">
-                      <p:stCondLst>
-                        <p:cond delay="indefinite"/>
-                      </p:stCondLst>
-                      <p:childTnLst>
-                        <p:par>
-                          <p:cTn id="26" fill="hold">
-                            <p:stCondLst>
-                              <p:cond delay="0"/>
-                            </p:stCondLst>
-                            <p:childTnLst>
-                              <p:par>
-                                <p:cTn id="27" presetID="10" presetClass="exit" presetSubtype="0" fill="hold" nodeType="clickEffect">
-                                  <p:stCondLst>
-                                    <p:cond delay="0"/>
-                                  </p:stCondLst>
-                                  <p:childTnLst>
-                                    <p:animEffect transition="out" filter="fade">
-                                      <p:cBhvr>
-                                        <p:cTn id="28" dur="500"/>
-                                        <p:tgtEl>
-                                          <p:spTgt spid="103"/>
-                                        </p:tgtEl>
-                                      </p:cBhvr>
-                                    </p:animEffect>
-                                    <p:set>
-                                      <p:cBhvr>
-                                        <p:cTn id="29" dur="1" fill="hold">
-                                          <p:stCondLst>
-                                            <p:cond delay="499"/>
-                                          </p:stCondLst>
-                                        </p:cTn>
-                                        <p:tgtEl>
-                                          <p:spTgt spid="103"/>
-                                        </p:tgtEl>
-                                        <p:attrNameLst>
-                                          <p:attrName>style.visibility</p:attrName>
-                                        </p:attrNameLst>
-                                      </p:cBhvr>
-                                      <p:to>
-                                        <p:strVal val="hidden"/>
-                                      </p:to>
-                                    </p:set>
-                                  </p:childTnLst>
-                                </p:cTn>
-                              </p:par>
-                              <p:par>
-                                <p:cTn id="30" presetID="42" presetClass="path" presetSubtype="0" accel="50000" decel="50000" fill="hold" grpId="2" nodeType="withEffect">
-                                  <p:stCondLst>
-                                    <p:cond delay="0"/>
-                                  </p:stCondLst>
-                                  <p:childTnLst>
-                                    <p:animMotion origin="layout" path="M -0.10769 0.04838 L -0.10513 0.08334 " pathEditMode="relative" rAng="0" ptsTypes="AA">
-                                      <p:cBhvr>
-                                        <p:cTn id="31" dur="2000" fill="hold"/>
-                                        <p:tgtEl>
-                                          <p:spTgt spid="15"/>
-                                        </p:tgtEl>
-                                        <p:attrNameLst>
-                                          <p:attrName>ppt_x</p:attrName>
-                                          <p:attrName>ppt_y</p:attrName>
-                                        </p:attrNameLst>
-                                      </p:cBhvr>
-                                      <p:rCtr x="128" y="1736"/>
-                                    </p:animMotion>
-                                  </p:childTnLst>
-                                </p:cTn>
-                              </p:par>
-                              <p:par>
-                                <p:cTn id="32" presetID="10" presetClass="entr" presetSubtype="0" fill="hold" grpId="0" nodeType="withEffect">
-                                  <p:stCondLst>
-                                    <p:cond delay="0"/>
-                                  </p:stCondLst>
-                                  <p:childTnLst>
-                                    <p:set>
-                                      <p:cBhvr>
-                                        <p:cTn id="33" dur="1" fill="hold">
-                                          <p:stCondLst>
-                                            <p:cond delay="0"/>
-                                          </p:stCondLst>
-                                        </p:cTn>
-                                        <p:tgtEl>
-                                          <p:spTgt spid="104"/>
-                                        </p:tgtEl>
-                                        <p:attrNameLst>
-                                          <p:attrName>style.visibility</p:attrName>
-                                        </p:attrNameLst>
-                                      </p:cBhvr>
-                                      <p:to>
-                                        <p:strVal val="visible"/>
-                                      </p:to>
-                                    </p:set>
-                                    <p:animEffect transition="in" filter="fade">
-                                      <p:cBhvr>
-                                        <p:cTn id="34" dur="500"/>
-                                        <p:tgtEl>
-                                          <p:spTgt spid="104"/>
-                                        </p:tgtEl>
-                                      </p:cBhvr>
-                                    </p:animEffect>
-                                  </p:childTnLst>
-                                </p:cTn>
-                              </p:par>
-                            </p:childTnLst>
-                          </p:cTn>
-                        </p:par>
-                      </p:childTnLst>
-                    </p:cTn>
-                  </p:par>
-                  <p:par>
-                    <p:cTn id="35" fill="hold">
-                      <p:stCondLst>
-                        <p:cond delay="indefinite"/>
-                      </p:stCondLst>
-                      <p:childTnLst>
-                        <p:par>
-                          <p:cTn id="36" fill="hold">
-                            <p:stCondLst>
-                              <p:cond delay="0"/>
-                            </p:stCondLst>
-                            <p:childTnLst>
-                              <p:par>
-                                <p:cTn id="37" presetID="42" presetClass="path" presetSubtype="0" accel="50000" decel="50000" fill="hold" grpId="3" nodeType="clickEffect">
-                                  <p:stCondLst>
-                                    <p:cond delay="0"/>
-                                  </p:stCondLst>
-                                  <p:childTnLst>
-                                    <p:animMotion origin="layout" path="M -0.10513 0.08334 L -0.10513 0.12778 " pathEditMode="relative" rAng="0" ptsTypes="AA">
-                                      <p:cBhvr>
-                                        <p:cTn id="38" dur="2000" fill="hold"/>
-                                        <p:tgtEl>
-                                          <p:spTgt spid="15"/>
-                                        </p:tgtEl>
-                                        <p:attrNameLst>
-                                          <p:attrName>ppt_x</p:attrName>
-                                          <p:attrName>ppt_y</p:attrName>
-                                        </p:attrNameLst>
-                                      </p:cBhvr>
-                                      <p:rCtr x="0" y="1667"/>
-                                    </p:animMotion>
-                                  </p:childTnLst>
-                                </p:cTn>
-                              </p:par>
-                              <p:par>
-                                <p:cTn id="39" presetID="10" presetClass="exit" presetSubtype="0" fill="hold" grpId="1" nodeType="withEffect">
-                                  <p:stCondLst>
-                                    <p:cond delay="0"/>
-                                  </p:stCondLst>
-                                  <p:childTnLst>
-                                    <p:animEffect transition="out" filter="fade">
-                                      <p:cBhvr>
-                                        <p:cTn id="40" dur="500"/>
-                                        <p:tgtEl>
-                                          <p:spTgt spid="104"/>
-                                        </p:tgtEl>
-                                      </p:cBhvr>
-                                    </p:animEffect>
-                                    <p:set>
-                                      <p:cBhvr>
-                                        <p:cTn id="41" dur="1" fill="hold">
-                                          <p:stCondLst>
-                                            <p:cond delay="499"/>
-                                          </p:stCondLst>
-                                        </p:cTn>
-                                        <p:tgtEl>
-                                          <p:spTgt spid="104"/>
-                                        </p:tgtEl>
-                                        <p:attrNameLst>
-                                          <p:attrName>style.visibility</p:attrName>
-                                        </p:attrNameLst>
-                                      </p:cBhvr>
-                                      <p:to>
-                                        <p:strVal val="hidden"/>
-                                      </p:to>
-                                    </p:set>
-                                  </p:childTnLst>
-                                </p:cTn>
-                              </p:par>
-                            </p:childTnLst>
-                          </p:cTn>
-                        </p:par>
-                        <p:par>
-                          <p:cTn id="42" fill="hold">
-                            <p:stCondLst>
-                              <p:cond delay="2000"/>
-                            </p:stCondLst>
-                            <p:childTnLst>
-                              <p:par>
-                                <p:cTn id="43" presetID="1" presetClass="entr" presetSubtype="0" fill="hold" nodeType="afterEffect">
-                                  <p:stCondLst>
-                                    <p:cond delay="0"/>
-                                  </p:stCondLst>
-                                  <p:childTnLst>
-                                    <p:set>
-                                      <p:cBhvr>
-                                        <p:cTn id="44" dur="1" fill="hold">
-                                          <p:stCondLst>
-                                            <p:cond delay="0"/>
-                                          </p:stCondLst>
-                                        </p:cTn>
-                                        <p:tgtEl>
-                                          <p:spTgt spid="105"/>
-                                        </p:tgtEl>
-                                        <p:attrNameLst>
-                                          <p:attrName>style.visibility</p:attrName>
-                                        </p:attrNameLst>
-                                      </p:cBhvr>
-                                      <p:to>
-                                        <p:strVal val="visible"/>
-                                      </p:to>
-                                    </p:set>
-                                  </p:childTnLst>
-                                </p:cTn>
-                              </p:par>
-                            </p:childTnLst>
-                          </p:cTn>
-                        </p:par>
-                      </p:childTnLst>
-                    </p:cTn>
-                  </p:par>
-                  <p:par>
-                    <p:cTn id="45" fill="hold">
-                      <p:stCondLst>
-                        <p:cond delay="indefinite"/>
-                      </p:stCondLst>
-                      <p:childTnLst>
-                        <p:par>
-                          <p:cTn id="46" fill="hold">
-                            <p:stCondLst>
-                              <p:cond delay="0"/>
-                            </p:stCondLst>
-                            <p:childTnLst>
-                              <p:par>
-                                <p:cTn id="47" presetID="42" presetClass="path" presetSubtype="0" accel="50000" decel="50000" fill="hold" grpId="4" nodeType="clickEffect">
-                                  <p:stCondLst>
-                                    <p:cond delay="0"/>
-                                  </p:stCondLst>
-                                  <p:childTnLst>
-                                    <p:animMotion origin="layout" path="M -0.10513 0.12778 L -0.10769 0.16111 " pathEditMode="relative" rAng="0" ptsTypes="AA">
-                                      <p:cBhvr>
-                                        <p:cTn id="48" dur="2000" fill="hold"/>
-                                        <p:tgtEl>
-                                          <p:spTgt spid="15"/>
-                                        </p:tgtEl>
-                                        <p:attrNameLst>
-                                          <p:attrName>ppt_x</p:attrName>
-                                          <p:attrName>ppt_y</p:attrName>
-                                        </p:attrNameLst>
-                                      </p:cBhvr>
-                                      <p:rCtr x="-128" y="1852"/>
-                                    </p:animMotion>
-                                  </p:childTnLst>
-                                </p:cTn>
-                              </p:par>
-                              <p:par>
-                                <p:cTn id="49" presetID="10" presetClass="exit" presetSubtype="0" fill="hold" nodeType="withEffect">
-                                  <p:stCondLst>
-                                    <p:cond delay="0"/>
-                                  </p:stCondLst>
-                                  <p:childTnLst>
-                                    <p:animEffect transition="out" filter="fade">
-                                      <p:cBhvr>
-                                        <p:cTn id="50" dur="500"/>
-                                        <p:tgtEl>
-                                          <p:spTgt spid="105"/>
-                                        </p:tgtEl>
-                                      </p:cBhvr>
-                                    </p:animEffect>
-                                    <p:set>
-                                      <p:cBhvr>
-                                        <p:cTn id="51" dur="1" fill="hold">
-                                          <p:stCondLst>
-                                            <p:cond delay="499"/>
-                                          </p:stCondLst>
-                                        </p:cTn>
-                                        <p:tgtEl>
-                                          <p:spTgt spid="105"/>
-                                        </p:tgtEl>
-                                        <p:attrNameLst>
-                                          <p:attrName>style.visibility</p:attrName>
-                                        </p:attrNameLst>
-                                      </p:cBhvr>
-                                      <p:to>
-                                        <p:strVal val="hidden"/>
-                                      </p:to>
-                                    </p:set>
-                                  </p:childTnLst>
-                                </p:cTn>
-                              </p:par>
-                              <p:par>
-                                <p:cTn id="52" presetID="10" presetClass="entr" presetSubtype="0" fill="hold" nodeType="withEffect">
-                                  <p:stCondLst>
-                                    <p:cond delay="0"/>
-                                  </p:stCondLst>
-                                  <p:childTnLst>
-                                    <p:set>
-                                      <p:cBhvr>
-                                        <p:cTn id="53" dur="1" fill="hold">
-                                          <p:stCondLst>
-                                            <p:cond delay="0"/>
-                                          </p:stCondLst>
-                                        </p:cTn>
-                                        <p:tgtEl>
-                                          <p:spTgt spid="106"/>
-                                        </p:tgtEl>
-                                        <p:attrNameLst>
-                                          <p:attrName>style.visibility</p:attrName>
-                                        </p:attrNameLst>
-                                      </p:cBhvr>
-                                      <p:to>
-                                        <p:strVal val="visible"/>
-                                      </p:to>
-                                    </p:set>
-                                    <p:animEffect transition="in" filter="fade">
-                                      <p:cBhvr>
-                                        <p:cTn id="54" dur="500"/>
-                                        <p:tgtEl>
-                                          <p:spTgt spid="106"/>
-                                        </p:tgtEl>
-                                      </p:cBhvr>
-                                    </p:animEffect>
-                                  </p:childTnLst>
-                                </p:cTn>
-                              </p:par>
-                            </p:childTnLst>
-                          </p:cTn>
-                        </p:par>
-                      </p:childTnLst>
-                    </p:cTn>
-                  </p:par>
-                </p:childTnLst>
-              </p:cTn>
-              <p:prevCondLst>
-                <p:cond evt="onPrev" delay="0">
-                  <p:tgtEl>
-                    <p:sldTgt/>
-                  </p:tgtEl>
-                </p:cond>
-              </p:prevCondLst>
-              <p:nextCondLst>
-                <p:cond evt="onNext" delay="0">
-                  <p:tgtEl>
-                    <p:sldTgt/>
-                  </p:tgtEl>
-                </p:cond>
-              </p:nextCondLst>
-            </p:seq>
-          </p:childTnLst>
-        </p:cTn>
-      </p:par>
-    </p:tnLst>
-    <p:bldLst>
-      <p:bldP spid="15" grpId="0" animBg="1"/>
-      <p:bldP spid="15" grpId="1" animBg="1"/>
-      <p:bldP spid="15" grpId="2" animBg="1"/>
-      <p:bldP spid="15" grpId="3" animBg="1"/>
-      <p:bldP spid="15" grpId="4" animBg="1"/>
-      <p:bldP spid="104" grpId="0"/>
-      <p:bldP spid="104" grpId="1"/>
-    </p:bldLst>
-  </p:timing>
-</p:sld>
-</file>
-
-<file path=ppt/slides/slide3.xml><?xml version="1.0" encoding="utf-8"?>
-<p:sld xmlns:a="http://schemas.openxmlformats.org/drawingml/2006/main" xmlns:r="http://schemas.openxmlformats.org/officeDocument/2006/relationships" xmlns:p="http://schemas.openxmlformats.org/presentationml/2006/main">
-  <p:cSld>
-    <p:spTree>
-      <p:nvGrpSpPr>
-        <p:cNvPr id="1" name=""/>
-        <p:cNvGrpSpPr/>
-        <p:nvPr/>
-      </p:nvGrpSpPr>
-      <p:grpSpPr>
-        <a:xfrm>
-          <a:off x="0" y="0"/>
-          <a:ext cx="0" cy="0"/>
-          <a:chOff x="0" y="0"/>
-          <a:chExt cx="0" cy="0"/>
-        </a:xfrm>
-      </p:grpSpPr>
-      <p:sp>
-        <p:nvSpPr>
-          <p:cNvPr id="2" name="Rectangle 1"/>
-          <p:cNvSpPr>
-            <a:spLocks noGrp="1"/>
-          </p:cNvSpPr>
-          <p:nvPr>
-            <p:ph type="title"/>
-          </p:nvPr>
-        </p:nvSpPr>
-        <p:spPr/>
-        <p:txBody>
-          <a:bodyPr/>
-          <a:lstStyle/>
-          <a:p>
-            <a:pPr algn="l" defTabSz="914400">
-              <a:spcBef>
-                <a:spcPts val="0"/>
-              </a:spcBef>
-              <a:buNone/>
-            </a:pPr>
-            <a:r>
-              <a:rPr lang="en-US" altLang="zh-CN" sz="4400" b="0" i="0" dirty="0" smtClean="0">
-                <a:solidFill>
-                  <a:srgbClr val="4F271C"/>
-                </a:solidFill>
-                <a:latin typeface="Tw Cen MT"/>
-                <a:ea typeface="宋体" pitchFamily="2" charset="-122"/>
-                <a:cs typeface="+mj-cs"/>
-              </a:rPr>
-              <a:t>AES</a:t>
-            </a:r>
-            <a:r>
-              <a:rPr lang="zh-CN" altLang="en-US" sz="4400" b="0" i="0" dirty="0" smtClean="0">
-                <a:solidFill>
-                  <a:srgbClr val="4F271C"/>
-                </a:solidFill>
-                <a:latin typeface="Tw Cen MT"/>
-                <a:ea typeface="宋体" pitchFamily="2" charset="-122"/>
-                <a:cs typeface="+mj-cs"/>
-              </a:rPr>
-              <a:t>解密</a:t>
-            </a:r>
-            <a:endParaRPr lang="zh-CN" altLang="en-US" sz="4400" b="0" i="0" dirty="0">
-              <a:solidFill>
-                <a:srgbClr val="4F271C"/>
-              </a:solidFill>
-              <a:latin typeface="Tw Cen MT"/>
-              <a:ea typeface="宋体" pitchFamily="2" charset="-122"/>
-              <a:cs typeface="+mj-cs"/>
-            </a:endParaRPr>
-          </a:p>
-        </p:txBody>
-      </p:sp>
-      <p:pic>
-        <p:nvPicPr>
-          <p:cNvPr id="14" name="内容占位符 13"/>
-          <p:cNvPicPr>
-            <a:picLocks noGrp="1" noChangeAspect="1"/>
-          </p:cNvPicPr>
-          <p:nvPr>
-            <p:ph sz="quarter" idx="1"/>
-          </p:nvPr>
-        </p:nvPicPr>
-        <p:blipFill>
-          <a:blip r:embed="rId4"/>
-          <a:stretch>
-            <a:fillRect/>
-          </a:stretch>
-        </p:blipFill>
-        <p:spPr>
-          <a:xfrm>
-            <a:off x="123321" y="1511300"/>
-            <a:ext cx="3914286" cy="4724399"/>
-          </a:xfrm>
-          <a:prstGeom prst="rect">
-            <a:avLst/>
-          </a:prstGeom>
-        </p:spPr>
-      </p:pic>
-      <p:sp>
-        <p:nvSpPr>
-          <p:cNvPr id="15" name="右箭头 14"/>
-          <p:cNvSpPr/>
-          <p:nvPr/>
-        </p:nvSpPr>
-        <p:spPr>
-          <a:xfrm flipH="1">
-            <a:off x="3581400" y="2189956"/>
-            <a:ext cx="609600" cy="228600"/>
-          </a:xfrm>
-          <a:prstGeom prst="rightArrow">
-            <a:avLst/>
-          </a:prstGeom>
-        </p:spPr>
-        <p:style>
-          <a:lnRef idx="2">
-            <a:schemeClr val="accent1">
-              <a:shade val="50000"/>
-            </a:schemeClr>
-          </a:lnRef>
-          <a:fillRef idx="1">
-            <a:schemeClr val="accent1"/>
-          </a:fillRef>
-          <a:effectRef idx="0">
-            <a:schemeClr val="accent1"/>
-          </a:effectRef>
-          <a:fontRef idx="minor">
-            <a:schemeClr val="lt1"/>
-          </a:fontRef>
-        </p:style>
-        <p:txBody>
-          <a:bodyPr rtlCol="0" anchor="ctr"/>
-          <a:lstStyle/>
-          <a:p>
-            <a:pPr algn="ctr"/>
-            <a:endParaRPr lang="en-US"/>
-          </a:p>
-        </p:txBody>
-      </p:sp>
-      <p:sp>
-        <p:nvSpPr>
-          <p:cNvPr id="87" name="矩形 86"/>
-          <p:cNvSpPr/>
-          <p:nvPr/>
-        </p:nvSpPr>
-        <p:spPr>
-          <a:xfrm>
-            <a:off x="6096000" y="2514600"/>
-            <a:ext cx="184731" cy="369332"/>
-          </a:xfrm>
-          <a:prstGeom prst="rect">
-            <a:avLst/>
-          </a:prstGeom>
-        </p:spPr>
-        <p:txBody>
-          <a:bodyPr wrap="none">
-            <a:spAutoFit/>
-          </a:bodyPr>
-          <a:lstStyle/>
-          <a:p>
-            <a:endParaRPr lang="en-US" dirty="0"/>
-          </a:p>
-        </p:txBody>
-      </p:sp>
-      <p:sp>
-        <p:nvSpPr>
-          <p:cNvPr id="88" name="Rectangle 72"/>
-          <p:cNvSpPr>
-            <a:spLocks noChangeArrowheads="1"/>
-          </p:cNvSpPr>
-          <p:nvPr/>
-        </p:nvSpPr>
-        <p:spPr bwMode="auto">
-          <a:xfrm>
-            <a:off x="4997450" y="1524000"/>
-            <a:ext cx="8991600" cy="553998"/>
-          </a:xfrm>
-          <a:prstGeom prst="rect">
-            <a:avLst/>
-          </a:prstGeom>
-          <a:noFill/>
-          <a:ln>
-            <a:noFill/>
-          </a:ln>
-          <a:effectLst/>
-          <a:extLst>
-            <a:ext uri="{909E8E84-426E-40DD-AFC4-6F175D3DCCD1}">
-              <a14:hiddenFill xmlns:a14="http://schemas.microsoft.com/office/drawing/2010/main">
-                <a:solidFill>
-                  <a:schemeClr val="accent1"/>
-                </a:solidFill>
-              </a14:hiddenFill>
-            </a:ext>
-            <a:ext uri="{91240B29-F687-4F45-9708-019B960494DF}">
-              <a14:hiddenLine xmlns:a14="http://schemas.microsoft.com/office/drawing/2010/main" w="9525">
-                <a:solidFill>
-                  <a:schemeClr val="tx1"/>
-                </a:solidFill>
-                <a:miter lim="800000"/>
-                <a:headEnd/>
-                <a:tailEnd/>
-              </a14:hiddenLine>
-            </a:ext>
-            <a:ext uri="{AF507438-7753-43E0-B8FC-AC1667EBCBE1}">
-              <a14:hiddenEffects xmlns:a14="http://schemas.microsoft.com/office/drawing/2010/main">
-                <a:effectLst>
-                  <a:outerShdw dist="35921" dir="2700000" algn="ctr" rotWithShape="0">
-                    <a:schemeClr val="bg2"/>
-                  </a:outerShdw>
-                </a:effectLst>
-              </a14:hiddenEffects>
-            </a:ext>
-          </a:extLst>
-        </p:spPr>
-        <p:txBody>
-          <a:bodyPr vert="horz" wrap="square" lIns="91440" tIns="45720" rIns="91440" bIns="45720" numCol="1" anchor="ctr" anchorCtr="0" compatLnSpc="1">
-            <a:prstTxWarp prst="textNoShape">
-              <a:avLst/>
-            </a:prstTxWarp>
-            <a:spAutoFit/>
-          </a:bodyPr>
-          <a:lstStyle/>
-          <a:p>
-            <a:pPr eaLnBrk="0" fontAlgn="base" hangingPunct="0">
-              <a:spcBef>
-                <a:spcPct val="0"/>
-              </a:spcBef>
-              <a:spcAft>
-                <a:spcPct val="0"/>
-              </a:spcAft>
-            </a:pPr>
-            <a:endParaRPr lang="zh-CN" altLang="en-US" sz="1200" dirty="0">
-              <a:latin typeface="宋体" panose="02010600030101010101" pitchFamily="2" charset="-122"/>
-              <a:ea typeface="宋体" panose="02010600030101010101" pitchFamily="2" charset="-122"/>
-            </a:endParaRPr>
-          </a:p>
-          <a:p>
-            <a:pPr marL="0" marR="0" lvl="0" indent="0" algn="l" defTabSz="914400" rtl="0" eaLnBrk="0" fontAlgn="base" latinLnBrk="0" hangingPunct="0">
-              <a:lnSpc>
-                <a:spcPct val="100000"/>
-              </a:lnSpc>
-              <a:spcBef>
-                <a:spcPct val="0"/>
-              </a:spcBef>
-              <a:spcAft>
-                <a:spcPct val="0"/>
-              </a:spcAft>
-              <a:buClrTx/>
-              <a:buSzTx/>
-              <a:buFontTx/>
-              <a:buNone/>
-              <a:tabLst/>
-            </a:pPr>
-            <a:endParaRPr kumimoji="0" lang="zh-CN" altLang="en-US" sz="1800" b="0" i="0" u="none" strike="noStrike" cap="none" normalizeH="0" baseline="0" dirty="0" smtClean="0">
-              <a:ln>
-                <a:noFill/>
-              </a:ln>
-              <a:solidFill>
-                <a:schemeClr val="tx1"/>
-              </a:solidFill>
-              <a:effectLst/>
-              <a:latin typeface="Arial" panose="020B0604020202020204" pitchFamily="34" charset="0"/>
-            </a:endParaRPr>
-          </a:p>
-        </p:txBody>
-      </p:sp>
-      <p:sp>
-        <p:nvSpPr>
-          <p:cNvPr id="91" name="Rectangle 76"/>
-          <p:cNvSpPr>
-            <a:spLocks noChangeArrowheads="1"/>
-          </p:cNvSpPr>
-          <p:nvPr/>
-        </p:nvSpPr>
-        <p:spPr bwMode="auto">
-          <a:xfrm>
-            <a:off x="5486400" y="664482"/>
-            <a:ext cx="9906000" cy="0"/>
-          </a:xfrm>
-          <a:prstGeom prst="rect">
-            <a:avLst/>
-          </a:prstGeom>
-          <a:noFill/>
-          <a:ln>
-            <a:noFill/>
-          </a:ln>
-          <a:effectLst/>
-          <a:extLst>
-            <a:ext uri="{909E8E84-426E-40DD-AFC4-6F175D3DCCD1}">
-              <a14:hiddenFill xmlns:a14="http://schemas.microsoft.com/office/drawing/2010/main">
-                <a:solidFill>
-                  <a:schemeClr val="accent1"/>
-                </a:solidFill>
-              </a14:hiddenFill>
-            </a:ext>
-            <a:ext uri="{91240B29-F687-4F45-9708-019B960494DF}">
-              <a14:hiddenLine xmlns:a14="http://schemas.microsoft.com/office/drawing/2010/main" w="9525">
-                <a:solidFill>
-                  <a:schemeClr val="tx1"/>
-                </a:solidFill>
-                <a:miter lim="800000"/>
-                <a:headEnd/>
-                <a:tailEnd/>
-              </a14:hiddenLine>
-            </a:ext>
-            <a:ext uri="{AF507438-7753-43E0-B8FC-AC1667EBCBE1}">
-              <a14:hiddenEffects xmlns:a14="http://schemas.microsoft.com/office/drawing/2010/main">
-                <a:effectLst>
-                  <a:outerShdw dist="35921" dir="2700000" algn="ctr" rotWithShape="0">
-                    <a:schemeClr val="bg2"/>
-                  </a:outerShdw>
-                </a:effectLst>
-              </a14:hiddenEffects>
-            </a:ext>
-          </a:extLst>
-        </p:spPr>
-        <p:txBody>
-          <a:bodyPr vert="horz" wrap="none" lIns="91440" tIns="45720" rIns="91440" bIns="45720" numCol="1" anchor="ctr" anchorCtr="0" compatLnSpc="1">
-            <a:prstTxWarp prst="textNoShape">
-              <a:avLst/>
-            </a:prstTxWarp>
-            <a:spAutoFit/>
-          </a:bodyPr>
-          <a:lstStyle/>
-          <a:p>
-            <a:endParaRPr lang="en-US"/>
-          </a:p>
-        </p:txBody>
-      </p:sp>
-      <p:graphicFrame>
-        <p:nvGraphicFramePr>
-          <p:cNvPr id="93" name="对象 92"/>
-          <p:cNvGraphicFramePr>
-            <a:graphicFrameLocks noChangeAspect="1"/>
-          </p:cNvGraphicFramePr>
-          <p:nvPr/>
-        </p:nvGraphicFramePr>
-        <p:xfrm>
-          <a:off x="4895850" y="3338513"/>
-          <a:ext cx="114300" cy="177800"/>
-        </p:xfrm>
-        <a:graphic>
-          <a:graphicData uri="http://schemas.openxmlformats.org/presentationml/2006/ole">
-            <mc:AlternateContent xmlns:mc="http://schemas.openxmlformats.org/markup-compatibility/2006">
-              <mc:Choice xmlns:v="urn:schemas-microsoft-com:vml" Requires="v">
-                <p:oleObj spid="_x0000_s2063" name="Equation" r:id="rId5" imgW="114120" imgH="177480" progId="Equation.DSMT4">
-                  <p:embed/>
-                </p:oleObj>
-              </mc:Choice>
-              <mc:Fallback>
-                <p:oleObj name="Equation" r:id="rId5" imgW="114120" imgH="177480" progId="Equation.DSMT4">
-                  <p:embed/>
-                  <p:pic>
-                    <p:nvPicPr>
-                      <p:cNvPr id="0" name=""/>
-                      <p:cNvPicPr/>
-                      <p:nvPr/>
-                    </p:nvPicPr>
-                    <p:blipFill>
-                      <a:blip r:embed="rId6"/>
-                      <a:stretch>
-                        <a:fillRect/>
-                      </a:stretch>
-                    </p:blipFill>
-                    <p:spPr>
-                      <a:xfrm>
-                        <a:off x="4895850" y="3338513"/>
-                        <a:ext cx="114300" cy="177800"/>
-                      </a:xfrm>
-                      <a:prstGeom prst="rect">
-                        <a:avLst/>
-                      </a:prstGeom>
-                    </p:spPr>
-                  </p:pic>
-                </p:oleObj>
-              </mc:Fallback>
-            </mc:AlternateContent>
-          </a:graphicData>
-        </a:graphic>
-      </p:graphicFrame>
-      <p:sp>
-        <p:nvSpPr>
-          <p:cNvPr id="3" name="文本框 2"/>
-          <p:cNvSpPr txBox="1"/>
-          <p:nvPr/>
-        </p:nvSpPr>
-        <p:spPr>
-          <a:xfrm>
-            <a:off x="4191000" y="1909524"/>
-            <a:ext cx="5715000" cy="1200329"/>
-          </a:xfrm>
-          <a:prstGeom prst="rect">
-            <a:avLst/>
-          </a:prstGeom>
-          <a:noFill/>
-        </p:spPr>
-        <p:txBody>
-          <a:bodyPr wrap="square" rtlCol="0">
-            <a:spAutoFit/>
-          </a:bodyPr>
-          <a:lstStyle/>
-          <a:p>
-            <a:r>
-              <a:rPr lang="en-US" altLang="zh-CN" dirty="0" smtClean="0"/>
-              <a:t>AES</a:t>
-            </a:r>
-            <a:r>
-              <a:rPr lang="zh-CN" altLang="en-US" dirty="0" smtClean="0"/>
-              <a:t>逆向字节替换：与正向字节替换相反</a:t>
-            </a:r>
-            <a:r>
-              <a:rPr lang="en-US" altLang="zh-CN" dirty="0" smtClean="0"/>
-              <a:t>,</a:t>
-            </a:r>
-            <a:r>
-              <a:rPr lang="zh-CN" altLang="en-US" dirty="0" smtClean="0"/>
-              <a:t>即将矩阵中的每一个元素使用与字节替换相同的方法在</a:t>
-            </a:r>
-            <a:r>
-              <a:rPr lang="en-US" dirty="0" smtClean="0"/>
-              <a:t>S</a:t>
-            </a:r>
-            <a:r>
-              <a:rPr lang="en-US" baseline="30000" dirty="0" smtClean="0"/>
-              <a:t>-1</a:t>
-            </a:r>
-            <a:r>
-              <a:rPr lang="zh-CN" altLang="en-US" dirty="0"/>
-              <a:t>矩阵中进行代换</a:t>
-            </a:r>
-            <a:endParaRPr lang="en-US" dirty="0"/>
-          </a:p>
-          <a:p>
-            <a:endParaRPr lang="en-US" dirty="0"/>
-          </a:p>
-        </p:txBody>
-      </p:sp>
-      <p:sp>
-        <p:nvSpPr>
-          <p:cNvPr id="4" name="文本框 3"/>
-          <p:cNvSpPr txBox="1"/>
-          <p:nvPr/>
-        </p:nvSpPr>
-        <p:spPr>
-          <a:xfrm>
-            <a:off x="4203700" y="2119590"/>
-            <a:ext cx="3371850" cy="369332"/>
-          </a:xfrm>
-          <a:prstGeom prst="rect">
-            <a:avLst/>
-          </a:prstGeom>
-          <a:noFill/>
-        </p:spPr>
-        <p:txBody>
-          <a:bodyPr wrap="square" rtlCol="0">
-            <a:spAutoFit/>
-          </a:bodyPr>
-          <a:lstStyle/>
-          <a:p>
-            <a:r>
-              <a:rPr lang="zh-CN" altLang="en-US" dirty="0" smtClean="0"/>
-              <a:t>轮密钥加与上一张</a:t>
-            </a:r>
-            <a:r>
-              <a:rPr lang="en-US" altLang="zh-CN" dirty="0" smtClean="0"/>
-              <a:t>PPT</a:t>
-            </a:r>
-            <a:r>
-              <a:rPr lang="zh-CN" altLang="en-US" dirty="0" smtClean="0"/>
-              <a:t>相同</a:t>
-            </a:r>
-            <a:endParaRPr lang="en-US" dirty="0"/>
-          </a:p>
-        </p:txBody>
-      </p:sp>
-      <p:sp>
-        <p:nvSpPr>
-          <p:cNvPr id="5" name="矩形 4"/>
-          <p:cNvSpPr/>
-          <p:nvPr/>
-        </p:nvSpPr>
-        <p:spPr>
-          <a:xfrm>
-            <a:off x="4191000" y="2396530"/>
-            <a:ext cx="5639794" cy="923330"/>
-          </a:xfrm>
-          <a:prstGeom prst="rect">
-            <a:avLst/>
-          </a:prstGeom>
-        </p:spPr>
-        <p:txBody>
-          <a:bodyPr wrap="square">
-            <a:spAutoFit/>
-          </a:bodyPr>
-          <a:lstStyle/>
-          <a:p>
-            <a:r>
-              <a:rPr lang="zh-CN" altLang="en-US" dirty="0"/>
-              <a:t>行移位的逆变换就是将状态矩阵的每一列执行相反的移位操作。即，在</a:t>
-            </a:r>
-            <a:r>
-              <a:rPr lang="en-US" altLang="zh-CN" dirty="0"/>
-              <a:t>AES-128</a:t>
-            </a:r>
-            <a:r>
-              <a:rPr lang="zh-CN" altLang="en-US" dirty="0"/>
-              <a:t>中，状态矩阵的</a:t>
-            </a:r>
-            <a:r>
-              <a:rPr lang="zh-CN" altLang="en-US" dirty="0" smtClean="0"/>
-              <a:t>第</a:t>
-            </a:r>
-            <a:r>
-              <a:rPr lang="en-US" altLang="zh-CN" dirty="0" err="1" smtClean="0"/>
-              <a:t>i</a:t>
-            </a:r>
-            <a:r>
-              <a:rPr lang="zh-CN" altLang="en-US" dirty="0" smtClean="0"/>
-              <a:t>行右移</a:t>
-            </a:r>
-            <a:r>
-              <a:rPr lang="en-US" altLang="zh-CN" dirty="0" err="1" smtClean="0"/>
-              <a:t>i</a:t>
-            </a:r>
-            <a:r>
-              <a:rPr lang="zh-CN" altLang="en-US" dirty="0" smtClean="0"/>
-              <a:t> </a:t>
-            </a:r>
-            <a:r>
-              <a:rPr lang="zh-CN" altLang="en-US" dirty="0"/>
-              <a:t>个字节。</a:t>
-            </a:r>
-            <a:endParaRPr lang="en-US" dirty="0"/>
-          </a:p>
-        </p:txBody>
-      </p:sp>
-      <p:pic>
-        <p:nvPicPr>
-          <p:cNvPr id="6" name="图片 5"/>
-          <p:cNvPicPr>
-            <a:picLocks noChangeAspect="1"/>
-          </p:cNvPicPr>
-          <p:nvPr/>
-        </p:nvPicPr>
-        <p:blipFill>
-          <a:blip r:embed="rId7"/>
-          <a:stretch>
-            <a:fillRect/>
-          </a:stretch>
-        </p:blipFill>
-        <p:spPr>
-          <a:xfrm>
-            <a:off x="4114800" y="1937544"/>
-            <a:ext cx="7452067" cy="2436673"/>
-          </a:xfrm>
-          <a:prstGeom prst="rect">
-            <a:avLst/>
-          </a:prstGeom>
-        </p:spPr>
-      </p:pic>
-    </p:spTree>
-    <p:extLst>
-      <p:ext uri="{BB962C8B-B14F-4D97-AF65-F5344CB8AC3E}">
-        <p14:creationId xmlns:p14="http://schemas.microsoft.com/office/powerpoint/2010/main" val="2357395595"/>
-      </p:ext>
-    </p:extLst>
-  </p:cSld>
-  <p:clrMapOvr>
-    <a:masterClrMapping/>
-  </p:clrMapOvr>
-  <p:timing>
-    <p:tnLst>
-      <p:par>
-        <p:cTn id="1" dur="indefinite" restart="never" nodeType="tmRoot">
-          <p:childTnLst>
-            <p:seq concurrent="1" nextAc="seek">
-              <p:cTn id="2" dur="indefinite" nodeType="mainSeq">
-                <p:childTnLst>
-                  <p:par>
-                    <p:cTn id="3" fill="hold">
-                      <p:stCondLst>
-                        <p:cond delay="indefinite"/>
-                      </p:stCondLst>
-                      <p:childTnLst>
-                        <p:par>
-                          <p:cTn id="4" fill="hold">
-                            <p:stCondLst>
-                              <p:cond delay="0"/>
-                            </p:stCondLst>
-                            <p:childTnLst>
-                              <p:par>
-                                <p:cTn id="5" presetID="1" presetClass="entr" presetSubtype="0" fill="hold" grpId="0" nodeType="clickEffect">
-                                  <p:stCondLst>
-                                    <p:cond delay="0"/>
-                                  </p:stCondLst>
-                                  <p:childTnLst>
-                                    <p:set>
-                                      <p:cBhvr>
-                                        <p:cTn id="6" dur="1" fill="hold">
-                                          <p:stCondLst>
-                                            <p:cond delay="0"/>
-                                          </p:stCondLst>
-                                        </p:cTn>
-                                        <p:tgtEl>
-                                          <p:spTgt spid="15"/>
-                                        </p:tgtEl>
-                                        <p:attrNameLst>
-                                          <p:attrName>style.visibility</p:attrName>
-                                        </p:attrNameLst>
-                                      </p:cBhvr>
-                                      <p:to>
-                                        <p:strVal val="visible"/>
-                                      </p:to>
-                                    </p:set>
-                                  </p:childTnLst>
-                                </p:cTn>
-                              </p:par>
-                              <p:par>
-                                <p:cTn id="7" presetID="1" presetClass="entr" presetSubtype="0" fill="hold" grpId="0" nodeType="withEffect">
-                                  <p:stCondLst>
-                                    <p:cond delay="0"/>
-                                  </p:stCondLst>
-                                  <p:childTnLst>
-                                    <p:set>
-                                      <p:cBhvr>
-                                        <p:cTn id="8" dur="1" fill="hold">
-                                          <p:stCondLst>
-                                            <p:cond delay="0"/>
-                                          </p:stCondLst>
-                                        </p:cTn>
-                                        <p:tgtEl>
-                                          <p:spTgt spid="4"/>
-                                        </p:tgtEl>
-                                        <p:attrNameLst>
-                                          <p:attrName>style.visibility</p:attrName>
-                                        </p:attrNameLst>
-                                      </p:cBhvr>
-                                      <p:to>
-                                        <p:strVal val="visible"/>
-                                      </p:to>
-                                    </p:set>
-                                  </p:childTnLst>
-                                </p:cTn>
-                              </p:par>
-                            </p:childTnLst>
-                          </p:cTn>
-                        </p:par>
-                      </p:childTnLst>
-                    </p:cTn>
-                  </p:par>
-                  <p:par>
-                    <p:cTn id="9" fill="hold">
-                      <p:stCondLst>
-                        <p:cond delay="indefinite"/>
-                      </p:stCondLst>
-                      <p:childTnLst>
-                        <p:par>
-                          <p:cTn id="10" fill="hold">
-                            <p:stCondLst>
-                              <p:cond delay="0"/>
-                            </p:stCondLst>
-                            <p:childTnLst>
-                              <p:par>
-                                <p:cTn id="11" presetID="10" presetClass="exit" presetSubtype="0" fill="hold" grpId="1" nodeType="clickEffect">
-                                  <p:stCondLst>
-                                    <p:cond delay="0"/>
-                                  </p:stCondLst>
-                                  <p:childTnLst>
-                                    <p:animEffect transition="out" filter="fade">
-                                      <p:cBhvr>
-                                        <p:cTn id="12" dur="500"/>
-                                        <p:tgtEl>
-                                          <p:spTgt spid="4"/>
-                                        </p:tgtEl>
-                                      </p:cBhvr>
-                                    </p:animEffect>
-                                    <p:set>
-                                      <p:cBhvr>
-                                        <p:cTn id="13" dur="1" fill="hold">
-                                          <p:stCondLst>
-                                            <p:cond delay="499"/>
-                                          </p:stCondLst>
-                                        </p:cTn>
-                                        <p:tgtEl>
-                                          <p:spTgt spid="4"/>
-                                        </p:tgtEl>
-                                        <p:attrNameLst>
-                                          <p:attrName>style.visibility</p:attrName>
-                                        </p:attrNameLst>
-                                      </p:cBhvr>
-                                      <p:to>
-                                        <p:strVal val="hidden"/>
-                                      </p:to>
-                                    </p:set>
-                                  </p:childTnLst>
-                                </p:cTn>
-                              </p:par>
-                              <p:par>
-                                <p:cTn id="14" presetID="42" presetClass="path" presetSubtype="0" accel="50000" decel="50000" fill="hold" grpId="1" nodeType="withEffect">
-                                  <p:stCondLst>
-                                    <p:cond delay="0"/>
-                                  </p:stCondLst>
-                                  <p:childTnLst>
-                                    <p:animMotion origin="layout" path="M 2.30769E-6 3.7037E-7 L 2.30769E-6 0.03079 " pathEditMode="relative" rAng="0" ptsTypes="AA">
-                                      <p:cBhvr>
-                                        <p:cTn id="15" dur="2000" fill="hold"/>
-                                        <p:tgtEl>
-                                          <p:spTgt spid="15"/>
-                                        </p:tgtEl>
-                                        <p:attrNameLst>
-                                          <p:attrName>ppt_x</p:attrName>
-                                          <p:attrName>ppt_y</p:attrName>
-                                        </p:attrNameLst>
-                                      </p:cBhvr>
-                                      <p:rCtr x="0" y="1528"/>
-                                    </p:animMotion>
-                                  </p:childTnLst>
-                                </p:cTn>
-                              </p:par>
-                            </p:childTnLst>
-                          </p:cTn>
-                        </p:par>
-                        <p:par>
-                          <p:cTn id="16" fill="hold">
-                            <p:stCondLst>
-                              <p:cond delay="2000"/>
-                            </p:stCondLst>
-                            <p:childTnLst>
-                              <p:par>
-                                <p:cTn id="17" presetID="1" presetClass="entr" presetSubtype="0" fill="hold" grpId="0" nodeType="afterEffect">
-                                  <p:stCondLst>
-                                    <p:cond delay="0"/>
-                                  </p:stCondLst>
-                                  <p:childTnLst>
-                                    <p:set>
-                                      <p:cBhvr>
-                                        <p:cTn id="18" dur="1" fill="hold">
-                                          <p:stCondLst>
-                                            <p:cond delay="0"/>
-                                          </p:stCondLst>
-                                        </p:cTn>
-                                        <p:tgtEl>
-                                          <p:spTgt spid="3"/>
-                                        </p:tgtEl>
-                                        <p:attrNameLst>
-                                          <p:attrName>style.visibility</p:attrName>
-                                        </p:attrNameLst>
-                                      </p:cBhvr>
-                                      <p:to>
-                                        <p:strVal val="visible"/>
-                                      </p:to>
-                                    </p:set>
-                                  </p:childTnLst>
-                                </p:cTn>
-                              </p:par>
-                            </p:childTnLst>
-                          </p:cTn>
-                        </p:par>
-                      </p:childTnLst>
-                    </p:cTn>
-                  </p:par>
-                  <p:par>
-                    <p:cTn id="19" fill="hold">
-                      <p:stCondLst>
-                        <p:cond delay="indefinite"/>
-                      </p:stCondLst>
-                      <p:childTnLst>
-                        <p:par>
-                          <p:cTn id="20" fill="hold">
-                            <p:stCondLst>
-                              <p:cond delay="0"/>
-                            </p:stCondLst>
-                            <p:childTnLst>
-                              <p:par>
-                                <p:cTn id="21" presetID="42" presetClass="path" presetSubtype="0" accel="50000" decel="50000" fill="hold" grpId="2" nodeType="clickEffect">
-                                  <p:stCondLst>
-                                    <p:cond delay="0"/>
-                                  </p:stCondLst>
-                                  <p:childTnLst>
-                                    <p:animMotion origin="layout" path="M 2.30769E-6 0.03079 L 2.30769E-6 0.07523 " pathEditMode="relative" rAng="0" ptsTypes="AA">
-                                      <p:cBhvr>
-                                        <p:cTn id="22" dur="2000" fill="hold"/>
-                                        <p:tgtEl>
-                                          <p:spTgt spid="15"/>
-                                        </p:tgtEl>
-                                        <p:attrNameLst>
-                                          <p:attrName>ppt_x</p:attrName>
-                                          <p:attrName>ppt_y</p:attrName>
-                                        </p:attrNameLst>
-                                      </p:cBhvr>
-                                      <p:rCtr x="0" y="1667"/>
-                                    </p:animMotion>
-                                  </p:childTnLst>
-                                </p:cTn>
-                              </p:par>
-                              <p:par>
-                                <p:cTn id="23" presetID="10" presetClass="exit" presetSubtype="0" fill="hold" grpId="2" nodeType="withEffect">
-                                  <p:stCondLst>
-                                    <p:cond delay="0"/>
-                                  </p:stCondLst>
-                                  <p:childTnLst>
-                                    <p:animEffect transition="out" filter="fade">
-                                      <p:cBhvr>
-                                        <p:cTn id="24" dur="500"/>
-                                        <p:tgtEl>
-                                          <p:spTgt spid="3"/>
-                                        </p:tgtEl>
-                                      </p:cBhvr>
-                                    </p:animEffect>
-                                    <p:set>
-                                      <p:cBhvr>
-                                        <p:cTn id="25" dur="1" fill="hold">
-                                          <p:stCondLst>
-                                            <p:cond delay="499"/>
-                                          </p:stCondLst>
-                                        </p:cTn>
-                                        <p:tgtEl>
-                                          <p:spTgt spid="3"/>
-                                        </p:tgtEl>
-                                        <p:attrNameLst>
-                                          <p:attrName>style.visibility</p:attrName>
-                                        </p:attrNameLst>
-                                      </p:cBhvr>
-                                      <p:to>
-                                        <p:strVal val="hidden"/>
-                                      </p:to>
-                                    </p:set>
-                                  </p:childTnLst>
-                                </p:cTn>
-                              </p:par>
-                            </p:childTnLst>
-                          </p:cTn>
-                        </p:par>
-                        <p:par>
-                          <p:cTn id="26" fill="hold">
-                            <p:stCondLst>
-                              <p:cond delay="2000"/>
-                            </p:stCondLst>
-                            <p:childTnLst>
-                              <p:par>
-                                <p:cTn id="27" presetID="10" presetClass="entr" presetSubtype="0" fill="hold" grpId="0" nodeType="afterEffect">
-                                  <p:stCondLst>
-                                    <p:cond delay="0"/>
-                                  </p:stCondLst>
-                                  <p:childTnLst>
-                                    <p:set>
-                                      <p:cBhvr>
-                                        <p:cTn id="28" dur="1" fill="hold">
-                                          <p:stCondLst>
-                                            <p:cond delay="0"/>
-                                          </p:stCondLst>
-                                        </p:cTn>
-                                        <p:tgtEl>
-                                          <p:spTgt spid="5"/>
-                                        </p:tgtEl>
-                                        <p:attrNameLst>
-                                          <p:attrName>style.visibility</p:attrName>
-                                        </p:attrNameLst>
-                                      </p:cBhvr>
-                                      <p:to>
-                                        <p:strVal val="visible"/>
-                                      </p:to>
-                                    </p:set>
-                                    <p:animEffect transition="in" filter="fade">
-                                      <p:cBhvr>
-                                        <p:cTn id="29" dur="500"/>
-                                        <p:tgtEl>
-                                          <p:spTgt spid="5"/>
-                                        </p:tgtEl>
-                                      </p:cBhvr>
-                                    </p:animEffect>
-                                  </p:childTnLst>
-                                </p:cTn>
-                              </p:par>
-                            </p:childTnLst>
-                          </p:cTn>
-                        </p:par>
-                      </p:childTnLst>
-                    </p:cTn>
-                  </p:par>
-                  <p:par>
-                    <p:cTn id="30" fill="hold">
-                      <p:stCondLst>
-                        <p:cond delay="indefinite"/>
-                      </p:stCondLst>
-                      <p:childTnLst>
-                        <p:par>
-                          <p:cTn id="31" fill="hold">
-                            <p:stCondLst>
-                              <p:cond delay="0"/>
-                            </p:stCondLst>
-                            <p:childTnLst>
-                              <p:par>
-                                <p:cTn id="32" presetID="42" presetClass="path" presetSubtype="0" accel="50000" decel="50000" fill="hold" grpId="3" nodeType="clickEffect">
-                                  <p:stCondLst>
-                                    <p:cond delay="0"/>
-                                  </p:stCondLst>
-                                  <p:childTnLst>
-                                    <p:animMotion origin="layout" path="M 2.30769E-6 0.07523 L 2.30769E-6 0.11574 " pathEditMode="relative" rAng="0" ptsTypes="AA">
-                                      <p:cBhvr>
-                                        <p:cTn id="33" dur="2000" fill="hold"/>
-                                        <p:tgtEl>
-                                          <p:spTgt spid="15"/>
-                                        </p:tgtEl>
-                                        <p:attrNameLst>
-                                          <p:attrName>ppt_x</p:attrName>
-                                          <p:attrName>ppt_y</p:attrName>
-                                        </p:attrNameLst>
-                                      </p:cBhvr>
-                                      <p:rCtr x="0" y="2014"/>
-                                    </p:animMotion>
-                                  </p:childTnLst>
-                                </p:cTn>
-                              </p:par>
-                              <p:par>
-                                <p:cTn id="34" presetID="10" presetClass="exit" presetSubtype="0" fill="hold" grpId="1" nodeType="withEffect">
-                                  <p:stCondLst>
-                                    <p:cond delay="0"/>
-                                  </p:stCondLst>
-                                  <p:childTnLst>
-                                    <p:animEffect transition="out" filter="fade">
-                                      <p:cBhvr>
-                                        <p:cTn id="35" dur="500"/>
-                                        <p:tgtEl>
-                                          <p:spTgt spid="5"/>
-                                        </p:tgtEl>
-                                      </p:cBhvr>
-                                    </p:animEffect>
-                                    <p:set>
-                                      <p:cBhvr>
-                                        <p:cTn id="36" dur="1" fill="hold">
-                                          <p:stCondLst>
-                                            <p:cond delay="499"/>
-                                          </p:stCondLst>
-                                        </p:cTn>
-                                        <p:tgtEl>
-                                          <p:spTgt spid="5"/>
-                                        </p:tgtEl>
-                                        <p:attrNameLst>
-                                          <p:attrName>style.visibility</p:attrName>
-                                        </p:attrNameLst>
-                                      </p:cBhvr>
-                                      <p:to>
-                                        <p:strVal val="hidden"/>
-                                      </p:to>
-                                    </p:set>
-                                  </p:childTnLst>
-                                </p:cTn>
-                              </p:par>
-                            </p:childTnLst>
-                          </p:cTn>
-                        </p:par>
-                        <p:par>
-                          <p:cTn id="37" fill="hold">
-                            <p:stCondLst>
-                              <p:cond delay="2000"/>
-                            </p:stCondLst>
-                            <p:childTnLst>
-                              <p:par>
-                                <p:cTn id="38" presetID="1" presetClass="entr" presetSubtype="0" fill="hold" nodeType="afterEffect">
-                                  <p:stCondLst>
-                                    <p:cond delay="0"/>
-                                  </p:stCondLst>
-                                  <p:childTnLst>
-                                    <p:set>
-                                      <p:cBhvr>
-                                        <p:cTn id="39" dur="1" fill="hold">
-                                          <p:stCondLst>
-                                            <p:cond delay="0"/>
-                                          </p:stCondLst>
-                                        </p:cTn>
-                                        <p:tgtEl>
-                                          <p:spTgt spid="6"/>
-                                        </p:tgtEl>
-                                        <p:attrNameLst>
-                                          <p:attrName>style.visibility</p:attrName>
-                                        </p:attrNameLst>
-                                      </p:cBhvr>
-                                      <p:to>
-                                        <p:strVal val="visible"/>
-                                      </p:to>
-                                    </p:set>
-                                  </p:childTnLst>
-                                </p:cTn>
-                              </p:par>
-                            </p:childTnLst>
-                          </p:cTn>
-                        </p:par>
-                      </p:childTnLst>
-                    </p:cTn>
-                  </p:par>
-                  <p:par>
-                    <p:cTn id="40" fill="hold">
-                      <p:stCondLst>
-                        <p:cond delay="indefinite"/>
-                      </p:stCondLst>
-                      <p:childTnLst>
-                        <p:par>
-                          <p:cTn id="41" fill="hold">
-                            <p:stCondLst>
-                              <p:cond delay="0"/>
-                            </p:stCondLst>
-                            <p:childTnLst>
-                              <p:par>
-                                <p:cTn id="42" presetID="10" presetClass="exit" presetSubtype="0" fill="hold" nodeType="clickEffect">
-                                  <p:stCondLst>
-                                    <p:cond delay="0"/>
-                                  </p:stCondLst>
-                                  <p:childTnLst>
-                                    <p:animEffect transition="out" filter="fade">
-                                      <p:cBhvr>
-                                        <p:cTn id="43" dur="500"/>
-                                        <p:tgtEl>
-                                          <p:spTgt spid="6"/>
-                                        </p:tgtEl>
-                                      </p:cBhvr>
-                                    </p:animEffect>
-                                    <p:set>
-                                      <p:cBhvr>
-                                        <p:cTn id="44" dur="1" fill="hold">
-                                          <p:stCondLst>
-                                            <p:cond delay="499"/>
-                                          </p:stCondLst>
-                                        </p:cTn>
-                                        <p:tgtEl>
-                                          <p:spTgt spid="6"/>
-                                        </p:tgtEl>
-                                        <p:attrNameLst>
-                                          <p:attrName>style.visibility</p:attrName>
-                                        </p:attrNameLst>
-                                      </p:cBhvr>
-                                      <p:to>
-                                        <p:strVal val="hidden"/>
-                                      </p:to>
-                                    </p:set>
-                                  </p:childTnLst>
-                                </p:cTn>
-                              </p:par>
-                              <p:par>
-                                <p:cTn id="45" presetID="10" presetClass="exit" presetSubtype="0" fill="hold" nodeType="withEffect">
-                                  <p:stCondLst>
-                                    <p:cond delay="0"/>
-                                  </p:stCondLst>
-                                  <p:childTnLst>
-                                    <p:animEffect transition="out" filter="fade">
-                                      <p:cBhvr>
-                                        <p:cTn id="46" dur="500"/>
-                                        <p:tgtEl>
-                                          <p:spTgt spid="14"/>
-                                        </p:tgtEl>
-                                      </p:cBhvr>
-                                    </p:animEffect>
-                                    <p:set>
-                                      <p:cBhvr>
-                                        <p:cTn id="47" dur="1" fill="hold">
-                                          <p:stCondLst>
-                                            <p:cond delay="499"/>
-                                          </p:stCondLst>
-                                        </p:cTn>
-                                        <p:tgtEl>
-                                          <p:spTgt spid="14"/>
-                                        </p:tgtEl>
-                                        <p:attrNameLst>
-                                          <p:attrName>style.visibility</p:attrName>
-                                        </p:attrNameLst>
-                                      </p:cBhvr>
-                                      <p:to>
-                                        <p:strVal val="hidden"/>
-                                      </p:to>
-                                    </p:set>
-                                  </p:childTnLst>
-                                </p:cTn>
-                              </p:par>
-                              <p:par>
-                                <p:cTn id="48" presetID="10" presetClass="exit" presetSubtype="0" fill="hold" grpId="0" nodeType="withEffect">
-                                  <p:stCondLst>
-                                    <p:cond delay="0"/>
-                                  </p:stCondLst>
-                                  <p:childTnLst>
-                                    <p:animEffect transition="out" filter="fade">
-                                      <p:cBhvr>
-                                        <p:cTn id="49" dur="500"/>
-                                        <p:tgtEl>
-                                          <p:spTgt spid="2"/>
-                                        </p:tgtEl>
-                                      </p:cBhvr>
-                                    </p:animEffect>
-                                    <p:set>
-                                      <p:cBhvr>
-                                        <p:cTn id="50" dur="1" fill="hold">
-                                          <p:stCondLst>
-                                            <p:cond delay="499"/>
-                                          </p:stCondLst>
-                                        </p:cTn>
-                                        <p:tgtEl>
-                                          <p:spTgt spid="2"/>
-                                        </p:tgtEl>
-                                        <p:attrNameLst>
-                                          <p:attrName>style.visibility</p:attrName>
-                                        </p:attrNameLst>
-                                      </p:cBhvr>
-                                      <p:to>
-                                        <p:strVal val="hidden"/>
-                                      </p:to>
-                                    </p:set>
-                                  </p:childTnLst>
-                                </p:cTn>
-                              </p:par>
-                            </p:childTnLst>
-                          </p:cTn>
-                        </p:par>
-                        <p:par>
-                          <p:cTn id="51" fill="hold">
-                            <p:stCondLst>
-                              <p:cond delay="500"/>
-                            </p:stCondLst>
-                            <p:childTnLst>
-                              <p:par>
-                                <p:cTn id="52" presetID="10" presetClass="exit" presetSubtype="0" fill="hold" grpId="4" nodeType="afterEffect">
-                                  <p:stCondLst>
-                                    <p:cond delay="0"/>
-                                  </p:stCondLst>
-                                  <p:childTnLst>
-                                    <p:animEffect transition="out" filter="fade">
-                                      <p:cBhvr>
-                                        <p:cTn id="53" dur="500"/>
-                                        <p:tgtEl>
-                                          <p:spTgt spid="15"/>
-                                        </p:tgtEl>
-                                      </p:cBhvr>
-                                    </p:animEffect>
-                                    <p:set>
-                                      <p:cBhvr>
-                                        <p:cTn id="54" dur="1" fill="hold">
-                                          <p:stCondLst>
-                                            <p:cond delay="499"/>
-                                          </p:stCondLst>
-                                        </p:cTn>
-                                        <p:tgtEl>
-                                          <p:spTgt spid="15"/>
-                                        </p:tgtEl>
-                                        <p:attrNameLst>
-                                          <p:attrName>style.visibility</p:attrName>
-                                        </p:attrNameLst>
-                                      </p:cBhvr>
-                                      <p:to>
-                                        <p:strVal val="hidden"/>
-                                      </p:to>
-                                    </p:set>
-                                  </p:childTnLst>
-                                </p:cTn>
-                              </p:par>
-                            </p:childTnLst>
-                          </p:cTn>
-                        </p:par>
-                      </p:childTnLst>
-                    </p:cTn>
-                  </p:par>
-                </p:childTnLst>
-              </p:cTn>
-              <p:prevCondLst>
-                <p:cond evt="onPrev" delay="0">
-                  <p:tgtEl>
-                    <p:sldTgt/>
-                  </p:tgtEl>
-                </p:cond>
-              </p:prevCondLst>
-              <p:nextCondLst>
-                <p:cond evt="onNext" delay="0">
-                  <p:tgtEl>
-                    <p:sldTgt/>
-                  </p:tgtEl>
-                </p:cond>
-              </p:nextCondLst>
-            </p:seq>
-          </p:childTnLst>
-        </p:cTn>
-      </p:par>
-    </p:tnLst>
-    <p:bldLst>
-      <p:bldP spid="2" grpId="0"/>
-      <p:bldP spid="15" grpId="0" animBg="1"/>
-      <p:bldP spid="15" grpId="1" animBg="1"/>
-      <p:bldP spid="15" grpId="2" animBg="1"/>
-      <p:bldP spid="15" grpId="3" animBg="1"/>
-      <p:bldP spid="15" grpId="4" animBg="1"/>
-      <p:bldP spid="3" grpId="0"/>
-      <p:bldP spid="3" grpId="2"/>
-      <p:bldP spid="4" grpId="0"/>
-      <p:bldP spid="4" grpId="1"/>
-      <p:bldP spid="5" grpId="0"/>
-      <p:bldP spid="5" grpId="1"/>
-    </p:bldLst>
-  </p:timing>
-</p:sld>
-</file>
-
-<file path=ppt/slides/slide4.xml><?xml version="1.0" encoding="utf-8"?>
-<p:sld xmlns:a="http://schemas.openxmlformats.org/drawingml/2006/main" xmlns:r="http://schemas.openxmlformats.org/officeDocument/2006/relationships" xmlns:p="http://schemas.openxmlformats.org/presentationml/2006/main">
-  <p:cSld>
-    <p:spTree>
-      <p:nvGrpSpPr>
-        <p:cNvPr id="1" name=""/>
-        <p:cNvGrpSpPr/>
-        <p:nvPr/>
-      </p:nvGrpSpPr>
-      <p:grpSpPr>
-        <a:xfrm>
-          <a:off x="0" y="0"/>
-          <a:ext cx="0" cy="0"/>
-          <a:chOff x="0" y="0"/>
-          <a:chExt cx="0" cy="0"/>
-        </a:xfrm>
-      </p:grpSpPr>
-      <p:sp>
-        <p:nvSpPr>
-          <p:cNvPr id="2" name="Title 1"/>
-          <p:cNvSpPr>
-            <a:spLocks noGrp="1"/>
-          </p:cNvSpPr>
-          <p:nvPr>
-            <p:ph type="title"/>
-          </p:nvPr>
-        </p:nvSpPr>
-        <p:spPr/>
-        <p:txBody>
-          <a:bodyPr/>
-          <a:lstStyle/>
-          <a:p>
-            <a:pPr algn="l" defTabSz="914400">
-              <a:spcBef>
-                <a:spcPts val="0"/>
-              </a:spcBef>
-              <a:buNone/>
-            </a:pPr>
-            <a:r>
-              <a:rPr lang="zh-CN" altLang="en-US" sz="4400" b="0" i="0" dirty="0" smtClean="0">
-                <a:solidFill>
-                  <a:srgbClr val="4F271C"/>
-                </a:solidFill>
-                <a:latin typeface="Tw Cen MT"/>
-                <a:ea typeface="宋体" pitchFamily="2" charset="-122"/>
-                <a:cs typeface="+mj-cs"/>
-              </a:rPr>
-              <a:t>在</a:t>
-            </a:r>
-            <a:r>
-              <a:rPr lang="en-US" altLang="zh-CN" sz="4400" b="0" i="0" dirty="0" smtClean="0">
-                <a:solidFill>
-                  <a:srgbClr val="4F271C"/>
-                </a:solidFill>
-                <a:latin typeface="Tw Cen MT"/>
-                <a:ea typeface="宋体" pitchFamily="2" charset="-122"/>
-                <a:cs typeface="+mj-cs"/>
-              </a:rPr>
-              <a:t>VS2010</a:t>
-            </a:r>
-            <a:r>
-              <a:rPr lang="zh-CN" altLang="en-US" sz="4400" b="0" i="0" dirty="0" smtClean="0">
-                <a:solidFill>
-                  <a:srgbClr val="4F271C"/>
-                </a:solidFill>
-                <a:latin typeface="Tw Cen MT"/>
-                <a:ea typeface="宋体" pitchFamily="2" charset="-122"/>
-                <a:cs typeface="+mj-cs"/>
-              </a:rPr>
-              <a:t>环境下运行</a:t>
-            </a:r>
-            <a:endParaRPr lang="zh-CN" altLang="en-US" sz="4400" b="0" i="0" dirty="0">
-              <a:solidFill>
-                <a:srgbClr val="4F271C"/>
-              </a:solidFill>
-              <a:latin typeface="Tw Cen MT"/>
-              <a:ea typeface="宋体" pitchFamily="2" charset="-122"/>
-              <a:cs typeface="+mj-cs"/>
-            </a:endParaRPr>
-          </a:p>
-        </p:txBody>
-      </p:sp>
-      <p:pic>
-        <p:nvPicPr>
-          <p:cNvPr id="4" name="内容占位符 3"/>
-          <p:cNvPicPr>
-            <a:picLocks noGrp="1" noChangeAspect="1"/>
-          </p:cNvPicPr>
-          <p:nvPr>
-            <p:ph sz="quarter" idx="1"/>
-          </p:nvPr>
-        </p:nvPicPr>
-        <p:blipFill>
-          <a:blip r:embed="rId3"/>
-          <a:stretch>
-            <a:fillRect/>
-          </a:stretch>
-        </p:blipFill>
-        <p:spPr>
-          <a:xfrm>
-            <a:off x="228600" y="1524000"/>
-            <a:ext cx="4961905" cy="3866667"/>
-          </a:xfrm>
-          <a:prstGeom prst="rect">
-            <a:avLst/>
-          </a:prstGeom>
-        </p:spPr>
-      </p:pic>
-      <p:sp>
-        <p:nvSpPr>
-          <p:cNvPr id="5" name="文本框 4"/>
-          <p:cNvSpPr txBox="1"/>
-          <p:nvPr/>
-        </p:nvSpPr>
-        <p:spPr>
-          <a:xfrm>
-            <a:off x="5410200" y="2057400"/>
-            <a:ext cx="2810495" cy="923330"/>
-          </a:xfrm>
-          <a:prstGeom prst="rect">
-            <a:avLst/>
-          </a:prstGeom>
-          <a:noFill/>
-        </p:spPr>
-        <p:txBody>
-          <a:bodyPr wrap="square" rtlCol="0">
-            <a:spAutoFit/>
-          </a:bodyPr>
-          <a:lstStyle/>
-          <a:p>
-            <a:r>
-              <a:rPr lang="zh-CN" altLang="en-US" dirty="0" smtClean="0"/>
-              <a:t>使用密钥</a:t>
-            </a:r>
-            <a:r>
-              <a:rPr lang="en-US" altLang="zh-CN" dirty="0" smtClean="0"/>
-              <a:t>18435132958</a:t>
-            </a:r>
-            <a:r>
-              <a:rPr lang="zh-CN" altLang="en-US" dirty="0" smtClean="0"/>
-              <a:t>对</a:t>
-            </a:r>
-            <a:endParaRPr lang="en-US" altLang="zh-CN" dirty="0" smtClean="0"/>
-          </a:p>
-          <a:p>
-            <a:r>
-              <a:rPr lang="en-US" altLang="zh-CN" dirty="0" smtClean="0"/>
-              <a:t>1305054145jrd</a:t>
-            </a:r>
-            <a:r>
-              <a:rPr lang="zh-CN" altLang="en-US" dirty="0" smtClean="0"/>
-              <a:t>进行加密，如左图所示。</a:t>
-            </a:r>
-            <a:endParaRPr lang="en-US" dirty="0"/>
-          </a:p>
-        </p:txBody>
-      </p:sp>
-      <p:sp>
-        <p:nvSpPr>
-          <p:cNvPr id="6" name="动作按钮: 前进或下一项 5">
-            <a:hlinkClick r:id="rId4" action="ppaction://program" highlightClick="1"/>
-          </p:cNvPr>
-          <p:cNvSpPr/>
-          <p:nvPr/>
-        </p:nvSpPr>
-        <p:spPr>
-          <a:xfrm>
-            <a:off x="913998" y="2616895"/>
-            <a:ext cx="753095" cy="694730"/>
-          </a:xfrm>
-          <a:prstGeom prst="actionButtonForwardNext">
-            <a:avLst/>
-          </a:prstGeom>
-        </p:spPr>
-        <p:style>
-          <a:lnRef idx="2">
-            <a:schemeClr val="accent1">
-              <a:shade val="50000"/>
-            </a:schemeClr>
-          </a:lnRef>
-          <a:fillRef idx="1">
-            <a:schemeClr val="accent1"/>
-          </a:fillRef>
-          <a:effectRef idx="0">
-            <a:schemeClr val="accent1"/>
-          </a:effectRef>
-          <a:fontRef idx="minor">
-            <a:schemeClr val="lt1"/>
-          </a:fontRef>
-        </p:style>
-        <p:txBody>
-          <a:bodyPr rtlCol="0" anchor="ctr"/>
-          <a:lstStyle/>
-          <a:p>
-            <a:pPr algn="ctr"/>
-            <a:endParaRPr lang="en-US"/>
-          </a:p>
-        </p:txBody>
-      </p:sp>
-      <p:sp>
-        <p:nvSpPr>
-          <p:cNvPr id="7" name="文本框 6"/>
-          <p:cNvSpPr txBox="1"/>
-          <p:nvPr/>
-        </p:nvSpPr>
-        <p:spPr>
-          <a:xfrm>
-            <a:off x="228600" y="1868964"/>
-            <a:ext cx="4685898" cy="646331"/>
-          </a:xfrm>
-          <a:prstGeom prst="rect">
-            <a:avLst/>
-          </a:prstGeom>
-          <a:noFill/>
-        </p:spPr>
-        <p:txBody>
-          <a:bodyPr wrap="none" rtlCol="0">
-            <a:spAutoFit/>
-          </a:bodyPr>
-          <a:lstStyle/>
-          <a:p>
-            <a:r>
-              <a:rPr lang="zh-CN" altLang="en-US" dirty="0"/>
-              <a:t>使用</a:t>
-            </a:r>
-            <a:r>
-              <a:rPr lang="en-US" altLang="zh-CN" dirty="0" smtClean="0"/>
-              <a:t>AES</a:t>
-            </a:r>
-            <a:r>
-              <a:rPr lang="zh-CN" altLang="en-US" dirty="0" smtClean="0"/>
-              <a:t>算法对时间进行加密，所得到的密文</a:t>
-            </a:r>
-            <a:endParaRPr lang="en-US" altLang="zh-CN" dirty="0" smtClean="0"/>
-          </a:p>
-          <a:p>
-            <a:r>
-              <a:rPr lang="zh-CN" altLang="en-US" dirty="0" smtClean="0"/>
-              <a:t>如下程序所示：</a:t>
-            </a:r>
-            <a:endParaRPr lang="en-US" dirty="0"/>
-          </a:p>
-        </p:txBody>
-      </p:sp>
-      <p:sp>
-        <p:nvSpPr>
-          <p:cNvPr id="9" name="文本框 8"/>
-          <p:cNvSpPr txBox="1"/>
-          <p:nvPr/>
-        </p:nvSpPr>
-        <p:spPr>
-          <a:xfrm>
-            <a:off x="1077835" y="1868964"/>
-            <a:ext cx="7673325" cy="2585323"/>
-          </a:xfrm>
-          <a:prstGeom prst="rect">
-            <a:avLst/>
-          </a:prstGeom>
-          <a:noFill/>
-        </p:spPr>
-        <p:txBody>
-          <a:bodyPr wrap="square" rtlCol="0">
-            <a:spAutoFit/>
-          </a:bodyPr>
-          <a:lstStyle/>
-          <a:p>
-            <a:r>
-              <a:rPr lang="zh-CN" altLang="en-US" dirty="0" smtClean="0"/>
-              <a:t>可以看到时间只有秒变化时，仅仅变化一个数字</a:t>
-            </a:r>
-            <a:endParaRPr lang="en-US" altLang="zh-CN" dirty="0" smtClean="0"/>
-          </a:p>
-          <a:p>
-            <a:r>
-              <a:rPr lang="zh-CN" altLang="en-US" dirty="0" smtClean="0"/>
-              <a:t>密文也几乎全部改变，这是由于</a:t>
-            </a:r>
-            <a:r>
-              <a:rPr lang="en-US" altLang="zh-CN" dirty="0" smtClean="0"/>
-              <a:t>AES</a:t>
-            </a:r>
-            <a:r>
-              <a:rPr lang="zh-CN" altLang="en-US" dirty="0" smtClean="0"/>
-              <a:t>的非线性代换特性决定的</a:t>
-            </a:r>
-            <a:endParaRPr lang="en-US" altLang="zh-CN" dirty="0" smtClean="0"/>
-          </a:p>
-          <a:p>
-            <a:endParaRPr lang="en-US" altLang="zh-CN" dirty="0" smtClean="0"/>
-          </a:p>
-          <a:p>
-            <a:r>
-              <a:rPr lang="en-US" altLang="zh-CN" dirty="0" smtClean="0">
-                <a:solidFill>
-                  <a:srgbClr val="362E2B"/>
-                </a:solidFill>
-                <a:latin typeface="Arial" panose="020B0604020202020204" pitchFamily="34" charset="0"/>
-              </a:rPr>
-              <a:t>AES</a:t>
-            </a:r>
-            <a:r>
-              <a:rPr lang="zh-CN" altLang="en-US" dirty="0">
-                <a:solidFill>
-                  <a:srgbClr val="362E2B"/>
-                </a:solidFill>
-                <a:latin typeface="Arial" panose="020B0604020202020204" pitchFamily="34" charset="0"/>
-              </a:rPr>
-              <a:t>能够抵抗目前所有的已知攻击：</a:t>
-            </a:r>
-          </a:p>
-          <a:p>
-            <a:r>
-              <a:rPr lang="en-US" altLang="zh-CN" dirty="0">
-                <a:solidFill>
-                  <a:srgbClr val="362E2B"/>
-                </a:solidFill>
-                <a:latin typeface="Arial" panose="020B0604020202020204" pitchFamily="34" charset="0"/>
-              </a:rPr>
-              <a:t>a. </a:t>
-            </a:r>
-            <a:r>
-              <a:rPr lang="zh-CN" altLang="en-US" dirty="0">
-                <a:solidFill>
-                  <a:srgbClr val="362E2B"/>
-                </a:solidFill>
-                <a:latin typeface="Arial" panose="020B0604020202020204" pitchFamily="34" charset="0"/>
-              </a:rPr>
-              <a:t>穷举攻击</a:t>
-            </a:r>
-          </a:p>
-          <a:p>
-            <a:r>
-              <a:rPr lang="en-US" altLang="zh-CN" dirty="0">
-                <a:solidFill>
-                  <a:srgbClr val="362E2B"/>
-                </a:solidFill>
-                <a:latin typeface="Arial" panose="020B0604020202020204" pitchFamily="34" charset="0"/>
-              </a:rPr>
-              <a:t>b. </a:t>
-            </a:r>
-            <a:r>
-              <a:rPr lang="zh-CN" altLang="en-US" dirty="0">
-                <a:solidFill>
-                  <a:srgbClr val="362E2B"/>
-                </a:solidFill>
-                <a:latin typeface="Arial" panose="020B0604020202020204" pitchFamily="34" charset="0"/>
-              </a:rPr>
-              <a:t>差分攻击</a:t>
-            </a:r>
-          </a:p>
-          <a:p>
-            <a:r>
-              <a:rPr lang="en-US" altLang="zh-CN" dirty="0">
-                <a:solidFill>
-                  <a:srgbClr val="362E2B"/>
-                </a:solidFill>
-                <a:latin typeface="Arial" panose="020B0604020202020204" pitchFamily="34" charset="0"/>
-              </a:rPr>
-              <a:t>c. </a:t>
-            </a:r>
-            <a:r>
-              <a:rPr lang="zh-CN" altLang="en-US" dirty="0">
-                <a:solidFill>
-                  <a:srgbClr val="362E2B"/>
-                </a:solidFill>
-                <a:latin typeface="Arial" panose="020B0604020202020204" pitchFamily="34" charset="0"/>
-              </a:rPr>
-              <a:t>线性攻击</a:t>
-            </a:r>
-          </a:p>
-          <a:p>
-            <a:r>
-              <a:rPr lang="en-US" altLang="zh-CN" dirty="0">
-                <a:solidFill>
-                  <a:srgbClr val="362E2B"/>
-                </a:solidFill>
-                <a:latin typeface="Arial" panose="020B0604020202020204" pitchFamily="34" charset="0"/>
-              </a:rPr>
-              <a:t>d. </a:t>
-            </a:r>
-            <a:r>
-              <a:rPr lang="zh-CN" altLang="en-US" dirty="0">
-                <a:solidFill>
-                  <a:srgbClr val="362E2B"/>
-                </a:solidFill>
-                <a:latin typeface="Arial" panose="020B0604020202020204" pitchFamily="34" charset="0"/>
-              </a:rPr>
-              <a:t>一致攻击</a:t>
-            </a:r>
-          </a:p>
-          <a:p>
-            <a:endParaRPr lang="en-US" dirty="0"/>
-          </a:p>
-        </p:txBody>
-      </p:sp>
-    </p:spTree>
-  </p:cSld>
-  <p:clrMapOvr>
-    <a:masterClrMapping/>
-  </p:clrMapOvr>
-  <p:timing>
-    <p:tnLst>
-      <p:par>
-        <p:cTn id="1" dur="indefinite" restart="never" nodeType="tmRoot">
-          <p:childTnLst>
-            <p:seq concurrent="1" nextAc="seek">
-              <p:cTn id="2" dur="indefinite" nodeType="mainSeq">
-                <p:childTnLst>
-                  <p:par>
-                    <p:cTn id="3" fill="hold">
-                      <p:stCondLst>
-                        <p:cond delay="indefinite"/>
-                      </p:stCondLst>
-                      <p:childTnLst>
-                        <p:par>
-                          <p:cTn id="4" fill="hold">
-                            <p:stCondLst>
-                              <p:cond delay="0"/>
-                            </p:stCondLst>
-                            <p:childTnLst>
-                              <p:par>
-                                <p:cTn id="5" presetID="10" presetClass="entr" presetSubtype="0" fill="hold" nodeType="clickEffect">
-                                  <p:stCondLst>
-                                    <p:cond delay="0"/>
-                                  </p:stCondLst>
-                                  <p:childTnLst>
-                                    <p:set>
-                                      <p:cBhvr>
-                                        <p:cTn id="6" dur="1" fill="hold">
-                                          <p:stCondLst>
-                                            <p:cond delay="0"/>
-                                          </p:stCondLst>
-                                        </p:cTn>
-                                        <p:tgtEl>
-                                          <p:spTgt spid="4"/>
-                                        </p:tgtEl>
-                                        <p:attrNameLst>
-                                          <p:attrName>style.visibility</p:attrName>
-                                        </p:attrNameLst>
-                                      </p:cBhvr>
-                                      <p:to>
-                                        <p:strVal val="visible"/>
-                                      </p:to>
-                                    </p:set>
-                                    <p:animEffect transition="in" filter="fade">
-                                      <p:cBhvr>
-                                        <p:cTn id="7" dur="500"/>
-                                        <p:tgtEl>
-                                          <p:spTgt spid="4"/>
-                                        </p:tgtEl>
-                                      </p:cBhvr>
-                                    </p:animEffect>
-                                  </p:childTnLst>
-                                </p:cTn>
-                              </p:par>
-                              <p:par>
-                                <p:cTn id="8" presetID="10" presetClass="entr" presetSubtype="0" fill="hold" grpId="0" nodeType="withEffect">
-                                  <p:stCondLst>
-                                    <p:cond delay="0"/>
-                                  </p:stCondLst>
-                                  <p:childTnLst>
-                                    <p:set>
-                                      <p:cBhvr>
-                                        <p:cTn id="9" dur="1" fill="hold">
-                                          <p:stCondLst>
-                                            <p:cond delay="0"/>
-                                          </p:stCondLst>
-                                        </p:cTn>
-                                        <p:tgtEl>
-                                          <p:spTgt spid="5"/>
-                                        </p:tgtEl>
-                                        <p:attrNameLst>
-                                          <p:attrName>style.visibility</p:attrName>
-                                        </p:attrNameLst>
-                                      </p:cBhvr>
-                                      <p:to>
-                                        <p:strVal val="visible"/>
-                                      </p:to>
-                                    </p:set>
-                                    <p:animEffect transition="in" filter="fade">
-                                      <p:cBhvr>
-                                        <p:cTn id="10" dur="500"/>
-                                        <p:tgtEl>
-                                          <p:spTgt spid="5"/>
-                                        </p:tgtEl>
-                                      </p:cBhvr>
-                                    </p:animEffect>
-                                  </p:childTnLst>
-                                </p:cTn>
-                              </p:par>
-                              <p:par>
-                                <p:cTn id="11" presetID="10" presetClass="entr" presetSubtype="0" fill="hold" grpId="0" nodeType="withEffect">
-                                  <p:stCondLst>
-                                    <p:cond delay="0"/>
-                                  </p:stCondLst>
-                                  <p:childTnLst>
-                                    <p:set>
-                                      <p:cBhvr>
-                                        <p:cTn id="12" dur="1" fill="hold">
-                                          <p:stCondLst>
-                                            <p:cond delay="0"/>
-                                          </p:stCondLst>
-                                        </p:cTn>
-                                        <p:tgtEl>
-                                          <p:spTgt spid="2"/>
-                                        </p:tgtEl>
-                                        <p:attrNameLst>
-                                          <p:attrName>style.visibility</p:attrName>
-                                        </p:attrNameLst>
-                                      </p:cBhvr>
-                                      <p:to>
-                                        <p:strVal val="visible"/>
-                                      </p:to>
-                                    </p:set>
-                                    <p:animEffect transition="in" filter="fade">
-                                      <p:cBhvr>
-                                        <p:cTn id="13" dur="500"/>
-                                        <p:tgtEl>
-                                          <p:spTgt spid="2"/>
-                                        </p:tgtEl>
-                                      </p:cBhvr>
-                                    </p:animEffect>
-                                  </p:childTnLst>
-                                </p:cTn>
-                              </p:par>
-                            </p:childTnLst>
-                          </p:cTn>
-                        </p:par>
-                      </p:childTnLst>
-                    </p:cTn>
-                  </p:par>
-                  <p:par>
-                    <p:cTn id="14" fill="hold">
-                      <p:stCondLst>
-                        <p:cond delay="indefinite"/>
-                      </p:stCondLst>
-                      <p:childTnLst>
-                        <p:par>
-                          <p:cTn id="15" fill="hold">
-                            <p:stCondLst>
-                              <p:cond delay="0"/>
-                            </p:stCondLst>
-                            <p:childTnLst>
-                              <p:par>
-                                <p:cTn id="16" presetID="10" presetClass="exit" presetSubtype="0" fill="hold" nodeType="clickEffect">
-                                  <p:stCondLst>
-                                    <p:cond delay="0"/>
-                                  </p:stCondLst>
-                                  <p:childTnLst>
-                                    <p:animEffect transition="out" filter="fade">
-                                      <p:cBhvr>
-                                        <p:cTn id="17" dur="500"/>
-                                        <p:tgtEl>
-                                          <p:spTgt spid="4"/>
-                                        </p:tgtEl>
-                                      </p:cBhvr>
-                                    </p:animEffect>
-                                    <p:set>
-                                      <p:cBhvr>
-                                        <p:cTn id="18" dur="1" fill="hold">
-                                          <p:stCondLst>
-                                            <p:cond delay="499"/>
-                                          </p:stCondLst>
-                                        </p:cTn>
-                                        <p:tgtEl>
-                                          <p:spTgt spid="4"/>
-                                        </p:tgtEl>
-                                        <p:attrNameLst>
-                                          <p:attrName>style.visibility</p:attrName>
-                                        </p:attrNameLst>
-                                      </p:cBhvr>
-                                      <p:to>
-                                        <p:strVal val="hidden"/>
-                                      </p:to>
-                                    </p:set>
-                                  </p:childTnLst>
-                                </p:cTn>
-                              </p:par>
-                              <p:par>
-                                <p:cTn id="19" presetID="10" presetClass="exit" presetSubtype="0" fill="hold" grpId="1" nodeType="withEffect">
-                                  <p:stCondLst>
-                                    <p:cond delay="0"/>
-                                  </p:stCondLst>
-                                  <p:childTnLst>
-                                    <p:animEffect transition="out" filter="fade">
-                                      <p:cBhvr>
-                                        <p:cTn id="20" dur="500"/>
-                                        <p:tgtEl>
-                                          <p:spTgt spid="5"/>
-                                        </p:tgtEl>
-                                      </p:cBhvr>
-                                    </p:animEffect>
-                                    <p:set>
-                                      <p:cBhvr>
-                                        <p:cTn id="21" dur="1" fill="hold">
-                                          <p:stCondLst>
-                                            <p:cond delay="499"/>
-                                          </p:stCondLst>
-                                        </p:cTn>
-                                        <p:tgtEl>
-                                          <p:spTgt spid="5"/>
-                                        </p:tgtEl>
-                                        <p:attrNameLst>
-                                          <p:attrName>style.visibility</p:attrName>
-                                        </p:attrNameLst>
-                                      </p:cBhvr>
-                                      <p:to>
-                                        <p:strVal val="hidden"/>
-                                      </p:to>
-                                    </p:set>
-                                  </p:childTnLst>
-                                </p:cTn>
-                              </p:par>
-                            </p:childTnLst>
-                          </p:cTn>
-                        </p:par>
-                        <p:par>
-                          <p:cTn id="22" fill="hold">
-                            <p:stCondLst>
-                              <p:cond delay="500"/>
-                            </p:stCondLst>
-                            <p:childTnLst>
-                              <p:par>
-                                <p:cTn id="23" presetID="10" presetClass="entr" presetSubtype="0" fill="hold" grpId="0" nodeType="afterEffect">
-                                  <p:stCondLst>
-                                    <p:cond delay="0"/>
-                                  </p:stCondLst>
-                                  <p:childTnLst>
-                                    <p:set>
-                                      <p:cBhvr>
-                                        <p:cTn id="24" dur="1" fill="hold">
-                                          <p:stCondLst>
-                                            <p:cond delay="0"/>
-                                          </p:stCondLst>
-                                        </p:cTn>
-                                        <p:tgtEl>
-                                          <p:spTgt spid="6"/>
-                                        </p:tgtEl>
-                                        <p:attrNameLst>
-                                          <p:attrName>style.visibility</p:attrName>
-                                        </p:attrNameLst>
-                                      </p:cBhvr>
-                                      <p:to>
-                                        <p:strVal val="visible"/>
-                                      </p:to>
-                                    </p:set>
-                                    <p:animEffect transition="in" filter="fade">
-                                      <p:cBhvr>
-                                        <p:cTn id="25" dur="500"/>
-                                        <p:tgtEl>
-                                          <p:spTgt spid="6"/>
-                                        </p:tgtEl>
-                                      </p:cBhvr>
-                                    </p:animEffect>
-                                  </p:childTnLst>
-                                </p:cTn>
-                              </p:par>
-                              <p:par>
-                                <p:cTn id="26" presetID="10" presetClass="entr" presetSubtype="0" fill="hold" grpId="0" nodeType="withEffect">
-                                  <p:stCondLst>
-                                    <p:cond delay="0"/>
-                                  </p:stCondLst>
-                                  <p:childTnLst>
-                                    <p:set>
-                                      <p:cBhvr>
-                                        <p:cTn id="27" dur="1" fill="hold">
-                                          <p:stCondLst>
-                                            <p:cond delay="0"/>
-                                          </p:stCondLst>
-                                        </p:cTn>
-                                        <p:tgtEl>
-                                          <p:spTgt spid="7"/>
-                                        </p:tgtEl>
-                                        <p:attrNameLst>
-                                          <p:attrName>style.visibility</p:attrName>
-                                        </p:attrNameLst>
-                                      </p:cBhvr>
-                                      <p:to>
-                                        <p:strVal val="visible"/>
-                                      </p:to>
-                                    </p:set>
-                                    <p:animEffect transition="in" filter="fade">
-                                      <p:cBhvr>
-                                        <p:cTn id="28" dur="500"/>
-                                        <p:tgtEl>
-                                          <p:spTgt spid="7"/>
-                                        </p:tgtEl>
-                                      </p:cBhvr>
-                                    </p:animEffect>
-                                  </p:childTnLst>
-                                </p:cTn>
-                              </p:par>
-                            </p:childTnLst>
-                          </p:cTn>
-                        </p:par>
-                      </p:childTnLst>
-                    </p:cTn>
-                  </p:par>
-                  <p:par>
-                    <p:cTn id="29" fill="hold">
-                      <p:stCondLst>
-                        <p:cond delay="indefinite"/>
-                      </p:stCondLst>
-                      <p:childTnLst>
-                        <p:par>
-                          <p:cTn id="30" fill="hold">
-                            <p:stCondLst>
-                              <p:cond delay="0"/>
-                            </p:stCondLst>
-                            <p:childTnLst>
-                              <p:par>
-                                <p:cTn id="31" presetID="10" presetClass="exit" presetSubtype="0" fill="hold" grpId="1" nodeType="clickEffect">
-                                  <p:stCondLst>
-                                    <p:cond delay="0"/>
-                                  </p:stCondLst>
-                                  <p:childTnLst>
-                                    <p:animEffect transition="out" filter="fade">
-                                      <p:cBhvr>
-                                        <p:cTn id="32" dur="500"/>
-                                        <p:tgtEl>
-                                          <p:spTgt spid="6"/>
-                                        </p:tgtEl>
-                                      </p:cBhvr>
-                                    </p:animEffect>
-                                    <p:set>
-                                      <p:cBhvr>
-                                        <p:cTn id="33" dur="1" fill="hold">
-                                          <p:stCondLst>
-                                            <p:cond delay="499"/>
-                                          </p:stCondLst>
-                                        </p:cTn>
-                                        <p:tgtEl>
-                                          <p:spTgt spid="6"/>
-                                        </p:tgtEl>
-                                        <p:attrNameLst>
-                                          <p:attrName>style.visibility</p:attrName>
-                                        </p:attrNameLst>
-                                      </p:cBhvr>
-                                      <p:to>
-                                        <p:strVal val="hidden"/>
-                                      </p:to>
-                                    </p:set>
-                                  </p:childTnLst>
-                                </p:cTn>
-                              </p:par>
-                              <p:par>
-                                <p:cTn id="34" presetID="10" presetClass="exit" presetSubtype="0" fill="hold" grpId="1" nodeType="withEffect">
-                                  <p:stCondLst>
-                                    <p:cond delay="0"/>
-                                  </p:stCondLst>
-                                  <p:childTnLst>
-                                    <p:animEffect transition="out" filter="fade">
-                                      <p:cBhvr>
-                                        <p:cTn id="35" dur="500"/>
-                                        <p:tgtEl>
-                                          <p:spTgt spid="7"/>
-                                        </p:tgtEl>
-                                      </p:cBhvr>
-                                    </p:animEffect>
-                                    <p:set>
-                                      <p:cBhvr>
-                                        <p:cTn id="36" dur="1" fill="hold">
-                                          <p:stCondLst>
-                                            <p:cond delay="499"/>
-                                          </p:stCondLst>
-                                        </p:cTn>
-                                        <p:tgtEl>
-                                          <p:spTgt spid="7"/>
-                                        </p:tgtEl>
-                                        <p:attrNameLst>
-                                          <p:attrName>style.visibility</p:attrName>
-                                        </p:attrNameLst>
-                                      </p:cBhvr>
-                                      <p:to>
-                                        <p:strVal val="hidden"/>
-                                      </p:to>
-                                    </p:set>
-                                  </p:childTnLst>
-                                </p:cTn>
-                              </p:par>
-                              <p:par>
-                                <p:cTn id="37" presetID="10" presetClass="entr" presetSubtype="0" fill="hold" grpId="0" nodeType="withEffect">
-                                  <p:stCondLst>
-                                    <p:cond delay="0"/>
-                                  </p:stCondLst>
-                                  <p:childTnLst>
-                                    <p:set>
-                                      <p:cBhvr>
-                                        <p:cTn id="38" dur="1" fill="hold">
-                                          <p:stCondLst>
-                                            <p:cond delay="0"/>
-                                          </p:stCondLst>
-                                        </p:cTn>
-                                        <p:tgtEl>
-                                          <p:spTgt spid="9"/>
-                                        </p:tgtEl>
-                                        <p:attrNameLst>
-                                          <p:attrName>style.visibility</p:attrName>
-                                        </p:attrNameLst>
-                                      </p:cBhvr>
-                                      <p:to>
-                                        <p:strVal val="visible"/>
-                                      </p:to>
-                                    </p:set>
-                                    <p:animEffect transition="in" filter="fade">
-                                      <p:cBhvr>
-                                        <p:cTn id="39" dur="500"/>
-                                        <p:tgtEl>
-                                          <p:spTgt spid="9"/>
-                                        </p:tgtEl>
-                                      </p:cBhvr>
-                                    </p:animEffect>
-                                  </p:childTnLst>
-                                </p:cTn>
-                              </p:par>
-                            </p:childTnLst>
-                          </p:cTn>
-                        </p:par>
-                      </p:childTnLst>
-                    </p:cTn>
-                  </p:par>
-                </p:childTnLst>
-              </p:cTn>
-              <p:prevCondLst>
-                <p:cond evt="onPrev" delay="0">
-                  <p:tgtEl>
-                    <p:sldTgt/>
-                  </p:tgtEl>
-                </p:cond>
-              </p:prevCondLst>
-              <p:nextCondLst>
-                <p:cond evt="onNext" delay="0">
-                  <p:tgtEl>
-                    <p:sldTgt/>
-                  </p:tgtEl>
-                </p:cond>
-              </p:nextCondLst>
-            </p:seq>
-          </p:childTnLst>
-        </p:cTn>
-      </p:par>
-    </p:tnLst>
-    <p:bldLst>
-      <p:bldP spid="2" grpId="0"/>
-      <p:bldP spid="5" grpId="0"/>
-      <p:bldP spid="5" grpId="1"/>
-      <p:bldP spid="6" grpId="0" animBg="1"/>
-      <p:bldP spid="6" grpId="1" animBg="1"/>
-      <p:bldP spid="7" grpId="0"/>
-      <p:bldP spid="7" grpId="1"/>
-      <p:bldP spid="9" grpId="0"/>
-    </p:bldLst>
-  </p:timing>
-</p:sld>
-</file>
-
-<file path=ppt/slides/slide5.xml><?xml version="1.0" encoding="utf-8"?>
-<p:sld xmlns:a="http://schemas.openxmlformats.org/drawingml/2006/main" xmlns:r="http://schemas.openxmlformats.org/officeDocument/2006/relationships" xmlns:p="http://schemas.openxmlformats.org/presentationml/2006/main">
-  <p:cSld>
-    <p:spTree>
-      <p:nvGrpSpPr>
-        <p:cNvPr id="1" name=""/>
-        <p:cNvGrpSpPr/>
-        <p:nvPr/>
-      </p:nvGrpSpPr>
-      <p:grpSpPr>
-        <a:xfrm>
-          <a:off x="0" y="0"/>
-          <a:ext cx="0" cy="0"/>
-          <a:chOff x="0" y="0"/>
-          <a:chExt cx="0" cy="0"/>
-        </a:xfrm>
-      </p:grpSpPr>
-      <p:sp>
-        <p:nvSpPr>
-          <p:cNvPr id="2" name="Rectangle 1"/>
-          <p:cNvSpPr>
-            <a:spLocks noGrp="1"/>
-          </p:cNvSpPr>
-          <p:nvPr>
-            <p:ph type="title"/>
-          </p:nvPr>
-        </p:nvSpPr>
-        <p:spPr/>
-        <p:txBody>
-          <a:bodyPr/>
-          <a:lstStyle/>
-          <a:p>
-            <a:pPr algn="l" defTabSz="914400">
-              <a:spcBef>
-                <a:spcPts val="0"/>
-              </a:spcBef>
-              <a:buNone/>
-            </a:pPr>
-            <a:r>
-              <a:rPr lang="zh-CN" altLang="en-US" sz="4400" b="0" i="0" dirty="0" smtClean="0">
-                <a:solidFill>
-                  <a:srgbClr val="4F271C"/>
-                </a:solidFill>
-                <a:latin typeface="Tw Cen MT"/>
-                <a:ea typeface="宋体" pitchFamily="2" charset="-122"/>
-                <a:cs typeface="+mj-cs"/>
-              </a:rPr>
-              <a:t>硬件系统说明</a:t>
-            </a:r>
-            <a:endParaRPr lang="zh-CN" altLang="en-US" sz="4400" b="0" i="0" dirty="0">
-              <a:solidFill>
-                <a:srgbClr val="4F271C"/>
-              </a:solidFill>
-              <a:latin typeface="Tw Cen MT"/>
-              <a:ea typeface="宋体" pitchFamily="2" charset="-122"/>
-              <a:cs typeface="+mj-cs"/>
-            </a:endParaRPr>
-          </a:p>
-        </p:txBody>
-      </p:sp>
-      <p:sp>
-        <p:nvSpPr>
-          <p:cNvPr id="3" name="Rectangle 2"/>
-          <p:cNvSpPr>
-            <a:spLocks noGrp="1"/>
-          </p:cNvSpPr>
-          <p:nvPr>
-            <p:ph sz="quarter" idx="1"/>
-          </p:nvPr>
-        </p:nvSpPr>
-        <p:spPr/>
-        <p:txBody>
-          <a:bodyPr/>
-          <a:lstStyle/>
-          <a:p>
-            <a:pPr marL="320040" indent="-320040" algn="l" defTabSz="914400">
-              <a:spcBef>
-                <a:spcPts val="700"/>
-              </a:spcBef>
-              <a:buClr>
-                <a:srgbClr val="FEB80A"/>
-              </a:buClr>
-              <a:buSzPct val="60000"/>
-              <a:buFont typeface="Wingdings"/>
-              <a:buChar char="Ø"/>
-            </a:pPr>
-            <a:r>
-              <a:rPr lang="zh-CN" altLang="en-US" sz="2900" b="0" i="0" dirty="0" smtClean="0">
-                <a:solidFill>
-                  <a:schemeClr val="tx1"/>
-                </a:solidFill>
-                <a:latin typeface="Tw Cen MT"/>
-                <a:ea typeface="宋体" pitchFamily="2" charset="-122"/>
-                <a:cs typeface="+mn-cs"/>
-              </a:rPr>
-              <a:t>简介</a:t>
-            </a:r>
-          </a:p>
-          <a:p>
-            <a:pPr marL="640080" lvl="1" indent="-274320" algn="l" defTabSz="914400">
-              <a:spcBef>
-                <a:spcPts val="550"/>
-              </a:spcBef>
-              <a:buClr>
-                <a:srgbClr val="3891A7"/>
-              </a:buClr>
-              <a:buSzPct val="70000"/>
-              <a:buFont typeface="Wingdings"/>
-              <a:buChar char="Ø"/>
-            </a:pPr>
-            <a:r>
-              <a:rPr lang="zh-CN" altLang="en-US" sz="2600" b="0" i="0" dirty="0" smtClean="0">
-                <a:solidFill>
-                  <a:schemeClr val="tx1"/>
-                </a:solidFill>
-                <a:latin typeface="Tw Cen MT"/>
-                <a:ea typeface="宋体" pitchFamily="2" charset="-122"/>
-                <a:cs typeface="+mn-cs"/>
-              </a:rPr>
-              <a:t>用户端：键盘、</a:t>
-            </a:r>
-            <a:r>
-              <a:rPr lang="en-US" altLang="zh-CN" sz="2600" b="0" i="0" dirty="0" smtClean="0">
-                <a:solidFill>
-                  <a:schemeClr val="tx1"/>
-                </a:solidFill>
-                <a:latin typeface="Tw Cen MT"/>
-                <a:ea typeface="宋体" pitchFamily="2" charset="-122"/>
-                <a:cs typeface="+mn-cs"/>
-              </a:rPr>
-              <a:t>GPS</a:t>
-            </a:r>
-            <a:r>
-              <a:rPr lang="zh-CN" altLang="en-US" sz="2600" b="0" i="0" dirty="0" smtClean="0">
-                <a:solidFill>
-                  <a:schemeClr val="tx1"/>
-                </a:solidFill>
-                <a:latin typeface="Tw Cen MT"/>
-                <a:ea typeface="宋体" pitchFamily="2" charset="-122"/>
-                <a:cs typeface="+mn-cs"/>
-              </a:rPr>
-              <a:t>、时钟模块、</a:t>
-            </a:r>
-            <a:r>
-              <a:rPr lang="en-US" altLang="zh-CN" sz="2600" b="0" i="0" dirty="0" smtClean="0">
-                <a:solidFill>
-                  <a:schemeClr val="tx1"/>
-                </a:solidFill>
-                <a:latin typeface="Tw Cen MT"/>
-                <a:ea typeface="宋体" pitchFamily="2" charset="-122"/>
-                <a:cs typeface="+mn-cs"/>
-              </a:rPr>
-              <a:t>nRF2401</a:t>
-            </a:r>
-          </a:p>
-          <a:p>
-            <a:pPr marL="640080" lvl="1" indent="-274320" algn="l" defTabSz="914400">
-              <a:spcBef>
-                <a:spcPts val="550"/>
-              </a:spcBef>
-              <a:buClr>
-                <a:srgbClr val="3891A7"/>
-              </a:buClr>
-              <a:buSzPct val="70000"/>
-              <a:buFont typeface="Wingdings"/>
-              <a:buChar char="Ø"/>
-            </a:pPr>
-            <a:endParaRPr lang="en-US" altLang="zh-CN" dirty="0">
-              <a:latin typeface="Tw Cen MT"/>
-              <a:ea typeface="宋体" pitchFamily="2" charset="-122"/>
-            </a:endParaRPr>
-          </a:p>
-          <a:p>
-            <a:pPr marL="365760" lvl="1" indent="0" algn="l" defTabSz="914400">
-              <a:spcBef>
-                <a:spcPts val="550"/>
-              </a:spcBef>
-              <a:buClr>
-                <a:srgbClr val="3891A7"/>
-              </a:buClr>
-              <a:buSzPct val="70000"/>
-              <a:buNone/>
-            </a:pPr>
-            <a:endParaRPr lang="zh-CN" altLang="en-US" dirty="0" smtClean="0">
-              <a:ea typeface="宋体" pitchFamily="2" charset="-122"/>
-            </a:endParaRPr>
-          </a:p>
-          <a:p>
-            <a:pPr lvl="1">
-              <a:buClr>
-                <a:srgbClr val="3891A7"/>
-              </a:buClr>
-              <a:buFont typeface="Wingdings"/>
-              <a:buChar char="Ø"/>
-            </a:pPr>
-            <a:r>
-              <a:rPr lang="zh-CN" altLang="en-US" sz="2600" b="0" i="0" dirty="0" smtClean="0">
-                <a:solidFill>
-                  <a:schemeClr val="tx1"/>
-                </a:solidFill>
-                <a:latin typeface="Tw Cen MT"/>
-                <a:ea typeface="宋体" pitchFamily="2" charset="-122"/>
-                <a:cs typeface="+mn-cs"/>
-              </a:rPr>
-              <a:t>服务器端：</a:t>
-            </a:r>
-            <a:r>
-              <a:rPr lang="en-US" altLang="zh-CN" dirty="0">
-                <a:ea typeface="宋体" pitchFamily="2" charset="-122"/>
-              </a:rPr>
-              <a:t>GPS</a:t>
-            </a:r>
-            <a:r>
-              <a:rPr lang="zh-CN" altLang="en-US" dirty="0" smtClean="0">
-                <a:ea typeface="宋体" pitchFamily="2" charset="-122"/>
-              </a:rPr>
-              <a:t>、</a:t>
-            </a:r>
-            <a:r>
-              <a:rPr lang="en-US" altLang="zh-CN" dirty="0" smtClean="0">
-                <a:ea typeface="宋体" pitchFamily="2" charset="-122"/>
-              </a:rPr>
-              <a:t>GSM</a:t>
-            </a:r>
-            <a:r>
-              <a:rPr lang="zh-CN" altLang="en-US" dirty="0" smtClean="0">
-                <a:ea typeface="宋体" pitchFamily="2" charset="-122"/>
-              </a:rPr>
-              <a:t>、时钟模块、</a:t>
-            </a:r>
-            <a:r>
-              <a:rPr lang="en-US" altLang="zh-CN" dirty="0">
-                <a:ea typeface="宋体" pitchFamily="2" charset="-122"/>
-              </a:rPr>
-              <a:t>nRF2401</a:t>
-            </a:r>
-            <a:endParaRPr lang="zh-CN" altLang="en-US" dirty="0">
-              <a:ea typeface="宋体" pitchFamily="2" charset="-122"/>
-            </a:endParaRPr>
-          </a:p>
-          <a:p>
-            <a:pPr lvl="1">
-              <a:buClr>
-                <a:srgbClr val="3891A7"/>
-              </a:buClr>
-              <a:buFont typeface="Wingdings"/>
-              <a:buChar char="Ø"/>
-            </a:pPr>
-            <a:endParaRPr lang="zh-CN" altLang="en-US" dirty="0">
-              <a:ea typeface="宋体" pitchFamily="2" charset="-122"/>
-            </a:endParaRPr>
-          </a:p>
-          <a:p>
-            <a:pPr marL="640080" lvl="1" indent="-274320" algn="l" defTabSz="914400">
-              <a:spcBef>
-                <a:spcPts val="550"/>
-              </a:spcBef>
-              <a:buClr>
-                <a:srgbClr val="3891A7"/>
-              </a:buClr>
-              <a:buSzPct val="70000"/>
-              <a:buFont typeface="Wingdings"/>
-              <a:buChar char="Ø"/>
-            </a:pPr>
-            <a:endParaRPr lang="zh-CN" altLang="en-US" dirty="0" smtClean="0">
-              <a:ea typeface="宋体" pitchFamily="2" charset="-122"/>
-            </a:endParaRPr>
-          </a:p>
-          <a:p>
-            <a:pPr marL="365760" lvl="1" indent="0" algn="l" defTabSz="914400">
-              <a:spcBef>
-                <a:spcPts val="550"/>
-              </a:spcBef>
-              <a:buClr>
-                <a:srgbClr val="3891A7"/>
-              </a:buClr>
-              <a:buSzPct val="70000"/>
-              <a:buNone/>
-            </a:pPr>
-            <a:endParaRPr lang="zh-CN" altLang="en-US" dirty="0" smtClean="0">
-              <a:ea typeface="宋体" pitchFamily="2" charset="-122"/>
-            </a:endParaRPr>
-          </a:p>
-        </p:txBody>
-      </p:sp>
-    </p:spTree>
-  </p:cSld>
-  <p:clrMapOvr>
-    <a:masterClrMapping/>
-  </p:clrMapOvr>
-  <p:timing>
-    <p:tnLst>
-      <p:par>
-        <p:cTn id="1" dur="indefinite" restart="never" nodeType="tmRoot"/>
-      </p:par>
-    </p:tnLst>
-  </p:timing>
-</p:sld>
-</file>
-
-<file path=ppt/slides/slide6.xml><?xml version="1.0" encoding="utf-8"?>
-<p:sld xmlns:a="http://schemas.openxmlformats.org/drawingml/2006/main" xmlns:r="http://schemas.openxmlformats.org/officeDocument/2006/relationships" xmlns:p="http://schemas.openxmlformats.org/presentationml/2006/main">
-  <p:cSld>
-    <p:spTree>
-      <p:nvGrpSpPr>
-        <p:cNvPr id="1" name=""/>
-        <p:cNvGrpSpPr/>
-        <p:nvPr/>
-      </p:nvGrpSpPr>
-      <p:grpSpPr>
-        <a:xfrm>
-          <a:off x="0" y="0"/>
-          <a:ext cx="0" cy="0"/>
-          <a:chOff x="0" y="0"/>
-          <a:chExt cx="0" cy="0"/>
-        </a:xfrm>
-      </p:grpSpPr>
-      <p:sp>
-        <p:nvSpPr>
           <p:cNvPr id="10" name="椭圆形标注 9"/>
           <p:cNvSpPr/>
           <p:nvPr/>
@@ -12328,9 +8673,6 @@
               </a:rPr>
               <a:t>传统工作方式：</a:t>
             </a:r>
-            <a:endParaRPr lang="zh-CN" altLang="en-US" dirty="0" smtClean="0">
-              <a:ea typeface="宋体" pitchFamily="2" charset="-122"/>
-            </a:endParaRPr>
           </a:p>
         </p:txBody>
       </p:sp>
@@ -13513,7 +9855,7 @@
 </p:sld>
 </file>
 
-<file path=ppt/slides/slide7.xml><?xml version="1.0" encoding="utf-8"?>
+<file path=ppt/slides/slide3.xml><?xml version="1.0" encoding="utf-8"?>
 <p:sld xmlns:a="http://schemas.openxmlformats.org/drawingml/2006/main" xmlns:r="http://schemas.openxmlformats.org/officeDocument/2006/relationships" xmlns:p="http://schemas.openxmlformats.org/presentationml/2006/main">
   <p:cSld>
     <p:spTree>
@@ -13614,9 +9956,6 @@
               </a:rPr>
               <a:t>传统工作方式的重放攻击方式：</a:t>
             </a:r>
-            <a:endParaRPr lang="zh-CN" altLang="en-US" dirty="0" smtClean="0">
-              <a:ea typeface="宋体" pitchFamily="2" charset="-122"/>
-            </a:endParaRPr>
           </a:p>
         </p:txBody>
       </p:sp>
@@ -14893,7 +11232,7 @@
 </p:sld>
 </file>
 
-<file path=ppt/slides/slide8.xml><?xml version="1.0" encoding="utf-8"?>
+<file path=ppt/slides/slide4.xml><?xml version="1.0" encoding="utf-8"?>
 <p:sld xmlns:a="http://schemas.openxmlformats.org/drawingml/2006/main" xmlns:r="http://schemas.openxmlformats.org/officeDocument/2006/relationships" xmlns:p="http://schemas.openxmlformats.org/presentationml/2006/main">
   <p:cSld>
     <p:spTree>
@@ -15050,9 +11389,6 @@
               </a:rPr>
               <a:t>基于时间工作方式：</a:t>
             </a:r>
-            <a:endParaRPr lang="zh-CN" altLang="en-US" dirty="0" smtClean="0">
-              <a:ea typeface="宋体" pitchFamily="2" charset="-122"/>
-            </a:endParaRPr>
           </a:p>
         </p:txBody>
       </p:sp>
@@ -16633,7 +12969,7 @@
 </p:sld>
 </file>
 
-<file path=ppt/slides/slide9.xml><?xml version="1.0" encoding="utf-8"?>
+<file path=ppt/slides/slide5.xml><?xml version="1.0" encoding="utf-8"?>
 <p:sld xmlns:a="http://schemas.openxmlformats.org/drawingml/2006/main" xmlns:r="http://schemas.openxmlformats.org/officeDocument/2006/relationships" xmlns:p="http://schemas.openxmlformats.org/presentationml/2006/main">
   <p:cSld>
     <p:spTree>
@@ -16821,9 +13157,6 @@
               </a:rPr>
               <a:t>传统工作方式的重放攻击方式：</a:t>
             </a:r>
-            <a:endParaRPr lang="zh-CN" altLang="en-US" dirty="0" smtClean="0">
-              <a:ea typeface="宋体" pitchFamily="2" charset="-122"/>
-            </a:endParaRPr>
           </a:p>
         </p:txBody>
       </p:sp>
@@ -18808,6 +15141,3659 @@
       <p:bldP spid="23" grpId="0" animBg="1"/>
       <p:bldP spid="24" grpId="0"/>
     </p:bldLst>
+  </p:timing>
+</p:sld>
+</file>
+
+<file path=ppt/slides/slide6.xml><?xml version="1.0" encoding="utf-8"?>
+<p:sld xmlns:a="http://schemas.openxmlformats.org/drawingml/2006/main" xmlns:r="http://schemas.openxmlformats.org/officeDocument/2006/relationships" xmlns:p="http://schemas.openxmlformats.org/presentationml/2006/main">
+  <p:cSld>
+    <p:spTree>
+      <p:nvGrpSpPr>
+        <p:cNvPr id="1" name=""/>
+        <p:cNvGrpSpPr/>
+        <p:nvPr/>
+      </p:nvGrpSpPr>
+      <p:grpSpPr>
+        <a:xfrm>
+          <a:off x="0" y="0"/>
+          <a:ext cx="0" cy="0"/>
+          <a:chOff x="0" y="0"/>
+          <a:chExt cx="0" cy="0"/>
+        </a:xfrm>
+      </p:grpSpPr>
+      <p:sp>
+        <p:nvSpPr>
+          <p:cNvPr id="2" name="Rectangle 1"/>
+          <p:cNvSpPr>
+            <a:spLocks noGrp="1"/>
+          </p:cNvSpPr>
+          <p:nvPr>
+            <p:ph type="title"/>
+          </p:nvPr>
+        </p:nvSpPr>
+        <p:spPr/>
+        <p:txBody>
+          <a:bodyPr/>
+          <a:lstStyle/>
+          <a:p>
+            <a:pPr algn="l" defTabSz="914400">
+              <a:spcBef>
+                <a:spcPts val="0"/>
+              </a:spcBef>
+              <a:buNone/>
+            </a:pPr>
+            <a:r>
+              <a:rPr lang="en-US" altLang="zh-CN" dirty="0" smtClean="0">
+                <a:solidFill>
+                  <a:srgbClr val="4F271C"/>
+                </a:solidFill>
+                <a:latin typeface="Tw Cen MT"/>
+                <a:ea typeface="宋体" pitchFamily="2" charset="-122"/>
+              </a:rPr>
+              <a:t>AES</a:t>
+            </a:r>
+            <a:r>
+              <a:rPr lang="zh-CN" altLang="en-US" dirty="0" smtClean="0">
+                <a:solidFill>
+                  <a:srgbClr val="4F271C"/>
+                </a:solidFill>
+                <a:latin typeface="Tw Cen MT"/>
+                <a:ea typeface="宋体" pitchFamily="2" charset="-122"/>
+              </a:rPr>
+              <a:t>加密</a:t>
+            </a:r>
+            <a:endParaRPr lang="zh-CN" altLang="en-US" sz="4400" b="0" i="0" dirty="0">
+              <a:solidFill>
+                <a:srgbClr val="4F271C"/>
+              </a:solidFill>
+              <a:latin typeface="Tw Cen MT"/>
+              <a:ea typeface="宋体" pitchFamily="2" charset="-122"/>
+              <a:cs typeface="+mj-cs"/>
+            </a:endParaRPr>
+          </a:p>
+        </p:txBody>
+      </p:sp>
+      <p:pic>
+        <p:nvPicPr>
+          <p:cNvPr id="14" name="内容占位符 13"/>
+          <p:cNvPicPr>
+            <a:picLocks noGrp="1" noChangeAspect="1"/>
+          </p:cNvPicPr>
+          <p:nvPr>
+            <p:ph sz="quarter" idx="1"/>
+          </p:nvPr>
+        </p:nvPicPr>
+        <p:blipFill>
+          <a:blip r:embed="rId4"/>
+          <a:stretch>
+            <a:fillRect/>
+          </a:stretch>
+        </p:blipFill>
+        <p:spPr>
+          <a:xfrm>
+            <a:off x="123321" y="1511300"/>
+            <a:ext cx="3914286" cy="4724399"/>
+          </a:xfrm>
+          <a:prstGeom prst="rect">
+            <a:avLst/>
+          </a:prstGeom>
+        </p:spPr>
+      </p:pic>
+      <p:sp>
+        <p:nvSpPr>
+          <p:cNvPr id="15" name="右箭头 14"/>
+          <p:cNvSpPr/>
+          <p:nvPr/>
+        </p:nvSpPr>
+        <p:spPr>
+          <a:xfrm>
+            <a:off x="990600" y="1828800"/>
+            <a:ext cx="609600" cy="228600"/>
+          </a:xfrm>
+          <a:prstGeom prst="rightArrow">
+            <a:avLst/>
+          </a:prstGeom>
+        </p:spPr>
+        <p:style>
+          <a:lnRef idx="2">
+            <a:schemeClr val="accent1">
+              <a:shade val="50000"/>
+            </a:schemeClr>
+          </a:lnRef>
+          <a:fillRef idx="1">
+            <a:schemeClr val="accent1"/>
+          </a:fillRef>
+          <a:effectRef idx="0">
+            <a:schemeClr val="accent1"/>
+          </a:effectRef>
+          <a:fontRef idx="minor">
+            <a:schemeClr val="lt1"/>
+          </a:fontRef>
+        </p:style>
+        <p:txBody>
+          <a:bodyPr rtlCol="0" anchor="ctr"/>
+          <a:lstStyle/>
+          <a:p>
+            <a:pPr algn="ctr"/>
+            <a:endParaRPr lang="en-US"/>
+          </a:p>
+        </p:txBody>
+      </p:sp>
+      <p:sp>
+        <p:nvSpPr>
+          <p:cNvPr id="87" name="矩形 86"/>
+          <p:cNvSpPr/>
+          <p:nvPr/>
+        </p:nvSpPr>
+        <p:spPr>
+          <a:xfrm>
+            <a:off x="6096000" y="2514600"/>
+            <a:ext cx="184731" cy="369332"/>
+          </a:xfrm>
+          <a:prstGeom prst="rect">
+            <a:avLst/>
+          </a:prstGeom>
+        </p:spPr>
+        <p:txBody>
+          <a:bodyPr wrap="none">
+            <a:spAutoFit/>
+          </a:bodyPr>
+          <a:lstStyle/>
+          <a:p>
+            <a:endParaRPr lang="en-US" dirty="0"/>
+          </a:p>
+        </p:txBody>
+      </p:sp>
+      <p:sp>
+        <p:nvSpPr>
+          <p:cNvPr id="88" name="Rectangle 72"/>
+          <p:cNvSpPr>
+            <a:spLocks noChangeArrowheads="1"/>
+          </p:cNvSpPr>
+          <p:nvPr/>
+        </p:nvSpPr>
+        <p:spPr bwMode="auto">
+          <a:xfrm>
+            <a:off x="4997450" y="1524000"/>
+            <a:ext cx="8991600" cy="553998"/>
+          </a:xfrm>
+          <a:prstGeom prst="rect">
+            <a:avLst/>
+          </a:prstGeom>
+          <a:noFill/>
+          <a:ln>
+            <a:noFill/>
+          </a:ln>
+          <a:effectLst/>
+          <a:extLst>
+            <a:ext uri="{909E8E84-426E-40DD-AFC4-6F175D3DCCD1}">
+              <a14:hiddenFill xmlns:a14="http://schemas.microsoft.com/office/drawing/2010/main">
+                <a:solidFill>
+                  <a:schemeClr val="accent1"/>
+                </a:solidFill>
+              </a14:hiddenFill>
+            </a:ext>
+            <a:ext uri="{91240B29-F687-4F45-9708-019B960494DF}">
+              <a14:hiddenLine xmlns:a14="http://schemas.microsoft.com/office/drawing/2010/main" w="9525">
+                <a:solidFill>
+                  <a:schemeClr val="tx1"/>
+                </a:solidFill>
+                <a:miter lim="800000"/>
+                <a:headEnd/>
+                <a:tailEnd/>
+              </a14:hiddenLine>
+            </a:ext>
+            <a:ext uri="{AF507438-7753-43E0-B8FC-AC1667EBCBE1}">
+              <a14:hiddenEffects xmlns:a14="http://schemas.microsoft.com/office/drawing/2010/main">
+                <a:effectLst>
+                  <a:outerShdw dist="35921" dir="2700000" algn="ctr" rotWithShape="0">
+                    <a:schemeClr val="bg2"/>
+                  </a:outerShdw>
+                </a:effectLst>
+              </a14:hiddenEffects>
+            </a:ext>
+          </a:extLst>
+        </p:spPr>
+        <p:txBody>
+          <a:bodyPr vert="horz" wrap="square" lIns="91440" tIns="45720" rIns="91440" bIns="45720" numCol="1" anchor="ctr" anchorCtr="0" compatLnSpc="1">
+            <a:prstTxWarp prst="textNoShape">
+              <a:avLst/>
+            </a:prstTxWarp>
+            <a:spAutoFit/>
+          </a:bodyPr>
+          <a:lstStyle/>
+          <a:p>
+            <a:pPr eaLnBrk="0" fontAlgn="base" hangingPunct="0">
+              <a:spcBef>
+                <a:spcPct val="0"/>
+              </a:spcBef>
+              <a:spcAft>
+                <a:spcPct val="0"/>
+              </a:spcAft>
+            </a:pPr>
+            <a:endParaRPr lang="zh-CN" altLang="en-US" sz="1200" dirty="0">
+              <a:latin typeface="宋体" panose="02010600030101010101" pitchFamily="2" charset="-122"/>
+              <a:ea typeface="宋体" panose="02010600030101010101" pitchFamily="2" charset="-122"/>
+            </a:endParaRPr>
+          </a:p>
+          <a:p>
+            <a:pPr marL="0" marR="0" lvl="0" indent="0" algn="l" defTabSz="914400" rtl="0" eaLnBrk="0" fontAlgn="base" latinLnBrk="0" hangingPunct="0">
+              <a:lnSpc>
+                <a:spcPct val="100000"/>
+              </a:lnSpc>
+              <a:spcBef>
+                <a:spcPct val="0"/>
+              </a:spcBef>
+              <a:spcAft>
+                <a:spcPct val="0"/>
+              </a:spcAft>
+              <a:buClrTx/>
+              <a:buSzTx/>
+              <a:buFontTx/>
+              <a:buNone/>
+              <a:tabLst/>
+            </a:pPr>
+            <a:endParaRPr kumimoji="0" lang="zh-CN" altLang="en-US" sz="1800" b="0" i="0" u="none" strike="noStrike" cap="none" normalizeH="0" baseline="0" dirty="0" smtClean="0">
+              <a:ln>
+                <a:noFill/>
+              </a:ln>
+              <a:solidFill>
+                <a:schemeClr val="tx1"/>
+              </a:solidFill>
+              <a:effectLst/>
+              <a:latin typeface="Arial" panose="020B0604020202020204" pitchFamily="34" charset="0"/>
+            </a:endParaRPr>
+          </a:p>
+        </p:txBody>
+      </p:sp>
+      <p:sp>
+        <p:nvSpPr>
+          <p:cNvPr id="91" name="Rectangle 76"/>
+          <p:cNvSpPr>
+            <a:spLocks noChangeArrowheads="1"/>
+          </p:cNvSpPr>
+          <p:nvPr/>
+        </p:nvSpPr>
+        <p:spPr bwMode="auto">
+          <a:xfrm>
+            <a:off x="5486400" y="664482"/>
+            <a:ext cx="9906000" cy="0"/>
+          </a:xfrm>
+          <a:prstGeom prst="rect">
+            <a:avLst/>
+          </a:prstGeom>
+          <a:noFill/>
+          <a:ln>
+            <a:noFill/>
+          </a:ln>
+          <a:effectLst/>
+          <a:extLst>
+            <a:ext uri="{909E8E84-426E-40DD-AFC4-6F175D3DCCD1}">
+              <a14:hiddenFill xmlns:a14="http://schemas.microsoft.com/office/drawing/2010/main">
+                <a:solidFill>
+                  <a:schemeClr val="accent1"/>
+                </a:solidFill>
+              </a14:hiddenFill>
+            </a:ext>
+            <a:ext uri="{91240B29-F687-4F45-9708-019B960494DF}">
+              <a14:hiddenLine xmlns:a14="http://schemas.microsoft.com/office/drawing/2010/main" w="9525">
+                <a:solidFill>
+                  <a:schemeClr val="tx1"/>
+                </a:solidFill>
+                <a:miter lim="800000"/>
+                <a:headEnd/>
+                <a:tailEnd/>
+              </a14:hiddenLine>
+            </a:ext>
+            <a:ext uri="{AF507438-7753-43E0-B8FC-AC1667EBCBE1}">
+              <a14:hiddenEffects xmlns:a14="http://schemas.microsoft.com/office/drawing/2010/main">
+                <a:effectLst>
+                  <a:outerShdw dist="35921" dir="2700000" algn="ctr" rotWithShape="0">
+                    <a:schemeClr val="bg2"/>
+                  </a:outerShdw>
+                </a:effectLst>
+              </a14:hiddenEffects>
+            </a:ext>
+          </a:extLst>
+        </p:spPr>
+        <p:txBody>
+          <a:bodyPr vert="horz" wrap="none" lIns="91440" tIns="45720" rIns="91440" bIns="45720" numCol="1" anchor="ctr" anchorCtr="0" compatLnSpc="1">
+            <a:prstTxWarp prst="textNoShape">
+              <a:avLst/>
+            </a:prstTxWarp>
+            <a:spAutoFit/>
+          </a:bodyPr>
+          <a:lstStyle/>
+          <a:p>
+            <a:endParaRPr lang="en-US"/>
+          </a:p>
+        </p:txBody>
+      </p:sp>
+      <p:graphicFrame>
+        <p:nvGraphicFramePr>
+          <p:cNvPr id="93" name="对象 92"/>
+          <p:cNvGraphicFramePr>
+            <a:graphicFrameLocks noChangeAspect="1"/>
+          </p:cNvGraphicFramePr>
+          <p:nvPr>
+            <p:extLst>
+              <p:ext uri="{D42A27DB-BD31-4B8C-83A1-F6EECF244321}">
+                <p14:modId xmlns:p14="http://schemas.microsoft.com/office/powerpoint/2010/main" val="837415584"/>
+              </p:ext>
+            </p:extLst>
+          </p:nvPr>
+        </p:nvGraphicFramePr>
+        <p:xfrm>
+          <a:off x="4895850" y="3338513"/>
+          <a:ext cx="114300" cy="177800"/>
+        </p:xfrm>
+        <a:graphic>
+          <a:graphicData uri="http://schemas.openxmlformats.org/presentationml/2006/ole">
+            <mc:AlternateContent xmlns:mc="http://schemas.openxmlformats.org/markup-compatibility/2006">
+              <mc:Choice xmlns:v="urn:schemas-microsoft-com:vml" Requires="v">
+                <p:oleObj spid="_x0000_s1149" name="Equation" r:id="rId5" imgW="114120" imgH="177480" progId="Equation.DSMT4">
+                  <p:embed/>
+                </p:oleObj>
+              </mc:Choice>
+              <mc:Fallback>
+                <p:oleObj name="Equation" r:id="rId5" imgW="114120" imgH="177480" progId="Equation.DSMT4">
+                  <p:embed/>
+                  <p:pic>
+                    <p:nvPicPr>
+                      <p:cNvPr id="0" name=""/>
+                      <p:cNvPicPr/>
+                      <p:nvPr/>
+                    </p:nvPicPr>
+                    <p:blipFill>
+                      <a:blip r:embed="rId6"/>
+                      <a:stretch>
+                        <a:fillRect/>
+                      </a:stretch>
+                    </p:blipFill>
+                    <p:spPr>
+                      <a:xfrm>
+                        <a:off x="4895850" y="3338513"/>
+                        <a:ext cx="114300" cy="177800"/>
+                      </a:xfrm>
+                      <a:prstGeom prst="rect">
+                        <a:avLst/>
+                      </a:prstGeom>
+                    </p:spPr>
+                  </p:pic>
+                </p:oleObj>
+              </mc:Fallback>
+            </mc:AlternateContent>
+          </a:graphicData>
+        </a:graphic>
+      </p:graphicFrame>
+      <p:pic>
+        <p:nvPicPr>
+          <p:cNvPr id="95" name="图片 94"/>
+          <p:cNvPicPr>
+            <a:picLocks noChangeAspect="1"/>
+          </p:cNvPicPr>
+          <p:nvPr/>
+        </p:nvPicPr>
+        <p:blipFill>
+          <a:blip r:embed="rId7"/>
+          <a:stretch>
+            <a:fillRect/>
+          </a:stretch>
+        </p:blipFill>
+        <p:spPr>
+          <a:xfrm>
+            <a:off x="3748590" y="2187091"/>
+            <a:ext cx="6157410" cy="1393682"/>
+          </a:xfrm>
+          <a:prstGeom prst="rect">
+            <a:avLst/>
+          </a:prstGeom>
+        </p:spPr>
+      </p:pic>
+      <p:pic>
+        <p:nvPicPr>
+          <p:cNvPr id="97" name="图片 96"/>
+          <p:cNvPicPr>
+            <a:picLocks noChangeAspect="1"/>
+          </p:cNvPicPr>
+          <p:nvPr/>
+        </p:nvPicPr>
+        <p:blipFill>
+          <a:blip r:embed="rId8"/>
+          <a:stretch>
+            <a:fillRect/>
+          </a:stretch>
+        </p:blipFill>
+        <p:spPr>
+          <a:xfrm>
+            <a:off x="4095802" y="3494643"/>
+            <a:ext cx="5761864" cy="1190062"/>
+          </a:xfrm>
+          <a:prstGeom prst="rect">
+            <a:avLst/>
+          </a:prstGeom>
+        </p:spPr>
+      </p:pic>
+      <p:graphicFrame>
+        <p:nvGraphicFramePr>
+          <p:cNvPr id="103" name="对象 102"/>
+          <p:cNvGraphicFramePr>
+            <a:graphicFrameLocks noChangeAspect="1"/>
+          </p:cNvGraphicFramePr>
+          <p:nvPr>
+            <p:extLst>
+              <p:ext uri="{D42A27DB-BD31-4B8C-83A1-F6EECF244321}">
+                <p14:modId xmlns:p14="http://schemas.microsoft.com/office/powerpoint/2010/main" val="2443792826"/>
+              </p:ext>
+            </p:extLst>
+          </p:nvPr>
+        </p:nvGraphicFramePr>
+        <p:xfrm>
+          <a:off x="4117504" y="2274404"/>
+          <a:ext cx="5657798" cy="1047750"/>
+        </p:xfrm>
+        <a:graphic>
+          <a:graphicData uri="http://schemas.openxmlformats.org/presentationml/2006/ole">
+            <mc:AlternateContent xmlns:mc="http://schemas.openxmlformats.org/markup-compatibility/2006">
+              <mc:Choice xmlns:v="urn:schemas-microsoft-com:vml" Requires="v">
+                <p:oleObj spid="_x0000_s1150" name="文档" r:id="rId10" imgW="5579216" imgH="1140313" progId="Word.Document.12">
+                  <p:embed/>
+                </p:oleObj>
+              </mc:Choice>
+              <mc:Fallback>
+                <p:oleObj name="文档" r:id="rId10" imgW="5579216" imgH="1140313" progId="Word.Document.12">
+                  <p:embed/>
+                  <p:pic>
+                    <p:nvPicPr>
+                      <p:cNvPr id="0" name=""/>
+                      <p:cNvPicPr/>
+                      <p:nvPr/>
+                    </p:nvPicPr>
+                    <p:blipFill>
+                      <a:blip r:embed="rId11"/>
+                      <a:stretch>
+                        <a:fillRect/>
+                      </a:stretch>
+                    </p:blipFill>
+                    <p:spPr>
+                      <a:xfrm>
+                        <a:off x="4117504" y="2274404"/>
+                        <a:ext cx="5657798" cy="1047750"/>
+                      </a:xfrm>
+                      <a:prstGeom prst="rect">
+                        <a:avLst/>
+                      </a:prstGeom>
+                    </p:spPr>
+                  </p:pic>
+                </p:oleObj>
+              </mc:Fallback>
+            </mc:AlternateContent>
+          </a:graphicData>
+        </a:graphic>
+      </p:graphicFrame>
+      <p:sp>
+        <p:nvSpPr>
+          <p:cNvPr id="104" name="文本框 103"/>
+          <p:cNvSpPr txBox="1"/>
+          <p:nvPr/>
+        </p:nvSpPr>
+        <p:spPr>
+          <a:xfrm>
+            <a:off x="3955243" y="1962025"/>
+            <a:ext cx="5820059" cy="830997"/>
+          </a:xfrm>
+          <a:prstGeom prst="rect">
+            <a:avLst/>
+          </a:prstGeom>
+          <a:noFill/>
+        </p:spPr>
+        <p:txBody>
+          <a:bodyPr wrap="square" rtlCol="0">
+            <a:spAutoFit/>
+          </a:bodyPr>
+          <a:lstStyle/>
+          <a:p>
+            <a:r>
+              <a:rPr lang="zh-CN" altLang="en-US" sz="1600" dirty="0"/>
+              <a:t>使用一个表</a:t>
+            </a:r>
+            <a:r>
+              <a:rPr lang="en-US" altLang="zh-CN" sz="1600" dirty="0"/>
+              <a:t>(</a:t>
+            </a:r>
+            <a:r>
+              <a:rPr lang="zh-CN" altLang="en-US" sz="1600" dirty="0"/>
+              <a:t>被称为</a:t>
+            </a:r>
+            <a:r>
+              <a:rPr lang="en-US" altLang="zh-CN" sz="1600" dirty="0"/>
+              <a:t>S</a:t>
+            </a:r>
+            <a:r>
+              <a:rPr lang="zh-CN" altLang="en-US" sz="1600" dirty="0"/>
+              <a:t>盒</a:t>
+            </a:r>
+            <a:r>
+              <a:rPr lang="en-US" altLang="zh-CN" sz="1600" dirty="0"/>
+              <a:t>)</a:t>
+            </a:r>
+            <a:r>
+              <a:rPr lang="zh-CN" altLang="en-US" sz="1600" dirty="0"/>
+              <a:t>对分组进行逐一字节替换。</a:t>
+            </a:r>
+            <a:r>
+              <a:rPr lang="en-US" altLang="zh-CN" sz="1600" dirty="0"/>
+              <a:t>S</a:t>
+            </a:r>
+            <a:r>
+              <a:rPr lang="zh-CN" altLang="en-US" sz="1600" dirty="0"/>
+              <a:t>盒是</a:t>
+            </a:r>
+            <a:r>
+              <a:rPr lang="en-US" altLang="zh-CN" sz="1600" dirty="0"/>
+              <a:t>AES</a:t>
+            </a:r>
+            <a:r>
+              <a:rPr lang="zh-CN" altLang="en-US" sz="1600" dirty="0"/>
+              <a:t>算法定义的矩阵，把</a:t>
+            </a:r>
+            <a:r>
+              <a:rPr lang="en-US" altLang="zh-CN" sz="1600" dirty="0"/>
+              <a:t>State</a:t>
+            </a:r>
+            <a:r>
+              <a:rPr lang="zh-CN" altLang="en-US" sz="1600" dirty="0"/>
+              <a:t>中每个字节的高</a:t>
+            </a:r>
+            <a:r>
+              <a:rPr lang="en-US" altLang="zh-CN" sz="1600" dirty="0"/>
+              <a:t>4</a:t>
+            </a:r>
+            <a:r>
+              <a:rPr lang="zh-CN" altLang="en-US" sz="1600" dirty="0"/>
+              <a:t>位作为行值，低</a:t>
+            </a:r>
+            <a:r>
+              <a:rPr lang="en-US" altLang="zh-CN" sz="1600" dirty="0"/>
+              <a:t>4</a:t>
+            </a:r>
+            <a:r>
+              <a:rPr lang="zh-CN" altLang="en-US" sz="1600" dirty="0"/>
+              <a:t>位作为列值，然后取出</a:t>
+            </a:r>
+            <a:r>
+              <a:rPr lang="en-US" altLang="zh-CN" sz="1600" dirty="0"/>
+              <a:t>S</a:t>
+            </a:r>
+            <a:r>
+              <a:rPr lang="zh-CN" altLang="en-US" sz="1600" dirty="0"/>
+              <a:t>一盒中对应行列的元素作为输出。</a:t>
+            </a:r>
+            <a:endParaRPr lang="en-US" sz="1600" dirty="0"/>
+          </a:p>
+        </p:txBody>
+      </p:sp>
+      <p:pic>
+        <p:nvPicPr>
+          <p:cNvPr id="105" name="图片 104"/>
+          <p:cNvPicPr>
+            <a:picLocks noChangeAspect="1"/>
+          </p:cNvPicPr>
+          <p:nvPr/>
+        </p:nvPicPr>
+        <p:blipFill>
+          <a:blip r:embed="rId12"/>
+          <a:stretch>
+            <a:fillRect/>
+          </a:stretch>
+        </p:blipFill>
+        <p:spPr>
+          <a:xfrm>
+            <a:off x="4130204" y="3170536"/>
+            <a:ext cx="5761864" cy="596553"/>
+          </a:xfrm>
+          <a:prstGeom prst="rect">
+            <a:avLst/>
+          </a:prstGeom>
+        </p:spPr>
+      </p:pic>
+      <p:graphicFrame>
+        <p:nvGraphicFramePr>
+          <p:cNvPr id="106" name="对象 105"/>
+          <p:cNvGraphicFramePr>
+            <a:graphicFrameLocks noChangeAspect="1"/>
+          </p:cNvGraphicFramePr>
+          <p:nvPr>
+            <p:extLst>
+              <p:ext uri="{D42A27DB-BD31-4B8C-83A1-F6EECF244321}">
+                <p14:modId xmlns:p14="http://schemas.microsoft.com/office/powerpoint/2010/main" val="741913155"/>
+              </p:ext>
+            </p:extLst>
+          </p:nvPr>
+        </p:nvGraphicFramePr>
+        <p:xfrm>
+          <a:off x="4051930" y="2667000"/>
+          <a:ext cx="5849608" cy="3908653"/>
+        </p:xfrm>
+        <a:graphic>
+          <a:graphicData uri="http://schemas.openxmlformats.org/presentationml/2006/ole">
+            <mc:AlternateContent xmlns:mc="http://schemas.openxmlformats.org/markup-compatibility/2006">
+              <mc:Choice xmlns:v="urn:schemas-microsoft-com:vml" Requires="v">
+                <p:oleObj spid="_x0000_s1151" name="文档" r:id="rId14" imgW="6597904" imgH="4408391" progId="Word.Document.12">
+                  <p:embed/>
+                </p:oleObj>
+              </mc:Choice>
+              <mc:Fallback>
+                <p:oleObj name="文档" r:id="rId14" imgW="6597904" imgH="4408391" progId="Word.Document.12">
+                  <p:embed/>
+                  <p:pic>
+                    <p:nvPicPr>
+                      <p:cNvPr id="0" name=""/>
+                      <p:cNvPicPr/>
+                      <p:nvPr/>
+                    </p:nvPicPr>
+                    <p:blipFill>
+                      <a:blip r:embed="rId15"/>
+                      <a:stretch>
+                        <a:fillRect/>
+                      </a:stretch>
+                    </p:blipFill>
+                    <p:spPr>
+                      <a:xfrm>
+                        <a:off x="4051930" y="2667000"/>
+                        <a:ext cx="5849608" cy="3908653"/>
+                      </a:xfrm>
+                      <a:prstGeom prst="rect">
+                        <a:avLst/>
+                      </a:prstGeom>
+                    </p:spPr>
+                  </p:pic>
+                </p:oleObj>
+              </mc:Fallback>
+            </mc:AlternateContent>
+          </a:graphicData>
+        </a:graphic>
+      </p:graphicFrame>
+    </p:spTree>
+  </p:cSld>
+  <p:clrMapOvr>
+    <a:masterClrMapping/>
+  </p:clrMapOvr>
+  <p:timing>
+    <p:tnLst>
+      <p:par>
+        <p:cTn id="1" dur="indefinite" restart="never" nodeType="tmRoot">
+          <p:childTnLst>
+            <p:seq concurrent="1" nextAc="seek">
+              <p:cTn id="2" dur="indefinite" nodeType="mainSeq">
+                <p:childTnLst>
+                  <p:par>
+                    <p:cTn id="3" fill="hold">
+                      <p:stCondLst>
+                        <p:cond delay="indefinite"/>
+                      </p:stCondLst>
+                      <p:childTnLst>
+                        <p:par>
+                          <p:cTn id="4" fill="hold">
+                            <p:stCondLst>
+                              <p:cond delay="0"/>
+                            </p:stCondLst>
+                            <p:childTnLst>
+                              <p:par>
+                                <p:cTn id="5" presetID="1" presetClass="entr" presetSubtype="0" fill="hold" grpId="0" nodeType="clickEffect">
+                                  <p:stCondLst>
+                                    <p:cond delay="0"/>
+                                  </p:stCondLst>
+                                  <p:childTnLst>
+                                    <p:set>
+                                      <p:cBhvr>
+                                        <p:cTn id="6" dur="1" fill="hold">
+                                          <p:stCondLst>
+                                            <p:cond delay="0"/>
+                                          </p:stCondLst>
+                                        </p:cTn>
+                                        <p:tgtEl>
+                                          <p:spTgt spid="15"/>
+                                        </p:tgtEl>
+                                        <p:attrNameLst>
+                                          <p:attrName>style.visibility</p:attrName>
+                                        </p:attrNameLst>
+                                      </p:cBhvr>
+                                      <p:to>
+                                        <p:strVal val="visible"/>
+                                      </p:to>
+                                    </p:set>
+                                  </p:childTnLst>
+                                </p:cTn>
+                              </p:par>
+                              <p:par>
+                                <p:cTn id="7" presetID="1" presetClass="entr" presetSubtype="0" fill="hold" nodeType="withEffect">
+                                  <p:stCondLst>
+                                    <p:cond delay="0"/>
+                                  </p:stCondLst>
+                                  <p:childTnLst>
+                                    <p:set>
+                                      <p:cBhvr>
+                                        <p:cTn id="8" dur="1" fill="hold">
+                                          <p:stCondLst>
+                                            <p:cond delay="0"/>
+                                          </p:stCondLst>
+                                        </p:cTn>
+                                        <p:tgtEl>
+                                          <p:spTgt spid="95"/>
+                                        </p:tgtEl>
+                                        <p:attrNameLst>
+                                          <p:attrName>style.visibility</p:attrName>
+                                        </p:attrNameLst>
+                                      </p:cBhvr>
+                                      <p:to>
+                                        <p:strVal val="visible"/>
+                                      </p:to>
+                                    </p:set>
+                                  </p:childTnLst>
+                                </p:cTn>
+                              </p:par>
+                              <p:par>
+                                <p:cTn id="9" presetID="1" presetClass="entr" presetSubtype="0" fill="hold" nodeType="withEffect">
+                                  <p:stCondLst>
+                                    <p:cond delay="0"/>
+                                  </p:stCondLst>
+                                  <p:childTnLst>
+                                    <p:set>
+                                      <p:cBhvr>
+                                        <p:cTn id="10" dur="1" fill="hold">
+                                          <p:stCondLst>
+                                            <p:cond delay="0"/>
+                                          </p:stCondLst>
+                                        </p:cTn>
+                                        <p:tgtEl>
+                                          <p:spTgt spid="97"/>
+                                        </p:tgtEl>
+                                        <p:attrNameLst>
+                                          <p:attrName>style.visibility</p:attrName>
+                                        </p:attrNameLst>
+                                      </p:cBhvr>
+                                      <p:to>
+                                        <p:strVal val="visible"/>
+                                      </p:to>
+                                    </p:set>
+                                  </p:childTnLst>
+                                </p:cTn>
+                              </p:par>
+                            </p:childTnLst>
+                          </p:cTn>
+                        </p:par>
+                      </p:childTnLst>
+                    </p:cTn>
+                  </p:par>
+                  <p:par>
+                    <p:cTn id="11" fill="hold">
+                      <p:stCondLst>
+                        <p:cond delay="indefinite"/>
+                      </p:stCondLst>
+                      <p:childTnLst>
+                        <p:par>
+                          <p:cTn id="12" fill="hold">
+                            <p:stCondLst>
+                              <p:cond delay="0"/>
+                            </p:stCondLst>
+                            <p:childTnLst>
+                              <p:par>
+                                <p:cTn id="13" presetID="10" presetClass="exit" presetSubtype="0" fill="hold" nodeType="clickEffect">
+                                  <p:stCondLst>
+                                    <p:cond delay="0"/>
+                                  </p:stCondLst>
+                                  <p:childTnLst>
+                                    <p:animEffect transition="out" filter="fade">
+                                      <p:cBhvr>
+                                        <p:cTn id="14" dur="500"/>
+                                        <p:tgtEl>
+                                          <p:spTgt spid="95"/>
+                                        </p:tgtEl>
+                                      </p:cBhvr>
+                                    </p:animEffect>
+                                    <p:set>
+                                      <p:cBhvr>
+                                        <p:cTn id="15" dur="1" fill="hold">
+                                          <p:stCondLst>
+                                            <p:cond delay="499"/>
+                                          </p:stCondLst>
+                                        </p:cTn>
+                                        <p:tgtEl>
+                                          <p:spTgt spid="95"/>
+                                        </p:tgtEl>
+                                        <p:attrNameLst>
+                                          <p:attrName>style.visibility</p:attrName>
+                                        </p:attrNameLst>
+                                      </p:cBhvr>
+                                      <p:to>
+                                        <p:strVal val="hidden"/>
+                                      </p:to>
+                                    </p:set>
+                                  </p:childTnLst>
+                                </p:cTn>
+                              </p:par>
+                              <p:par>
+                                <p:cTn id="16" presetID="10" presetClass="exit" presetSubtype="0" fill="hold" nodeType="withEffect">
+                                  <p:stCondLst>
+                                    <p:cond delay="0"/>
+                                  </p:stCondLst>
+                                  <p:childTnLst>
+                                    <p:animEffect transition="out" filter="fade">
+                                      <p:cBhvr>
+                                        <p:cTn id="17" dur="500"/>
+                                        <p:tgtEl>
+                                          <p:spTgt spid="97"/>
+                                        </p:tgtEl>
+                                      </p:cBhvr>
+                                    </p:animEffect>
+                                    <p:set>
+                                      <p:cBhvr>
+                                        <p:cTn id="18" dur="1" fill="hold">
+                                          <p:stCondLst>
+                                            <p:cond delay="499"/>
+                                          </p:stCondLst>
+                                        </p:cTn>
+                                        <p:tgtEl>
+                                          <p:spTgt spid="97"/>
+                                        </p:tgtEl>
+                                        <p:attrNameLst>
+                                          <p:attrName>style.visibility</p:attrName>
+                                        </p:attrNameLst>
+                                      </p:cBhvr>
+                                      <p:to>
+                                        <p:strVal val="hidden"/>
+                                      </p:to>
+                                    </p:set>
+                                  </p:childTnLst>
+                                </p:cTn>
+                              </p:par>
+                            </p:childTnLst>
+                          </p:cTn>
+                        </p:par>
+                      </p:childTnLst>
+                    </p:cTn>
+                  </p:par>
+                  <p:par>
+                    <p:cTn id="19" fill="hold">
+                      <p:stCondLst>
+                        <p:cond delay="indefinite"/>
+                      </p:stCondLst>
+                      <p:childTnLst>
+                        <p:par>
+                          <p:cTn id="20" fill="hold">
+                            <p:stCondLst>
+                              <p:cond delay="0"/>
+                            </p:stCondLst>
+                            <p:childTnLst>
+                              <p:par>
+                                <p:cTn id="21" presetID="42" presetClass="path" presetSubtype="0" accel="50000" decel="50000" fill="hold" grpId="1" nodeType="clickEffect">
+                                  <p:stCondLst>
+                                    <p:cond delay="0"/>
+                                  </p:stCondLst>
+                                  <p:childTnLst>
+                                    <p:animMotion origin="layout" path="M 7.69231E-7 -3.33333E-6 L -0.10769 0.04838 " pathEditMode="relative" rAng="0" ptsTypes="AA">
+                                      <p:cBhvr>
+                                        <p:cTn id="22" dur="2000" fill="hold"/>
+                                        <p:tgtEl>
+                                          <p:spTgt spid="15"/>
+                                        </p:tgtEl>
+                                        <p:attrNameLst>
+                                          <p:attrName>ppt_x</p:attrName>
+                                          <p:attrName>ppt_y</p:attrName>
+                                        </p:attrNameLst>
+                                      </p:cBhvr>
+                                      <p:rCtr x="-5385" y="2407"/>
+                                    </p:animMotion>
+                                  </p:childTnLst>
+                                </p:cTn>
+                              </p:par>
+                              <p:par>
+                                <p:cTn id="23" presetID="1" presetClass="entr" presetSubtype="0" fill="hold" nodeType="withEffect">
+                                  <p:stCondLst>
+                                    <p:cond delay="0"/>
+                                  </p:stCondLst>
+                                  <p:childTnLst>
+                                    <p:set>
+                                      <p:cBhvr>
+                                        <p:cTn id="24" dur="1" fill="hold">
+                                          <p:stCondLst>
+                                            <p:cond delay="0"/>
+                                          </p:stCondLst>
+                                        </p:cTn>
+                                        <p:tgtEl>
+                                          <p:spTgt spid="103"/>
+                                        </p:tgtEl>
+                                        <p:attrNameLst>
+                                          <p:attrName>style.visibility</p:attrName>
+                                        </p:attrNameLst>
+                                      </p:cBhvr>
+                                      <p:to>
+                                        <p:strVal val="visible"/>
+                                      </p:to>
+                                    </p:set>
+                                  </p:childTnLst>
+                                </p:cTn>
+                              </p:par>
+                            </p:childTnLst>
+                          </p:cTn>
+                        </p:par>
+                      </p:childTnLst>
+                    </p:cTn>
+                  </p:par>
+                  <p:par>
+                    <p:cTn id="25" fill="hold">
+                      <p:stCondLst>
+                        <p:cond delay="indefinite"/>
+                      </p:stCondLst>
+                      <p:childTnLst>
+                        <p:par>
+                          <p:cTn id="26" fill="hold">
+                            <p:stCondLst>
+                              <p:cond delay="0"/>
+                            </p:stCondLst>
+                            <p:childTnLst>
+                              <p:par>
+                                <p:cTn id="27" presetID="10" presetClass="exit" presetSubtype="0" fill="hold" nodeType="clickEffect">
+                                  <p:stCondLst>
+                                    <p:cond delay="0"/>
+                                  </p:stCondLst>
+                                  <p:childTnLst>
+                                    <p:animEffect transition="out" filter="fade">
+                                      <p:cBhvr>
+                                        <p:cTn id="28" dur="500"/>
+                                        <p:tgtEl>
+                                          <p:spTgt spid="103"/>
+                                        </p:tgtEl>
+                                      </p:cBhvr>
+                                    </p:animEffect>
+                                    <p:set>
+                                      <p:cBhvr>
+                                        <p:cTn id="29" dur="1" fill="hold">
+                                          <p:stCondLst>
+                                            <p:cond delay="499"/>
+                                          </p:stCondLst>
+                                        </p:cTn>
+                                        <p:tgtEl>
+                                          <p:spTgt spid="103"/>
+                                        </p:tgtEl>
+                                        <p:attrNameLst>
+                                          <p:attrName>style.visibility</p:attrName>
+                                        </p:attrNameLst>
+                                      </p:cBhvr>
+                                      <p:to>
+                                        <p:strVal val="hidden"/>
+                                      </p:to>
+                                    </p:set>
+                                  </p:childTnLst>
+                                </p:cTn>
+                              </p:par>
+                              <p:par>
+                                <p:cTn id="30" presetID="42" presetClass="path" presetSubtype="0" accel="50000" decel="50000" fill="hold" grpId="2" nodeType="withEffect">
+                                  <p:stCondLst>
+                                    <p:cond delay="0"/>
+                                  </p:stCondLst>
+                                  <p:childTnLst>
+                                    <p:animMotion origin="layout" path="M -0.10769 0.04838 L -0.10513 0.08334 " pathEditMode="relative" rAng="0" ptsTypes="AA">
+                                      <p:cBhvr>
+                                        <p:cTn id="31" dur="2000" fill="hold"/>
+                                        <p:tgtEl>
+                                          <p:spTgt spid="15"/>
+                                        </p:tgtEl>
+                                        <p:attrNameLst>
+                                          <p:attrName>ppt_x</p:attrName>
+                                          <p:attrName>ppt_y</p:attrName>
+                                        </p:attrNameLst>
+                                      </p:cBhvr>
+                                      <p:rCtr x="128" y="1736"/>
+                                    </p:animMotion>
+                                  </p:childTnLst>
+                                </p:cTn>
+                              </p:par>
+                              <p:par>
+                                <p:cTn id="32" presetID="10" presetClass="entr" presetSubtype="0" fill="hold" grpId="0" nodeType="withEffect">
+                                  <p:stCondLst>
+                                    <p:cond delay="0"/>
+                                  </p:stCondLst>
+                                  <p:childTnLst>
+                                    <p:set>
+                                      <p:cBhvr>
+                                        <p:cTn id="33" dur="1" fill="hold">
+                                          <p:stCondLst>
+                                            <p:cond delay="0"/>
+                                          </p:stCondLst>
+                                        </p:cTn>
+                                        <p:tgtEl>
+                                          <p:spTgt spid="104"/>
+                                        </p:tgtEl>
+                                        <p:attrNameLst>
+                                          <p:attrName>style.visibility</p:attrName>
+                                        </p:attrNameLst>
+                                      </p:cBhvr>
+                                      <p:to>
+                                        <p:strVal val="visible"/>
+                                      </p:to>
+                                    </p:set>
+                                    <p:animEffect transition="in" filter="fade">
+                                      <p:cBhvr>
+                                        <p:cTn id="34" dur="500"/>
+                                        <p:tgtEl>
+                                          <p:spTgt spid="104"/>
+                                        </p:tgtEl>
+                                      </p:cBhvr>
+                                    </p:animEffect>
+                                  </p:childTnLst>
+                                </p:cTn>
+                              </p:par>
+                            </p:childTnLst>
+                          </p:cTn>
+                        </p:par>
+                      </p:childTnLst>
+                    </p:cTn>
+                  </p:par>
+                  <p:par>
+                    <p:cTn id="35" fill="hold">
+                      <p:stCondLst>
+                        <p:cond delay="indefinite"/>
+                      </p:stCondLst>
+                      <p:childTnLst>
+                        <p:par>
+                          <p:cTn id="36" fill="hold">
+                            <p:stCondLst>
+                              <p:cond delay="0"/>
+                            </p:stCondLst>
+                            <p:childTnLst>
+                              <p:par>
+                                <p:cTn id="37" presetID="42" presetClass="path" presetSubtype="0" accel="50000" decel="50000" fill="hold" grpId="3" nodeType="clickEffect">
+                                  <p:stCondLst>
+                                    <p:cond delay="0"/>
+                                  </p:stCondLst>
+                                  <p:childTnLst>
+                                    <p:animMotion origin="layout" path="M -0.10513 0.08334 L -0.10513 0.12778 " pathEditMode="relative" rAng="0" ptsTypes="AA">
+                                      <p:cBhvr>
+                                        <p:cTn id="38" dur="2000" fill="hold"/>
+                                        <p:tgtEl>
+                                          <p:spTgt spid="15"/>
+                                        </p:tgtEl>
+                                        <p:attrNameLst>
+                                          <p:attrName>ppt_x</p:attrName>
+                                          <p:attrName>ppt_y</p:attrName>
+                                        </p:attrNameLst>
+                                      </p:cBhvr>
+                                      <p:rCtr x="0" y="1667"/>
+                                    </p:animMotion>
+                                  </p:childTnLst>
+                                </p:cTn>
+                              </p:par>
+                              <p:par>
+                                <p:cTn id="39" presetID="10" presetClass="exit" presetSubtype="0" fill="hold" grpId="1" nodeType="withEffect">
+                                  <p:stCondLst>
+                                    <p:cond delay="0"/>
+                                  </p:stCondLst>
+                                  <p:childTnLst>
+                                    <p:animEffect transition="out" filter="fade">
+                                      <p:cBhvr>
+                                        <p:cTn id="40" dur="500"/>
+                                        <p:tgtEl>
+                                          <p:spTgt spid="104"/>
+                                        </p:tgtEl>
+                                      </p:cBhvr>
+                                    </p:animEffect>
+                                    <p:set>
+                                      <p:cBhvr>
+                                        <p:cTn id="41" dur="1" fill="hold">
+                                          <p:stCondLst>
+                                            <p:cond delay="499"/>
+                                          </p:stCondLst>
+                                        </p:cTn>
+                                        <p:tgtEl>
+                                          <p:spTgt spid="104"/>
+                                        </p:tgtEl>
+                                        <p:attrNameLst>
+                                          <p:attrName>style.visibility</p:attrName>
+                                        </p:attrNameLst>
+                                      </p:cBhvr>
+                                      <p:to>
+                                        <p:strVal val="hidden"/>
+                                      </p:to>
+                                    </p:set>
+                                  </p:childTnLst>
+                                </p:cTn>
+                              </p:par>
+                            </p:childTnLst>
+                          </p:cTn>
+                        </p:par>
+                        <p:par>
+                          <p:cTn id="42" fill="hold">
+                            <p:stCondLst>
+                              <p:cond delay="2000"/>
+                            </p:stCondLst>
+                            <p:childTnLst>
+                              <p:par>
+                                <p:cTn id="43" presetID="1" presetClass="entr" presetSubtype="0" fill="hold" nodeType="afterEffect">
+                                  <p:stCondLst>
+                                    <p:cond delay="0"/>
+                                  </p:stCondLst>
+                                  <p:childTnLst>
+                                    <p:set>
+                                      <p:cBhvr>
+                                        <p:cTn id="44" dur="1" fill="hold">
+                                          <p:stCondLst>
+                                            <p:cond delay="0"/>
+                                          </p:stCondLst>
+                                        </p:cTn>
+                                        <p:tgtEl>
+                                          <p:spTgt spid="105"/>
+                                        </p:tgtEl>
+                                        <p:attrNameLst>
+                                          <p:attrName>style.visibility</p:attrName>
+                                        </p:attrNameLst>
+                                      </p:cBhvr>
+                                      <p:to>
+                                        <p:strVal val="visible"/>
+                                      </p:to>
+                                    </p:set>
+                                  </p:childTnLst>
+                                </p:cTn>
+                              </p:par>
+                            </p:childTnLst>
+                          </p:cTn>
+                        </p:par>
+                      </p:childTnLst>
+                    </p:cTn>
+                  </p:par>
+                  <p:par>
+                    <p:cTn id="45" fill="hold">
+                      <p:stCondLst>
+                        <p:cond delay="indefinite"/>
+                      </p:stCondLst>
+                      <p:childTnLst>
+                        <p:par>
+                          <p:cTn id="46" fill="hold">
+                            <p:stCondLst>
+                              <p:cond delay="0"/>
+                            </p:stCondLst>
+                            <p:childTnLst>
+                              <p:par>
+                                <p:cTn id="47" presetID="42" presetClass="path" presetSubtype="0" accel="50000" decel="50000" fill="hold" grpId="4" nodeType="clickEffect">
+                                  <p:stCondLst>
+                                    <p:cond delay="0"/>
+                                  </p:stCondLst>
+                                  <p:childTnLst>
+                                    <p:animMotion origin="layout" path="M -0.10513 0.12778 L -0.10769 0.16111 " pathEditMode="relative" rAng="0" ptsTypes="AA">
+                                      <p:cBhvr>
+                                        <p:cTn id="48" dur="2000" fill="hold"/>
+                                        <p:tgtEl>
+                                          <p:spTgt spid="15"/>
+                                        </p:tgtEl>
+                                        <p:attrNameLst>
+                                          <p:attrName>ppt_x</p:attrName>
+                                          <p:attrName>ppt_y</p:attrName>
+                                        </p:attrNameLst>
+                                      </p:cBhvr>
+                                      <p:rCtr x="-128" y="1852"/>
+                                    </p:animMotion>
+                                  </p:childTnLst>
+                                </p:cTn>
+                              </p:par>
+                              <p:par>
+                                <p:cTn id="49" presetID="10" presetClass="exit" presetSubtype="0" fill="hold" nodeType="withEffect">
+                                  <p:stCondLst>
+                                    <p:cond delay="0"/>
+                                  </p:stCondLst>
+                                  <p:childTnLst>
+                                    <p:animEffect transition="out" filter="fade">
+                                      <p:cBhvr>
+                                        <p:cTn id="50" dur="500"/>
+                                        <p:tgtEl>
+                                          <p:spTgt spid="105"/>
+                                        </p:tgtEl>
+                                      </p:cBhvr>
+                                    </p:animEffect>
+                                    <p:set>
+                                      <p:cBhvr>
+                                        <p:cTn id="51" dur="1" fill="hold">
+                                          <p:stCondLst>
+                                            <p:cond delay="499"/>
+                                          </p:stCondLst>
+                                        </p:cTn>
+                                        <p:tgtEl>
+                                          <p:spTgt spid="105"/>
+                                        </p:tgtEl>
+                                        <p:attrNameLst>
+                                          <p:attrName>style.visibility</p:attrName>
+                                        </p:attrNameLst>
+                                      </p:cBhvr>
+                                      <p:to>
+                                        <p:strVal val="hidden"/>
+                                      </p:to>
+                                    </p:set>
+                                  </p:childTnLst>
+                                </p:cTn>
+                              </p:par>
+                              <p:par>
+                                <p:cTn id="52" presetID="10" presetClass="entr" presetSubtype="0" fill="hold" nodeType="withEffect">
+                                  <p:stCondLst>
+                                    <p:cond delay="0"/>
+                                  </p:stCondLst>
+                                  <p:childTnLst>
+                                    <p:set>
+                                      <p:cBhvr>
+                                        <p:cTn id="53" dur="1" fill="hold">
+                                          <p:stCondLst>
+                                            <p:cond delay="0"/>
+                                          </p:stCondLst>
+                                        </p:cTn>
+                                        <p:tgtEl>
+                                          <p:spTgt spid="106"/>
+                                        </p:tgtEl>
+                                        <p:attrNameLst>
+                                          <p:attrName>style.visibility</p:attrName>
+                                        </p:attrNameLst>
+                                      </p:cBhvr>
+                                      <p:to>
+                                        <p:strVal val="visible"/>
+                                      </p:to>
+                                    </p:set>
+                                    <p:animEffect transition="in" filter="fade">
+                                      <p:cBhvr>
+                                        <p:cTn id="54" dur="500"/>
+                                        <p:tgtEl>
+                                          <p:spTgt spid="106"/>
+                                        </p:tgtEl>
+                                      </p:cBhvr>
+                                    </p:animEffect>
+                                  </p:childTnLst>
+                                </p:cTn>
+                              </p:par>
+                            </p:childTnLst>
+                          </p:cTn>
+                        </p:par>
+                      </p:childTnLst>
+                    </p:cTn>
+                  </p:par>
+                </p:childTnLst>
+              </p:cTn>
+              <p:prevCondLst>
+                <p:cond evt="onPrev" delay="0">
+                  <p:tgtEl>
+                    <p:sldTgt/>
+                  </p:tgtEl>
+                </p:cond>
+              </p:prevCondLst>
+              <p:nextCondLst>
+                <p:cond evt="onNext" delay="0">
+                  <p:tgtEl>
+                    <p:sldTgt/>
+                  </p:tgtEl>
+                </p:cond>
+              </p:nextCondLst>
+            </p:seq>
+          </p:childTnLst>
+        </p:cTn>
+      </p:par>
+    </p:tnLst>
+    <p:bldLst>
+      <p:bldP spid="15" grpId="0" animBg="1"/>
+      <p:bldP spid="15" grpId="1" animBg="1"/>
+      <p:bldP spid="15" grpId="2" animBg="1"/>
+      <p:bldP spid="15" grpId="3" animBg="1"/>
+      <p:bldP spid="15" grpId="4" animBg="1"/>
+      <p:bldP spid="104" grpId="0"/>
+      <p:bldP spid="104" grpId="1"/>
+    </p:bldLst>
+  </p:timing>
+</p:sld>
+</file>
+
+<file path=ppt/slides/slide7.xml><?xml version="1.0" encoding="utf-8"?>
+<p:sld xmlns:a="http://schemas.openxmlformats.org/drawingml/2006/main" xmlns:r="http://schemas.openxmlformats.org/officeDocument/2006/relationships" xmlns:p="http://schemas.openxmlformats.org/presentationml/2006/main">
+  <p:cSld>
+    <p:spTree>
+      <p:nvGrpSpPr>
+        <p:cNvPr id="1" name=""/>
+        <p:cNvGrpSpPr/>
+        <p:nvPr/>
+      </p:nvGrpSpPr>
+      <p:grpSpPr>
+        <a:xfrm>
+          <a:off x="0" y="0"/>
+          <a:ext cx="0" cy="0"/>
+          <a:chOff x="0" y="0"/>
+          <a:chExt cx="0" cy="0"/>
+        </a:xfrm>
+      </p:grpSpPr>
+      <p:sp>
+        <p:nvSpPr>
+          <p:cNvPr id="2" name="Rectangle 1"/>
+          <p:cNvSpPr>
+            <a:spLocks noGrp="1"/>
+          </p:cNvSpPr>
+          <p:nvPr>
+            <p:ph type="title"/>
+          </p:nvPr>
+        </p:nvSpPr>
+        <p:spPr/>
+        <p:txBody>
+          <a:bodyPr/>
+          <a:lstStyle/>
+          <a:p>
+            <a:pPr algn="l" defTabSz="914400">
+              <a:spcBef>
+                <a:spcPts val="0"/>
+              </a:spcBef>
+              <a:buNone/>
+            </a:pPr>
+            <a:r>
+              <a:rPr lang="en-US" altLang="zh-CN" sz="4400" b="0" i="0" dirty="0" smtClean="0">
+                <a:solidFill>
+                  <a:srgbClr val="4F271C"/>
+                </a:solidFill>
+                <a:latin typeface="Tw Cen MT"/>
+                <a:ea typeface="宋体" pitchFamily="2" charset="-122"/>
+                <a:cs typeface="+mj-cs"/>
+              </a:rPr>
+              <a:t>AES</a:t>
+            </a:r>
+            <a:r>
+              <a:rPr lang="zh-CN" altLang="en-US" sz="4400" b="0" i="0" dirty="0" smtClean="0">
+                <a:solidFill>
+                  <a:srgbClr val="4F271C"/>
+                </a:solidFill>
+                <a:latin typeface="Tw Cen MT"/>
+                <a:ea typeface="宋体" pitchFamily="2" charset="-122"/>
+                <a:cs typeface="+mj-cs"/>
+              </a:rPr>
+              <a:t>解密</a:t>
+            </a:r>
+            <a:endParaRPr lang="zh-CN" altLang="en-US" sz="4400" b="0" i="0" dirty="0">
+              <a:solidFill>
+                <a:srgbClr val="4F271C"/>
+              </a:solidFill>
+              <a:latin typeface="Tw Cen MT"/>
+              <a:ea typeface="宋体" pitchFamily="2" charset="-122"/>
+              <a:cs typeface="+mj-cs"/>
+            </a:endParaRPr>
+          </a:p>
+        </p:txBody>
+      </p:sp>
+      <p:pic>
+        <p:nvPicPr>
+          <p:cNvPr id="14" name="内容占位符 13"/>
+          <p:cNvPicPr>
+            <a:picLocks noGrp="1" noChangeAspect="1"/>
+          </p:cNvPicPr>
+          <p:nvPr>
+            <p:ph sz="quarter" idx="1"/>
+          </p:nvPr>
+        </p:nvPicPr>
+        <p:blipFill>
+          <a:blip r:embed="rId4"/>
+          <a:stretch>
+            <a:fillRect/>
+          </a:stretch>
+        </p:blipFill>
+        <p:spPr>
+          <a:xfrm>
+            <a:off x="123321" y="1511300"/>
+            <a:ext cx="3914286" cy="4724399"/>
+          </a:xfrm>
+          <a:prstGeom prst="rect">
+            <a:avLst/>
+          </a:prstGeom>
+        </p:spPr>
+      </p:pic>
+      <p:sp>
+        <p:nvSpPr>
+          <p:cNvPr id="15" name="右箭头 14"/>
+          <p:cNvSpPr/>
+          <p:nvPr/>
+        </p:nvSpPr>
+        <p:spPr>
+          <a:xfrm flipH="1">
+            <a:off x="3581400" y="2189956"/>
+            <a:ext cx="609600" cy="228600"/>
+          </a:xfrm>
+          <a:prstGeom prst="rightArrow">
+            <a:avLst/>
+          </a:prstGeom>
+        </p:spPr>
+        <p:style>
+          <a:lnRef idx="2">
+            <a:schemeClr val="accent1">
+              <a:shade val="50000"/>
+            </a:schemeClr>
+          </a:lnRef>
+          <a:fillRef idx="1">
+            <a:schemeClr val="accent1"/>
+          </a:fillRef>
+          <a:effectRef idx="0">
+            <a:schemeClr val="accent1"/>
+          </a:effectRef>
+          <a:fontRef idx="minor">
+            <a:schemeClr val="lt1"/>
+          </a:fontRef>
+        </p:style>
+        <p:txBody>
+          <a:bodyPr rtlCol="0" anchor="ctr"/>
+          <a:lstStyle/>
+          <a:p>
+            <a:pPr algn="ctr"/>
+            <a:endParaRPr lang="en-US"/>
+          </a:p>
+        </p:txBody>
+      </p:sp>
+      <p:sp>
+        <p:nvSpPr>
+          <p:cNvPr id="87" name="矩形 86"/>
+          <p:cNvSpPr/>
+          <p:nvPr/>
+        </p:nvSpPr>
+        <p:spPr>
+          <a:xfrm>
+            <a:off x="6096000" y="2514600"/>
+            <a:ext cx="184731" cy="369332"/>
+          </a:xfrm>
+          <a:prstGeom prst="rect">
+            <a:avLst/>
+          </a:prstGeom>
+        </p:spPr>
+        <p:txBody>
+          <a:bodyPr wrap="none">
+            <a:spAutoFit/>
+          </a:bodyPr>
+          <a:lstStyle/>
+          <a:p>
+            <a:endParaRPr lang="en-US" dirty="0"/>
+          </a:p>
+        </p:txBody>
+      </p:sp>
+      <p:sp>
+        <p:nvSpPr>
+          <p:cNvPr id="88" name="Rectangle 72"/>
+          <p:cNvSpPr>
+            <a:spLocks noChangeArrowheads="1"/>
+          </p:cNvSpPr>
+          <p:nvPr/>
+        </p:nvSpPr>
+        <p:spPr bwMode="auto">
+          <a:xfrm>
+            <a:off x="4997450" y="1524000"/>
+            <a:ext cx="8991600" cy="553998"/>
+          </a:xfrm>
+          <a:prstGeom prst="rect">
+            <a:avLst/>
+          </a:prstGeom>
+          <a:noFill/>
+          <a:ln>
+            <a:noFill/>
+          </a:ln>
+          <a:effectLst/>
+          <a:extLst>
+            <a:ext uri="{909E8E84-426E-40DD-AFC4-6F175D3DCCD1}">
+              <a14:hiddenFill xmlns:a14="http://schemas.microsoft.com/office/drawing/2010/main">
+                <a:solidFill>
+                  <a:schemeClr val="accent1"/>
+                </a:solidFill>
+              </a14:hiddenFill>
+            </a:ext>
+            <a:ext uri="{91240B29-F687-4F45-9708-019B960494DF}">
+              <a14:hiddenLine xmlns:a14="http://schemas.microsoft.com/office/drawing/2010/main" w="9525">
+                <a:solidFill>
+                  <a:schemeClr val="tx1"/>
+                </a:solidFill>
+                <a:miter lim="800000"/>
+                <a:headEnd/>
+                <a:tailEnd/>
+              </a14:hiddenLine>
+            </a:ext>
+            <a:ext uri="{AF507438-7753-43E0-B8FC-AC1667EBCBE1}">
+              <a14:hiddenEffects xmlns:a14="http://schemas.microsoft.com/office/drawing/2010/main">
+                <a:effectLst>
+                  <a:outerShdw dist="35921" dir="2700000" algn="ctr" rotWithShape="0">
+                    <a:schemeClr val="bg2"/>
+                  </a:outerShdw>
+                </a:effectLst>
+              </a14:hiddenEffects>
+            </a:ext>
+          </a:extLst>
+        </p:spPr>
+        <p:txBody>
+          <a:bodyPr vert="horz" wrap="square" lIns="91440" tIns="45720" rIns="91440" bIns="45720" numCol="1" anchor="ctr" anchorCtr="0" compatLnSpc="1">
+            <a:prstTxWarp prst="textNoShape">
+              <a:avLst/>
+            </a:prstTxWarp>
+            <a:spAutoFit/>
+          </a:bodyPr>
+          <a:lstStyle/>
+          <a:p>
+            <a:pPr eaLnBrk="0" fontAlgn="base" hangingPunct="0">
+              <a:spcBef>
+                <a:spcPct val="0"/>
+              </a:spcBef>
+              <a:spcAft>
+                <a:spcPct val="0"/>
+              </a:spcAft>
+            </a:pPr>
+            <a:endParaRPr lang="zh-CN" altLang="en-US" sz="1200" dirty="0">
+              <a:latin typeface="宋体" panose="02010600030101010101" pitchFamily="2" charset="-122"/>
+              <a:ea typeface="宋体" panose="02010600030101010101" pitchFamily="2" charset="-122"/>
+            </a:endParaRPr>
+          </a:p>
+          <a:p>
+            <a:pPr marL="0" marR="0" lvl="0" indent="0" algn="l" defTabSz="914400" rtl="0" eaLnBrk="0" fontAlgn="base" latinLnBrk="0" hangingPunct="0">
+              <a:lnSpc>
+                <a:spcPct val="100000"/>
+              </a:lnSpc>
+              <a:spcBef>
+                <a:spcPct val="0"/>
+              </a:spcBef>
+              <a:spcAft>
+                <a:spcPct val="0"/>
+              </a:spcAft>
+              <a:buClrTx/>
+              <a:buSzTx/>
+              <a:buFontTx/>
+              <a:buNone/>
+              <a:tabLst/>
+            </a:pPr>
+            <a:endParaRPr kumimoji="0" lang="zh-CN" altLang="en-US" sz="1800" b="0" i="0" u="none" strike="noStrike" cap="none" normalizeH="0" baseline="0" dirty="0" smtClean="0">
+              <a:ln>
+                <a:noFill/>
+              </a:ln>
+              <a:solidFill>
+                <a:schemeClr val="tx1"/>
+              </a:solidFill>
+              <a:effectLst/>
+              <a:latin typeface="Arial" panose="020B0604020202020204" pitchFamily="34" charset="0"/>
+            </a:endParaRPr>
+          </a:p>
+        </p:txBody>
+      </p:sp>
+      <p:sp>
+        <p:nvSpPr>
+          <p:cNvPr id="91" name="Rectangle 76"/>
+          <p:cNvSpPr>
+            <a:spLocks noChangeArrowheads="1"/>
+          </p:cNvSpPr>
+          <p:nvPr/>
+        </p:nvSpPr>
+        <p:spPr bwMode="auto">
+          <a:xfrm>
+            <a:off x="5486400" y="664482"/>
+            <a:ext cx="9906000" cy="0"/>
+          </a:xfrm>
+          <a:prstGeom prst="rect">
+            <a:avLst/>
+          </a:prstGeom>
+          <a:noFill/>
+          <a:ln>
+            <a:noFill/>
+          </a:ln>
+          <a:effectLst/>
+          <a:extLst>
+            <a:ext uri="{909E8E84-426E-40DD-AFC4-6F175D3DCCD1}">
+              <a14:hiddenFill xmlns:a14="http://schemas.microsoft.com/office/drawing/2010/main">
+                <a:solidFill>
+                  <a:schemeClr val="accent1"/>
+                </a:solidFill>
+              </a14:hiddenFill>
+            </a:ext>
+            <a:ext uri="{91240B29-F687-4F45-9708-019B960494DF}">
+              <a14:hiddenLine xmlns:a14="http://schemas.microsoft.com/office/drawing/2010/main" w="9525">
+                <a:solidFill>
+                  <a:schemeClr val="tx1"/>
+                </a:solidFill>
+                <a:miter lim="800000"/>
+                <a:headEnd/>
+                <a:tailEnd/>
+              </a14:hiddenLine>
+            </a:ext>
+            <a:ext uri="{AF507438-7753-43E0-B8FC-AC1667EBCBE1}">
+              <a14:hiddenEffects xmlns:a14="http://schemas.microsoft.com/office/drawing/2010/main">
+                <a:effectLst>
+                  <a:outerShdw dist="35921" dir="2700000" algn="ctr" rotWithShape="0">
+                    <a:schemeClr val="bg2"/>
+                  </a:outerShdw>
+                </a:effectLst>
+              </a14:hiddenEffects>
+            </a:ext>
+          </a:extLst>
+        </p:spPr>
+        <p:txBody>
+          <a:bodyPr vert="horz" wrap="none" lIns="91440" tIns="45720" rIns="91440" bIns="45720" numCol="1" anchor="ctr" anchorCtr="0" compatLnSpc="1">
+            <a:prstTxWarp prst="textNoShape">
+              <a:avLst/>
+            </a:prstTxWarp>
+            <a:spAutoFit/>
+          </a:bodyPr>
+          <a:lstStyle/>
+          <a:p>
+            <a:endParaRPr lang="en-US"/>
+          </a:p>
+        </p:txBody>
+      </p:sp>
+      <p:graphicFrame>
+        <p:nvGraphicFramePr>
+          <p:cNvPr id="93" name="对象 92"/>
+          <p:cNvGraphicFramePr>
+            <a:graphicFrameLocks noChangeAspect="1"/>
+          </p:cNvGraphicFramePr>
+          <p:nvPr/>
+        </p:nvGraphicFramePr>
+        <p:xfrm>
+          <a:off x="4895850" y="3338513"/>
+          <a:ext cx="114300" cy="177800"/>
+        </p:xfrm>
+        <a:graphic>
+          <a:graphicData uri="http://schemas.openxmlformats.org/presentationml/2006/ole">
+            <mc:AlternateContent xmlns:mc="http://schemas.openxmlformats.org/markup-compatibility/2006">
+              <mc:Choice xmlns:v="urn:schemas-microsoft-com:vml" Requires="v">
+                <p:oleObj spid="_x0000_s2064" name="Equation" r:id="rId5" imgW="114120" imgH="177480" progId="Equation.DSMT4">
+                  <p:embed/>
+                </p:oleObj>
+              </mc:Choice>
+              <mc:Fallback>
+                <p:oleObj name="Equation" r:id="rId5" imgW="114120" imgH="177480" progId="Equation.DSMT4">
+                  <p:embed/>
+                  <p:pic>
+                    <p:nvPicPr>
+                      <p:cNvPr id="0" name=""/>
+                      <p:cNvPicPr/>
+                      <p:nvPr/>
+                    </p:nvPicPr>
+                    <p:blipFill>
+                      <a:blip r:embed="rId6"/>
+                      <a:stretch>
+                        <a:fillRect/>
+                      </a:stretch>
+                    </p:blipFill>
+                    <p:spPr>
+                      <a:xfrm>
+                        <a:off x="4895850" y="3338513"/>
+                        <a:ext cx="114300" cy="177800"/>
+                      </a:xfrm>
+                      <a:prstGeom prst="rect">
+                        <a:avLst/>
+                      </a:prstGeom>
+                    </p:spPr>
+                  </p:pic>
+                </p:oleObj>
+              </mc:Fallback>
+            </mc:AlternateContent>
+          </a:graphicData>
+        </a:graphic>
+      </p:graphicFrame>
+      <p:sp>
+        <p:nvSpPr>
+          <p:cNvPr id="3" name="文本框 2"/>
+          <p:cNvSpPr txBox="1"/>
+          <p:nvPr/>
+        </p:nvSpPr>
+        <p:spPr>
+          <a:xfrm>
+            <a:off x="4191000" y="1909524"/>
+            <a:ext cx="5715000" cy="1200329"/>
+          </a:xfrm>
+          <a:prstGeom prst="rect">
+            <a:avLst/>
+          </a:prstGeom>
+          <a:noFill/>
+        </p:spPr>
+        <p:txBody>
+          <a:bodyPr wrap="square" rtlCol="0">
+            <a:spAutoFit/>
+          </a:bodyPr>
+          <a:lstStyle/>
+          <a:p>
+            <a:r>
+              <a:rPr lang="en-US" altLang="zh-CN" dirty="0" smtClean="0"/>
+              <a:t>AES</a:t>
+            </a:r>
+            <a:r>
+              <a:rPr lang="zh-CN" altLang="en-US" dirty="0" smtClean="0"/>
+              <a:t>逆向字节替换：与正向字节替换相反</a:t>
+            </a:r>
+            <a:r>
+              <a:rPr lang="en-US" altLang="zh-CN" dirty="0" smtClean="0"/>
+              <a:t>,</a:t>
+            </a:r>
+            <a:r>
+              <a:rPr lang="zh-CN" altLang="en-US" dirty="0" smtClean="0"/>
+              <a:t>即将矩阵中的每一个元素使用与字节替换相同的方法在</a:t>
+            </a:r>
+            <a:r>
+              <a:rPr lang="en-US" dirty="0" smtClean="0"/>
+              <a:t>S</a:t>
+            </a:r>
+            <a:r>
+              <a:rPr lang="en-US" baseline="30000" dirty="0" smtClean="0"/>
+              <a:t>-1</a:t>
+            </a:r>
+            <a:r>
+              <a:rPr lang="zh-CN" altLang="en-US" dirty="0"/>
+              <a:t>矩阵中进行代换</a:t>
+            </a:r>
+            <a:endParaRPr lang="en-US" dirty="0"/>
+          </a:p>
+          <a:p>
+            <a:endParaRPr lang="en-US" dirty="0"/>
+          </a:p>
+        </p:txBody>
+      </p:sp>
+      <p:sp>
+        <p:nvSpPr>
+          <p:cNvPr id="4" name="文本框 3"/>
+          <p:cNvSpPr txBox="1"/>
+          <p:nvPr/>
+        </p:nvSpPr>
+        <p:spPr>
+          <a:xfrm>
+            <a:off x="4203700" y="2119590"/>
+            <a:ext cx="3371850" cy="369332"/>
+          </a:xfrm>
+          <a:prstGeom prst="rect">
+            <a:avLst/>
+          </a:prstGeom>
+          <a:noFill/>
+        </p:spPr>
+        <p:txBody>
+          <a:bodyPr wrap="square" rtlCol="0">
+            <a:spAutoFit/>
+          </a:bodyPr>
+          <a:lstStyle/>
+          <a:p>
+            <a:r>
+              <a:rPr lang="zh-CN" altLang="en-US" dirty="0" smtClean="0"/>
+              <a:t>轮密钥加与上一张</a:t>
+            </a:r>
+            <a:r>
+              <a:rPr lang="en-US" altLang="zh-CN" dirty="0" smtClean="0"/>
+              <a:t>PPT</a:t>
+            </a:r>
+            <a:r>
+              <a:rPr lang="zh-CN" altLang="en-US" dirty="0" smtClean="0"/>
+              <a:t>相同</a:t>
+            </a:r>
+            <a:endParaRPr lang="en-US" dirty="0"/>
+          </a:p>
+        </p:txBody>
+      </p:sp>
+      <p:sp>
+        <p:nvSpPr>
+          <p:cNvPr id="5" name="矩形 4"/>
+          <p:cNvSpPr/>
+          <p:nvPr/>
+        </p:nvSpPr>
+        <p:spPr>
+          <a:xfrm>
+            <a:off x="4191000" y="2396530"/>
+            <a:ext cx="5639794" cy="923330"/>
+          </a:xfrm>
+          <a:prstGeom prst="rect">
+            <a:avLst/>
+          </a:prstGeom>
+        </p:spPr>
+        <p:txBody>
+          <a:bodyPr wrap="square">
+            <a:spAutoFit/>
+          </a:bodyPr>
+          <a:lstStyle/>
+          <a:p>
+            <a:r>
+              <a:rPr lang="zh-CN" altLang="en-US" dirty="0"/>
+              <a:t>行移位的逆变换就是将状态矩阵的每一列执行相反的移位操作。即，在</a:t>
+            </a:r>
+            <a:r>
+              <a:rPr lang="en-US" altLang="zh-CN" dirty="0"/>
+              <a:t>AES-128</a:t>
+            </a:r>
+            <a:r>
+              <a:rPr lang="zh-CN" altLang="en-US" dirty="0"/>
+              <a:t>中，状态矩阵的</a:t>
+            </a:r>
+            <a:r>
+              <a:rPr lang="zh-CN" altLang="en-US" dirty="0" smtClean="0"/>
+              <a:t>第</a:t>
+            </a:r>
+            <a:r>
+              <a:rPr lang="en-US" altLang="zh-CN" dirty="0" err="1" smtClean="0"/>
+              <a:t>i</a:t>
+            </a:r>
+            <a:r>
+              <a:rPr lang="zh-CN" altLang="en-US" dirty="0" smtClean="0"/>
+              <a:t>行右移</a:t>
+            </a:r>
+            <a:r>
+              <a:rPr lang="en-US" altLang="zh-CN" dirty="0" err="1" smtClean="0"/>
+              <a:t>i</a:t>
+            </a:r>
+            <a:r>
+              <a:rPr lang="zh-CN" altLang="en-US" dirty="0" smtClean="0"/>
+              <a:t> </a:t>
+            </a:r>
+            <a:r>
+              <a:rPr lang="zh-CN" altLang="en-US" dirty="0"/>
+              <a:t>个字节。</a:t>
+            </a:r>
+            <a:endParaRPr lang="en-US" dirty="0"/>
+          </a:p>
+        </p:txBody>
+      </p:sp>
+      <p:pic>
+        <p:nvPicPr>
+          <p:cNvPr id="6" name="图片 5"/>
+          <p:cNvPicPr>
+            <a:picLocks noChangeAspect="1"/>
+          </p:cNvPicPr>
+          <p:nvPr/>
+        </p:nvPicPr>
+        <p:blipFill>
+          <a:blip r:embed="rId7"/>
+          <a:stretch>
+            <a:fillRect/>
+          </a:stretch>
+        </p:blipFill>
+        <p:spPr>
+          <a:xfrm>
+            <a:off x="4114800" y="1937544"/>
+            <a:ext cx="7452067" cy="2436673"/>
+          </a:xfrm>
+          <a:prstGeom prst="rect">
+            <a:avLst/>
+          </a:prstGeom>
+        </p:spPr>
+      </p:pic>
+    </p:spTree>
+    <p:extLst>
+      <p:ext uri="{BB962C8B-B14F-4D97-AF65-F5344CB8AC3E}">
+        <p14:creationId xmlns:p14="http://schemas.microsoft.com/office/powerpoint/2010/main" val="2357395595"/>
+      </p:ext>
+    </p:extLst>
+  </p:cSld>
+  <p:clrMapOvr>
+    <a:masterClrMapping/>
+  </p:clrMapOvr>
+  <p:timing>
+    <p:tnLst>
+      <p:par>
+        <p:cTn id="1" dur="indefinite" restart="never" nodeType="tmRoot">
+          <p:childTnLst>
+            <p:seq concurrent="1" nextAc="seek">
+              <p:cTn id="2" dur="indefinite" nodeType="mainSeq">
+                <p:childTnLst>
+                  <p:par>
+                    <p:cTn id="3" fill="hold">
+                      <p:stCondLst>
+                        <p:cond delay="indefinite"/>
+                      </p:stCondLst>
+                      <p:childTnLst>
+                        <p:par>
+                          <p:cTn id="4" fill="hold">
+                            <p:stCondLst>
+                              <p:cond delay="0"/>
+                            </p:stCondLst>
+                            <p:childTnLst>
+                              <p:par>
+                                <p:cTn id="5" presetID="1" presetClass="entr" presetSubtype="0" fill="hold" grpId="0" nodeType="clickEffect">
+                                  <p:stCondLst>
+                                    <p:cond delay="0"/>
+                                  </p:stCondLst>
+                                  <p:childTnLst>
+                                    <p:set>
+                                      <p:cBhvr>
+                                        <p:cTn id="6" dur="1" fill="hold">
+                                          <p:stCondLst>
+                                            <p:cond delay="0"/>
+                                          </p:stCondLst>
+                                        </p:cTn>
+                                        <p:tgtEl>
+                                          <p:spTgt spid="15"/>
+                                        </p:tgtEl>
+                                        <p:attrNameLst>
+                                          <p:attrName>style.visibility</p:attrName>
+                                        </p:attrNameLst>
+                                      </p:cBhvr>
+                                      <p:to>
+                                        <p:strVal val="visible"/>
+                                      </p:to>
+                                    </p:set>
+                                  </p:childTnLst>
+                                </p:cTn>
+                              </p:par>
+                              <p:par>
+                                <p:cTn id="7" presetID="1" presetClass="entr" presetSubtype="0" fill="hold" grpId="0" nodeType="withEffect">
+                                  <p:stCondLst>
+                                    <p:cond delay="0"/>
+                                  </p:stCondLst>
+                                  <p:childTnLst>
+                                    <p:set>
+                                      <p:cBhvr>
+                                        <p:cTn id="8" dur="1" fill="hold">
+                                          <p:stCondLst>
+                                            <p:cond delay="0"/>
+                                          </p:stCondLst>
+                                        </p:cTn>
+                                        <p:tgtEl>
+                                          <p:spTgt spid="4"/>
+                                        </p:tgtEl>
+                                        <p:attrNameLst>
+                                          <p:attrName>style.visibility</p:attrName>
+                                        </p:attrNameLst>
+                                      </p:cBhvr>
+                                      <p:to>
+                                        <p:strVal val="visible"/>
+                                      </p:to>
+                                    </p:set>
+                                  </p:childTnLst>
+                                </p:cTn>
+                              </p:par>
+                            </p:childTnLst>
+                          </p:cTn>
+                        </p:par>
+                      </p:childTnLst>
+                    </p:cTn>
+                  </p:par>
+                  <p:par>
+                    <p:cTn id="9" fill="hold">
+                      <p:stCondLst>
+                        <p:cond delay="indefinite"/>
+                      </p:stCondLst>
+                      <p:childTnLst>
+                        <p:par>
+                          <p:cTn id="10" fill="hold">
+                            <p:stCondLst>
+                              <p:cond delay="0"/>
+                            </p:stCondLst>
+                            <p:childTnLst>
+                              <p:par>
+                                <p:cTn id="11" presetID="10" presetClass="exit" presetSubtype="0" fill="hold" grpId="1" nodeType="clickEffect">
+                                  <p:stCondLst>
+                                    <p:cond delay="0"/>
+                                  </p:stCondLst>
+                                  <p:childTnLst>
+                                    <p:animEffect transition="out" filter="fade">
+                                      <p:cBhvr>
+                                        <p:cTn id="12" dur="500"/>
+                                        <p:tgtEl>
+                                          <p:spTgt spid="4"/>
+                                        </p:tgtEl>
+                                      </p:cBhvr>
+                                    </p:animEffect>
+                                    <p:set>
+                                      <p:cBhvr>
+                                        <p:cTn id="13" dur="1" fill="hold">
+                                          <p:stCondLst>
+                                            <p:cond delay="499"/>
+                                          </p:stCondLst>
+                                        </p:cTn>
+                                        <p:tgtEl>
+                                          <p:spTgt spid="4"/>
+                                        </p:tgtEl>
+                                        <p:attrNameLst>
+                                          <p:attrName>style.visibility</p:attrName>
+                                        </p:attrNameLst>
+                                      </p:cBhvr>
+                                      <p:to>
+                                        <p:strVal val="hidden"/>
+                                      </p:to>
+                                    </p:set>
+                                  </p:childTnLst>
+                                </p:cTn>
+                              </p:par>
+                              <p:par>
+                                <p:cTn id="14" presetID="42" presetClass="path" presetSubtype="0" accel="50000" decel="50000" fill="hold" grpId="1" nodeType="withEffect">
+                                  <p:stCondLst>
+                                    <p:cond delay="0"/>
+                                  </p:stCondLst>
+                                  <p:childTnLst>
+                                    <p:animMotion origin="layout" path="M 2.30769E-6 3.7037E-7 L 2.30769E-6 0.03079 " pathEditMode="relative" rAng="0" ptsTypes="AA">
+                                      <p:cBhvr>
+                                        <p:cTn id="15" dur="2000" fill="hold"/>
+                                        <p:tgtEl>
+                                          <p:spTgt spid="15"/>
+                                        </p:tgtEl>
+                                        <p:attrNameLst>
+                                          <p:attrName>ppt_x</p:attrName>
+                                          <p:attrName>ppt_y</p:attrName>
+                                        </p:attrNameLst>
+                                      </p:cBhvr>
+                                      <p:rCtr x="0" y="1528"/>
+                                    </p:animMotion>
+                                  </p:childTnLst>
+                                </p:cTn>
+                              </p:par>
+                            </p:childTnLst>
+                          </p:cTn>
+                        </p:par>
+                        <p:par>
+                          <p:cTn id="16" fill="hold">
+                            <p:stCondLst>
+                              <p:cond delay="2000"/>
+                            </p:stCondLst>
+                            <p:childTnLst>
+                              <p:par>
+                                <p:cTn id="17" presetID="1" presetClass="entr" presetSubtype="0" fill="hold" grpId="0" nodeType="afterEffect">
+                                  <p:stCondLst>
+                                    <p:cond delay="0"/>
+                                  </p:stCondLst>
+                                  <p:childTnLst>
+                                    <p:set>
+                                      <p:cBhvr>
+                                        <p:cTn id="18" dur="1" fill="hold">
+                                          <p:stCondLst>
+                                            <p:cond delay="0"/>
+                                          </p:stCondLst>
+                                        </p:cTn>
+                                        <p:tgtEl>
+                                          <p:spTgt spid="3"/>
+                                        </p:tgtEl>
+                                        <p:attrNameLst>
+                                          <p:attrName>style.visibility</p:attrName>
+                                        </p:attrNameLst>
+                                      </p:cBhvr>
+                                      <p:to>
+                                        <p:strVal val="visible"/>
+                                      </p:to>
+                                    </p:set>
+                                  </p:childTnLst>
+                                </p:cTn>
+                              </p:par>
+                            </p:childTnLst>
+                          </p:cTn>
+                        </p:par>
+                      </p:childTnLst>
+                    </p:cTn>
+                  </p:par>
+                  <p:par>
+                    <p:cTn id="19" fill="hold">
+                      <p:stCondLst>
+                        <p:cond delay="indefinite"/>
+                      </p:stCondLst>
+                      <p:childTnLst>
+                        <p:par>
+                          <p:cTn id="20" fill="hold">
+                            <p:stCondLst>
+                              <p:cond delay="0"/>
+                            </p:stCondLst>
+                            <p:childTnLst>
+                              <p:par>
+                                <p:cTn id="21" presetID="42" presetClass="path" presetSubtype="0" accel="50000" decel="50000" fill="hold" grpId="2" nodeType="clickEffect">
+                                  <p:stCondLst>
+                                    <p:cond delay="0"/>
+                                  </p:stCondLst>
+                                  <p:childTnLst>
+                                    <p:animMotion origin="layout" path="M 2.30769E-6 0.03079 L 2.30769E-6 0.07523 " pathEditMode="relative" rAng="0" ptsTypes="AA">
+                                      <p:cBhvr>
+                                        <p:cTn id="22" dur="2000" fill="hold"/>
+                                        <p:tgtEl>
+                                          <p:spTgt spid="15"/>
+                                        </p:tgtEl>
+                                        <p:attrNameLst>
+                                          <p:attrName>ppt_x</p:attrName>
+                                          <p:attrName>ppt_y</p:attrName>
+                                        </p:attrNameLst>
+                                      </p:cBhvr>
+                                      <p:rCtr x="0" y="1667"/>
+                                    </p:animMotion>
+                                  </p:childTnLst>
+                                </p:cTn>
+                              </p:par>
+                              <p:par>
+                                <p:cTn id="23" presetID="10" presetClass="exit" presetSubtype="0" fill="hold" grpId="2" nodeType="withEffect">
+                                  <p:stCondLst>
+                                    <p:cond delay="0"/>
+                                  </p:stCondLst>
+                                  <p:childTnLst>
+                                    <p:animEffect transition="out" filter="fade">
+                                      <p:cBhvr>
+                                        <p:cTn id="24" dur="500"/>
+                                        <p:tgtEl>
+                                          <p:spTgt spid="3"/>
+                                        </p:tgtEl>
+                                      </p:cBhvr>
+                                    </p:animEffect>
+                                    <p:set>
+                                      <p:cBhvr>
+                                        <p:cTn id="25" dur="1" fill="hold">
+                                          <p:stCondLst>
+                                            <p:cond delay="499"/>
+                                          </p:stCondLst>
+                                        </p:cTn>
+                                        <p:tgtEl>
+                                          <p:spTgt spid="3"/>
+                                        </p:tgtEl>
+                                        <p:attrNameLst>
+                                          <p:attrName>style.visibility</p:attrName>
+                                        </p:attrNameLst>
+                                      </p:cBhvr>
+                                      <p:to>
+                                        <p:strVal val="hidden"/>
+                                      </p:to>
+                                    </p:set>
+                                  </p:childTnLst>
+                                </p:cTn>
+                              </p:par>
+                            </p:childTnLst>
+                          </p:cTn>
+                        </p:par>
+                        <p:par>
+                          <p:cTn id="26" fill="hold">
+                            <p:stCondLst>
+                              <p:cond delay="2000"/>
+                            </p:stCondLst>
+                            <p:childTnLst>
+                              <p:par>
+                                <p:cTn id="27" presetID="10" presetClass="entr" presetSubtype="0" fill="hold" grpId="0" nodeType="afterEffect">
+                                  <p:stCondLst>
+                                    <p:cond delay="0"/>
+                                  </p:stCondLst>
+                                  <p:childTnLst>
+                                    <p:set>
+                                      <p:cBhvr>
+                                        <p:cTn id="28" dur="1" fill="hold">
+                                          <p:stCondLst>
+                                            <p:cond delay="0"/>
+                                          </p:stCondLst>
+                                        </p:cTn>
+                                        <p:tgtEl>
+                                          <p:spTgt spid="5"/>
+                                        </p:tgtEl>
+                                        <p:attrNameLst>
+                                          <p:attrName>style.visibility</p:attrName>
+                                        </p:attrNameLst>
+                                      </p:cBhvr>
+                                      <p:to>
+                                        <p:strVal val="visible"/>
+                                      </p:to>
+                                    </p:set>
+                                    <p:animEffect transition="in" filter="fade">
+                                      <p:cBhvr>
+                                        <p:cTn id="29" dur="500"/>
+                                        <p:tgtEl>
+                                          <p:spTgt spid="5"/>
+                                        </p:tgtEl>
+                                      </p:cBhvr>
+                                    </p:animEffect>
+                                  </p:childTnLst>
+                                </p:cTn>
+                              </p:par>
+                            </p:childTnLst>
+                          </p:cTn>
+                        </p:par>
+                      </p:childTnLst>
+                    </p:cTn>
+                  </p:par>
+                  <p:par>
+                    <p:cTn id="30" fill="hold">
+                      <p:stCondLst>
+                        <p:cond delay="indefinite"/>
+                      </p:stCondLst>
+                      <p:childTnLst>
+                        <p:par>
+                          <p:cTn id="31" fill="hold">
+                            <p:stCondLst>
+                              <p:cond delay="0"/>
+                            </p:stCondLst>
+                            <p:childTnLst>
+                              <p:par>
+                                <p:cTn id="32" presetID="42" presetClass="path" presetSubtype="0" accel="50000" decel="50000" fill="hold" grpId="3" nodeType="clickEffect">
+                                  <p:stCondLst>
+                                    <p:cond delay="0"/>
+                                  </p:stCondLst>
+                                  <p:childTnLst>
+                                    <p:animMotion origin="layout" path="M 2.30769E-6 0.07523 L 2.30769E-6 0.11574 " pathEditMode="relative" rAng="0" ptsTypes="AA">
+                                      <p:cBhvr>
+                                        <p:cTn id="33" dur="2000" fill="hold"/>
+                                        <p:tgtEl>
+                                          <p:spTgt spid="15"/>
+                                        </p:tgtEl>
+                                        <p:attrNameLst>
+                                          <p:attrName>ppt_x</p:attrName>
+                                          <p:attrName>ppt_y</p:attrName>
+                                        </p:attrNameLst>
+                                      </p:cBhvr>
+                                      <p:rCtr x="0" y="2014"/>
+                                    </p:animMotion>
+                                  </p:childTnLst>
+                                </p:cTn>
+                              </p:par>
+                              <p:par>
+                                <p:cTn id="34" presetID="10" presetClass="exit" presetSubtype="0" fill="hold" grpId="1" nodeType="withEffect">
+                                  <p:stCondLst>
+                                    <p:cond delay="0"/>
+                                  </p:stCondLst>
+                                  <p:childTnLst>
+                                    <p:animEffect transition="out" filter="fade">
+                                      <p:cBhvr>
+                                        <p:cTn id="35" dur="500"/>
+                                        <p:tgtEl>
+                                          <p:spTgt spid="5"/>
+                                        </p:tgtEl>
+                                      </p:cBhvr>
+                                    </p:animEffect>
+                                    <p:set>
+                                      <p:cBhvr>
+                                        <p:cTn id="36" dur="1" fill="hold">
+                                          <p:stCondLst>
+                                            <p:cond delay="499"/>
+                                          </p:stCondLst>
+                                        </p:cTn>
+                                        <p:tgtEl>
+                                          <p:spTgt spid="5"/>
+                                        </p:tgtEl>
+                                        <p:attrNameLst>
+                                          <p:attrName>style.visibility</p:attrName>
+                                        </p:attrNameLst>
+                                      </p:cBhvr>
+                                      <p:to>
+                                        <p:strVal val="hidden"/>
+                                      </p:to>
+                                    </p:set>
+                                  </p:childTnLst>
+                                </p:cTn>
+                              </p:par>
+                            </p:childTnLst>
+                          </p:cTn>
+                        </p:par>
+                        <p:par>
+                          <p:cTn id="37" fill="hold">
+                            <p:stCondLst>
+                              <p:cond delay="2000"/>
+                            </p:stCondLst>
+                            <p:childTnLst>
+                              <p:par>
+                                <p:cTn id="38" presetID="1" presetClass="entr" presetSubtype="0" fill="hold" nodeType="afterEffect">
+                                  <p:stCondLst>
+                                    <p:cond delay="0"/>
+                                  </p:stCondLst>
+                                  <p:childTnLst>
+                                    <p:set>
+                                      <p:cBhvr>
+                                        <p:cTn id="39" dur="1" fill="hold">
+                                          <p:stCondLst>
+                                            <p:cond delay="0"/>
+                                          </p:stCondLst>
+                                        </p:cTn>
+                                        <p:tgtEl>
+                                          <p:spTgt spid="6"/>
+                                        </p:tgtEl>
+                                        <p:attrNameLst>
+                                          <p:attrName>style.visibility</p:attrName>
+                                        </p:attrNameLst>
+                                      </p:cBhvr>
+                                      <p:to>
+                                        <p:strVal val="visible"/>
+                                      </p:to>
+                                    </p:set>
+                                  </p:childTnLst>
+                                </p:cTn>
+                              </p:par>
+                            </p:childTnLst>
+                          </p:cTn>
+                        </p:par>
+                      </p:childTnLst>
+                    </p:cTn>
+                  </p:par>
+                  <p:par>
+                    <p:cTn id="40" fill="hold">
+                      <p:stCondLst>
+                        <p:cond delay="indefinite"/>
+                      </p:stCondLst>
+                      <p:childTnLst>
+                        <p:par>
+                          <p:cTn id="41" fill="hold">
+                            <p:stCondLst>
+                              <p:cond delay="0"/>
+                            </p:stCondLst>
+                            <p:childTnLst>
+                              <p:par>
+                                <p:cTn id="42" presetID="10" presetClass="exit" presetSubtype="0" fill="hold" nodeType="clickEffect">
+                                  <p:stCondLst>
+                                    <p:cond delay="0"/>
+                                  </p:stCondLst>
+                                  <p:childTnLst>
+                                    <p:animEffect transition="out" filter="fade">
+                                      <p:cBhvr>
+                                        <p:cTn id="43" dur="500"/>
+                                        <p:tgtEl>
+                                          <p:spTgt spid="6"/>
+                                        </p:tgtEl>
+                                      </p:cBhvr>
+                                    </p:animEffect>
+                                    <p:set>
+                                      <p:cBhvr>
+                                        <p:cTn id="44" dur="1" fill="hold">
+                                          <p:stCondLst>
+                                            <p:cond delay="499"/>
+                                          </p:stCondLst>
+                                        </p:cTn>
+                                        <p:tgtEl>
+                                          <p:spTgt spid="6"/>
+                                        </p:tgtEl>
+                                        <p:attrNameLst>
+                                          <p:attrName>style.visibility</p:attrName>
+                                        </p:attrNameLst>
+                                      </p:cBhvr>
+                                      <p:to>
+                                        <p:strVal val="hidden"/>
+                                      </p:to>
+                                    </p:set>
+                                  </p:childTnLst>
+                                </p:cTn>
+                              </p:par>
+                              <p:par>
+                                <p:cTn id="45" presetID="10" presetClass="exit" presetSubtype="0" fill="hold" nodeType="withEffect">
+                                  <p:stCondLst>
+                                    <p:cond delay="0"/>
+                                  </p:stCondLst>
+                                  <p:childTnLst>
+                                    <p:animEffect transition="out" filter="fade">
+                                      <p:cBhvr>
+                                        <p:cTn id="46" dur="500"/>
+                                        <p:tgtEl>
+                                          <p:spTgt spid="14"/>
+                                        </p:tgtEl>
+                                      </p:cBhvr>
+                                    </p:animEffect>
+                                    <p:set>
+                                      <p:cBhvr>
+                                        <p:cTn id="47" dur="1" fill="hold">
+                                          <p:stCondLst>
+                                            <p:cond delay="499"/>
+                                          </p:stCondLst>
+                                        </p:cTn>
+                                        <p:tgtEl>
+                                          <p:spTgt spid="14"/>
+                                        </p:tgtEl>
+                                        <p:attrNameLst>
+                                          <p:attrName>style.visibility</p:attrName>
+                                        </p:attrNameLst>
+                                      </p:cBhvr>
+                                      <p:to>
+                                        <p:strVal val="hidden"/>
+                                      </p:to>
+                                    </p:set>
+                                  </p:childTnLst>
+                                </p:cTn>
+                              </p:par>
+                              <p:par>
+                                <p:cTn id="48" presetID="10" presetClass="exit" presetSubtype="0" fill="hold" grpId="0" nodeType="withEffect">
+                                  <p:stCondLst>
+                                    <p:cond delay="0"/>
+                                  </p:stCondLst>
+                                  <p:childTnLst>
+                                    <p:animEffect transition="out" filter="fade">
+                                      <p:cBhvr>
+                                        <p:cTn id="49" dur="500"/>
+                                        <p:tgtEl>
+                                          <p:spTgt spid="2"/>
+                                        </p:tgtEl>
+                                      </p:cBhvr>
+                                    </p:animEffect>
+                                    <p:set>
+                                      <p:cBhvr>
+                                        <p:cTn id="50" dur="1" fill="hold">
+                                          <p:stCondLst>
+                                            <p:cond delay="499"/>
+                                          </p:stCondLst>
+                                        </p:cTn>
+                                        <p:tgtEl>
+                                          <p:spTgt spid="2"/>
+                                        </p:tgtEl>
+                                        <p:attrNameLst>
+                                          <p:attrName>style.visibility</p:attrName>
+                                        </p:attrNameLst>
+                                      </p:cBhvr>
+                                      <p:to>
+                                        <p:strVal val="hidden"/>
+                                      </p:to>
+                                    </p:set>
+                                  </p:childTnLst>
+                                </p:cTn>
+                              </p:par>
+                            </p:childTnLst>
+                          </p:cTn>
+                        </p:par>
+                        <p:par>
+                          <p:cTn id="51" fill="hold">
+                            <p:stCondLst>
+                              <p:cond delay="500"/>
+                            </p:stCondLst>
+                            <p:childTnLst>
+                              <p:par>
+                                <p:cTn id="52" presetID="10" presetClass="exit" presetSubtype="0" fill="hold" grpId="4" nodeType="afterEffect">
+                                  <p:stCondLst>
+                                    <p:cond delay="0"/>
+                                  </p:stCondLst>
+                                  <p:childTnLst>
+                                    <p:animEffect transition="out" filter="fade">
+                                      <p:cBhvr>
+                                        <p:cTn id="53" dur="500"/>
+                                        <p:tgtEl>
+                                          <p:spTgt spid="15"/>
+                                        </p:tgtEl>
+                                      </p:cBhvr>
+                                    </p:animEffect>
+                                    <p:set>
+                                      <p:cBhvr>
+                                        <p:cTn id="54" dur="1" fill="hold">
+                                          <p:stCondLst>
+                                            <p:cond delay="499"/>
+                                          </p:stCondLst>
+                                        </p:cTn>
+                                        <p:tgtEl>
+                                          <p:spTgt spid="15"/>
+                                        </p:tgtEl>
+                                        <p:attrNameLst>
+                                          <p:attrName>style.visibility</p:attrName>
+                                        </p:attrNameLst>
+                                      </p:cBhvr>
+                                      <p:to>
+                                        <p:strVal val="hidden"/>
+                                      </p:to>
+                                    </p:set>
+                                  </p:childTnLst>
+                                </p:cTn>
+                              </p:par>
+                            </p:childTnLst>
+                          </p:cTn>
+                        </p:par>
+                      </p:childTnLst>
+                    </p:cTn>
+                  </p:par>
+                </p:childTnLst>
+              </p:cTn>
+              <p:prevCondLst>
+                <p:cond evt="onPrev" delay="0">
+                  <p:tgtEl>
+                    <p:sldTgt/>
+                  </p:tgtEl>
+                </p:cond>
+              </p:prevCondLst>
+              <p:nextCondLst>
+                <p:cond evt="onNext" delay="0">
+                  <p:tgtEl>
+                    <p:sldTgt/>
+                  </p:tgtEl>
+                </p:cond>
+              </p:nextCondLst>
+            </p:seq>
+          </p:childTnLst>
+        </p:cTn>
+      </p:par>
+    </p:tnLst>
+    <p:bldLst>
+      <p:bldP spid="2" grpId="0"/>
+      <p:bldP spid="15" grpId="0" animBg="1"/>
+      <p:bldP spid="15" grpId="1" animBg="1"/>
+      <p:bldP spid="15" grpId="2" animBg="1"/>
+      <p:bldP spid="15" grpId="3" animBg="1"/>
+      <p:bldP spid="15" grpId="4" animBg="1"/>
+      <p:bldP spid="3" grpId="0"/>
+      <p:bldP spid="3" grpId="2"/>
+      <p:bldP spid="4" grpId="0"/>
+      <p:bldP spid="4" grpId="1"/>
+      <p:bldP spid="5" grpId="0"/>
+      <p:bldP spid="5" grpId="1"/>
+    </p:bldLst>
+  </p:timing>
+</p:sld>
+</file>
+
+<file path=ppt/slides/slide8.xml><?xml version="1.0" encoding="utf-8"?>
+<p:sld xmlns:a="http://schemas.openxmlformats.org/drawingml/2006/main" xmlns:r="http://schemas.openxmlformats.org/officeDocument/2006/relationships" xmlns:p="http://schemas.openxmlformats.org/presentationml/2006/main">
+  <p:cSld>
+    <p:spTree>
+      <p:nvGrpSpPr>
+        <p:cNvPr id="1" name=""/>
+        <p:cNvGrpSpPr/>
+        <p:nvPr/>
+      </p:nvGrpSpPr>
+      <p:grpSpPr>
+        <a:xfrm>
+          <a:off x="0" y="0"/>
+          <a:ext cx="0" cy="0"/>
+          <a:chOff x="0" y="0"/>
+          <a:chExt cx="0" cy="0"/>
+        </a:xfrm>
+      </p:grpSpPr>
+      <p:sp>
+        <p:nvSpPr>
+          <p:cNvPr id="2" name="Title 1"/>
+          <p:cNvSpPr>
+            <a:spLocks noGrp="1"/>
+          </p:cNvSpPr>
+          <p:nvPr>
+            <p:ph type="title"/>
+          </p:nvPr>
+        </p:nvSpPr>
+        <p:spPr/>
+        <p:txBody>
+          <a:bodyPr/>
+          <a:lstStyle/>
+          <a:p>
+            <a:pPr algn="l" defTabSz="914400">
+              <a:spcBef>
+                <a:spcPts val="0"/>
+              </a:spcBef>
+              <a:buNone/>
+            </a:pPr>
+            <a:r>
+              <a:rPr lang="zh-CN" altLang="en-US" sz="4400" b="0" i="0" dirty="0" smtClean="0">
+                <a:solidFill>
+                  <a:srgbClr val="4F271C"/>
+                </a:solidFill>
+                <a:latin typeface="Tw Cen MT"/>
+                <a:ea typeface="宋体" pitchFamily="2" charset="-122"/>
+                <a:cs typeface="+mj-cs"/>
+              </a:rPr>
+              <a:t>在</a:t>
+            </a:r>
+            <a:r>
+              <a:rPr lang="en-US" altLang="zh-CN" sz="4400" b="0" i="0" dirty="0" smtClean="0">
+                <a:solidFill>
+                  <a:srgbClr val="4F271C"/>
+                </a:solidFill>
+                <a:latin typeface="Tw Cen MT"/>
+                <a:ea typeface="宋体" pitchFamily="2" charset="-122"/>
+                <a:cs typeface="+mj-cs"/>
+              </a:rPr>
+              <a:t>VS2010</a:t>
+            </a:r>
+            <a:r>
+              <a:rPr lang="zh-CN" altLang="en-US" sz="4400" b="0" i="0" dirty="0" smtClean="0">
+                <a:solidFill>
+                  <a:srgbClr val="4F271C"/>
+                </a:solidFill>
+                <a:latin typeface="Tw Cen MT"/>
+                <a:ea typeface="宋体" pitchFamily="2" charset="-122"/>
+                <a:cs typeface="+mj-cs"/>
+              </a:rPr>
+              <a:t>环境下运行</a:t>
+            </a:r>
+            <a:endParaRPr lang="zh-CN" altLang="en-US" sz="4400" b="0" i="0" dirty="0">
+              <a:solidFill>
+                <a:srgbClr val="4F271C"/>
+              </a:solidFill>
+              <a:latin typeface="Tw Cen MT"/>
+              <a:ea typeface="宋体" pitchFamily="2" charset="-122"/>
+              <a:cs typeface="+mj-cs"/>
+            </a:endParaRPr>
+          </a:p>
+        </p:txBody>
+      </p:sp>
+      <p:pic>
+        <p:nvPicPr>
+          <p:cNvPr id="4" name="内容占位符 3"/>
+          <p:cNvPicPr>
+            <a:picLocks noGrp="1" noChangeAspect="1"/>
+          </p:cNvPicPr>
+          <p:nvPr>
+            <p:ph sz="quarter" idx="1"/>
+          </p:nvPr>
+        </p:nvPicPr>
+        <p:blipFill>
+          <a:blip r:embed="rId3"/>
+          <a:stretch>
+            <a:fillRect/>
+          </a:stretch>
+        </p:blipFill>
+        <p:spPr>
+          <a:xfrm>
+            <a:off x="228600" y="1524000"/>
+            <a:ext cx="4961905" cy="3866667"/>
+          </a:xfrm>
+          <a:prstGeom prst="rect">
+            <a:avLst/>
+          </a:prstGeom>
+        </p:spPr>
+      </p:pic>
+      <p:sp>
+        <p:nvSpPr>
+          <p:cNvPr id="5" name="文本框 4"/>
+          <p:cNvSpPr txBox="1"/>
+          <p:nvPr/>
+        </p:nvSpPr>
+        <p:spPr>
+          <a:xfrm>
+            <a:off x="5410200" y="2057400"/>
+            <a:ext cx="2810495" cy="923330"/>
+          </a:xfrm>
+          <a:prstGeom prst="rect">
+            <a:avLst/>
+          </a:prstGeom>
+          <a:noFill/>
+        </p:spPr>
+        <p:txBody>
+          <a:bodyPr wrap="square" rtlCol="0">
+            <a:spAutoFit/>
+          </a:bodyPr>
+          <a:lstStyle/>
+          <a:p>
+            <a:r>
+              <a:rPr lang="zh-CN" altLang="en-US" dirty="0" smtClean="0"/>
+              <a:t>使用密钥</a:t>
+            </a:r>
+            <a:r>
+              <a:rPr lang="en-US" altLang="zh-CN" dirty="0" smtClean="0"/>
+              <a:t>18435132958</a:t>
+            </a:r>
+            <a:r>
+              <a:rPr lang="zh-CN" altLang="en-US" dirty="0" smtClean="0"/>
+              <a:t>对</a:t>
+            </a:r>
+            <a:endParaRPr lang="en-US" altLang="zh-CN" dirty="0" smtClean="0"/>
+          </a:p>
+          <a:p>
+            <a:r>
+              <a:rPr lang="en-US" altLang="zh-CN" dirty="0" smtClean="0"/>
+              <a:t>1305054145jrd</a:t>
+            </a:r>
+            <a:r>
+              <a:rPr lang="zh-CN" altLang="en-US" dirty="0" smtClean="0"/>
+              <a:t>进行加密，如左图所示。</a:t>
+            </a:r>
+            <a:endParaRPr lang="en-US" dirty="0"/>
+          </a:p>
+        </p:txBody>
+      </p:sp>
+      <p:sp>
+        <p:nvSpPr>
+          <p:cNvPr id="6" name="动作按钮: 前进或下一项 5">
+            <a:hlinkClick r:id="rId4" action="ppaction://program" highlightClick="1"/>
+          </p:cNvPr>
+          <p:cNvSpPr/>
+          <p:nvPr/>
+        </p:nvSpPr>
+        <p:spPr>
+          <a:xfrm>
+            <a:off x="913998" y="2616895"/>
+            <a:ext cx="753095" cy="694730"/>
+          </a:xfrm>
+          <a:prstGeom prst="actionButtonForwardNext">
+            <a:avLst/>
+          </a:prstGeom>
+        </p:spPr>
+        <p:style>
+          <a:lnRef idx="2">
+            <a:schemeClr val="accent1">
+              <a:shade val="50000"/>
+            </a:schemeClr>
+          </a:lnRef>
+          <a:fillRef idx="1">
+            <a:schemeClr val="accent1"/>
+          </a:fillRef>
+          <a:effectRef idx="0">
+            <a:schemeClr val="accent1"/>
+          </a:effectRef>
+          <a:fontRef idx="minor">
+            <a:schemeClr val="lt1"/>
+          </a:fontRef>
+        </p:style>
+        <p:txBody>
+          <a:bodyPr rtlCol="0" anchor="ctr"/>
+          <a:lstStyle/>
+          <a:p>
+            <a:pPr algn="ctr"/>
+            <a:endParaRPr lang="en-US"/>
+          </a:p>
+        </p:txBody>
+      </p:sp>
+      <p:sp>
+        <p:nvSpPr>
+          <p:cNvPr id="7" name="文本框 6"/>
+          <p:cNvSpPr txBox="1"/>
+          <p:nvPr/>
+        </p:nvSpPr>
+        <p:spPr>
+          <a:xfrm>
+            <a:off x="228600" y="1868964"/>
+            <a:ext cx="4685898" cy="646331"/>
+          </a:xfrm>
+          <a:prstGeom prst="rect">
+            <a:avLst/>
+          </a:prstGeom>
+          <a:noFill/>
+        </p:spPr>
+        <p:txBody>
+          <a:bodyPr wrap="none" rtlCol="0">
+            <a:spAutoFit/>
+          </a:bodyPr>
+          <a:lstStyle/>
+          <a:p>
+            <a:r>
+              <a:rPr lang="zh-CN" altLang="en-US" dirty="0"/>
+              <a:t>使用</a:t>
+            </a:r>
+            <a:r>
+              <a:rPr lang="en-US" altLang="zh-CN" dirty="0" smtClean="0"/>
+              <a:t>AES</a:t>
+            </a:r>
+            <a:r>
+              <a:rPr lang="zh-CN" altLang="en-US" dirty="0" smtClean="0"/>
+              <a:t>算法对时间进行加密，所得到的密文</a:t>
+            </a:r>
+            <a:endParaRPr lang="en-US" altLang="zh-CN" dirty="0" smtClean="0"/>
+          </a:p>
+          <a:p>
+            <a:r>
+              <a:rPr lang="zh-CN" altLang="en-US" dirty="0" smtClean="0"/>
+              <a:t>如下程序所示：</a:t>
+            </a:r>
+            <a:endParaRPr lang="en-US" dirty="0"/>
+          </a:p>
+        </p:txBody>
+      </p:sp>
+      <p:sp>
+        <p:nvSpPr>
+          <p:cNvPr id="9" name="文本框 8"/>
+          <p:cNvSpPr txBox="1"/>
+          <p:nvPr/>
+        </p:nvSpPr>
+        <p:spPr>
+          <a:xfrm>
+            <a:off x="1077835" y="1868964"/>
+            <a:ext cx="7673325" cy="2585323"/>
+          </a:xfrm>
+          <a:prstGeom prst="rect">
+            <a:avLst/>
+          </a:prstGeom>
+          <a:noFill/>
+        </p:spPr>
+        <p:txBody>
+          <a:bodyPr wrap="square" rtlCol="0">
+            <a:spAutoFit/>
+          </a:bodyPr>
+          <a:lstStyle/>
+          <a:p>
+            <a:r>
+              <a:rPr lang="zh-CN" altLang="en-US" dirty="0" smtClean="0"/>
+              <a:t>可以看到时间只有秒变化时，仅仅变化一个数字</a:t>
+            </a:r>
+            <a:endParaRPr lang="en-US" altLang="zh-CN" dirty="0" smtClean="0"/>
+          </a:p>
+          <a:p>
+            <a:r>
+              <a:rPr lang="zh-CN" altLang="en-US" dirty="0" smtClean="0"/>
+              <a:t>密文也几乎全部改变，这是由于</a:t>
+            </a:r>
+            <a:r>
+              <a:rPr lang="en-US" altLang="zh-CN" dirty="0" smtClean="0"/>
+              <a:t>AES</a:t>
+            </a:r>
+            <a:r>
+              <a:rPr lang="zh-CN" altLang="en-US" dirty="0" smtClean="0"/>
+              <a:t>的非线性代换特性决定的</a:t>
+            </a:r>
+            <a:endParaRPr lang="en-US" altLang="zh-CN" dirty="0" smtClean="0"/>
+          </a:p>
+          <a:p>
+            <a:endParaRPr lang="en-US" altLang="zh-CN" dirty="0" smtClean="0"/>
+          </a:p>
+          <a:p>
+            <a:r>
+              <a:rPr lang="en-US" altLang="zh-CN" dirty="0" smtClean="0">
+                <a:solidFill>
+                  <a:srgbClr val="362E2B"/>
+                </a:solidFill>
+                <a:latin typeface="Arial" panose="020B0604020202020204" pitchFamily="34" charset="0"/>
+              </a:rPr>
+              <a:t>AES</a:t>
+            </a:r>
+            <a:r>
+              <a:rPr lang="zh-CN" altLang="en-US" dirty="0">
+                <a:solidFill>
+                  <a:srgbClr val="362E2B"/>
+                </a:solidFill>
+                <a:latin typeface="Arial" panose="020B0604020202020204" pitchFamily="34" charset="0"/>
+              </a:rPr>
+              <a:t>能够抵抗目前所有的已知攻击：</a:t>
+            </a:r>
+          </a:p>
+          <a:p>
+            <a:r>
+              <a:rPr lang="en-US" altLang="zh-CN" dirty="0">
+                <a:solidFill>
+                  <a:srgbClr val="362E2B"/>
+                </a:solidFill>
+                <a:latin typeface="Arial" panose="020B0604020202020204" pitchFamily="34" charset="0"/>
+              </a:rPr>
+              <a:t>a. </a:t>
+            </a:r>
+            <a:r>
+              <a:rPr lang="zh-CN" altLang="en-US" dirty="0">
+                <a:solidFill>
+                  <a:srgbClr val="362E2B"/>
+                </a:solidFill>
+                <a:latin typeface="Arial" panose="020B0604020202020204" pitchFamily="34" charset="0"/>
+              </a:rPr>
+              <a:t>穷举攻击</a:t>
+            </a:r>
+          </a:p>
+          <a:p>
+            <a:r>
+              <a:rPr lang="en-US" altLang="zh-CN" dirty="0">
+                <a:solidFill>
+                  <a:srgbClr val="362E2B"/>
+                </a:solidFill>
+                <a:latin typeface="Arial" panose="020B0604020202020204" pitchFamily="34" charset="0"/>
+              </a:rPr>
+              <a:t>b. </a:t>
+            </a:r>
+            <a:r>
+              <a:rPr lang="zh-CN" altLang="en-US" dirty="0">
+                <a:solidFill>
+                  <a:srgbClr val="362E2B"/>
+                </a:solidFill>
+                <a:latin typeface="Arial" panose="020B0604020202020204" pitchFamily="34" charset="0"/>
+              </a:rPr>
+              <a:t>差分攻击</a:t>
+            </a:r>
+          </a:p>
+          <a:p>
+            <a:r>
+              <a:rPr lang="en-US" altLang="zh-CN" dirty="0">
+                <a:solidFill>
+                  <a:srgbClr val="362E2B"/>
+                </a:solidFill>
+                <a:latin typeface="Arial" panose="020B0604020202020204" pitchFamily="34" charset="0"/>
+              </a:rPr>
+              <a:t>c. </a:t>
+            </a:r>
+            <a:r>
+              <a:rPr lang="zh-CN" altLang="en-US" dirty="0">
+                <a:solidFill>
+                  <a:srgbClr val="362E2B"/>
+                </a:solidFill>
+                <a:latin typeface="Arial" panose="020B0604020202020204" pitchFamily="34" charset="0"/>
+              </a:rPr>
+              <a:t>线性攻击</a:t>
+            </a:r>
+          </a:p>
+          <a:p>
+            <a:r>
+              <a:rPr lang="en-US" altLang="zh-CN" dirty="0">
+                <a:solidFill>
+                  <a:srgbClr val="362E2B"/>
+                </a:solidFill>
+                <a:latin typeface="Arial" panose="020B0604020202020204" pitchFamily="34" charset="0"/>
+              </a:rPr>
+              <a:t>d. </a:t>
+            </a:r>
+            <a:r>
+              <a:rPr lang="zh-CN" altLang="en-US" dirty="0">
+                <a:solidFill>
+                  <a:srgbClr val="362E2B"/>
+                </a:solidFill>
+                <a:latin typeface="Arial" panose="020B0604020202020204" pitchFamily="34" charset="0"/>
+              </a:rPr>
+              <a:t>一致攻击</a:t>
+            </a:r>
+          </a:p>
+          <a:p>
+            <a:endParaRPr lang="en-US" dirty="0"/>
+          </a:p>
+        </p:txBody>
+      </p:sp>
+    </p:spTree>
+  </p:cSld>
+  <p:clrMapOvr>
+    <a:masterClrMapping/>
+  </p:clrMapOvr>
+  <p:timing>
+    <p:tnLst>
+      <p:par>
+        <p:cTn id="1" dur="indefinite" restart="never" nodeType="tmRoot">
+          <p:childTnLst>
+            <p:seq concurrent="1" nextAc="seek">
+              <p:cTn id="2" dur="indefinite" nodeType="mainSeq">
+                <p:childTnLst>
+                  <p:par>
+                    <p:cTn id="3" fill="hold">
+                      <p:stCondLst>
+                        <p:cond delay="indefinite"/>
+                      </p:stCondLst>
+                      <p:childTnLst>
+                        <p:par>
+                          <p:cTn id="4" fill="hold">
+                            <p:stCondLst>
+                              <p:cond delay="0"/>
+                            </p:stCondLst>
+                            <p:childTnLst>
+                              <p:par>
+                                <p:cTn id="5" presetID="10" presetClass="entr" presetSubtype="0" fill="hold" nodeType="clickEffect">
+                                  <p:stCondLst>
+                                    <p:cond delay="0"/>
+                                  </p:stCondLst>
+                                  <p:childTnLst>
+                                    <p:set>
+                                      <p:cBhvr>
+                                        <p:cTn id="6" dur="1" fill="hold">
+                                          <p:stCondLst>
+                                            <p:cond delay="0"/>
+                                          </p:stCondLst>
+                                        </p:cTn>
+                                        <p:tgtEl>
+                                          <p:spTgt spid="4"/>
+                                        </p:tgtEl>
+                                        <p:attrNameLst>
+                                          <p:attrName>style.visibility</p:attrName>
+                                        </p:attrNameLst>
+                                      </p:cBhvr>
+                                      <p:to>
+                                        <p:strVal val="visible"/>
+                                      </p:to>
+                                    </p:set>
+                                    <p:animEffect transition="in" filter="fade">
+                                      <p:cBhvr>
+                                        <p:cTn id="7" dur="500"/>
+                                        <p:tgtEl>
+                                          <p:spTgt spid="4"/>
+                                        </p:tgtEl>
+                                      </p:cBhvr>
+                                    </p:animEffect>
+                                  </p:childTnLst>
+                                </p:cTn>
+                              </p:par>
+                              <p:par>
+                                <p:cTn id="8" presetID="10" presetClass="entr" presetSubtype="0" fill="hold" grpId="0" nodeType="withEffect">
+                                  <p:stCondLst>
+                                    <p:cond delay="0"/>
+                                  </p:stCondLst>
+                                  <p:childTnLst>
+                                    <p:set>
+                                      <p:cBhvr>
+                                        <p:cTn id="9" dur="1" fill="hold">
+                                          <p:stCondLst>
+                                            <p:cond delay="0"/>
+                                          </p:stCondLst>
+                                        </p:cTn>
+                                        <p:tgtEl>
+                                          <p:spTgt spid="5"/>
+                                        </p:tgtEl>
+                                        <p:attrNameLst>
+                                          <p:attrName>style.visibility</p:attrName>
+                                        </p:attrNameLst>
+                                      </p:cBhvr>
+                                      <p:to>
+                                        <p:strVal val="visible"/>
+                                      </p:to>
+                                    </p:set>
+                                    <p:animEffect transition="in" filter="fade">
+                                      <p:cBhvr>
+                                        <p:cTn id="10" dur="500"/>
+                                        <p:tgtEl>
+                                          <p:spTgt spid="5"/>
+                                        </p:tgtEl>
+                                      </p:cBhvr>
+                                    </p:animEffect>
+                                  </p:childTnLst>
+                                </p:cTn>
+                              </p:par>
+                              <p:par>
+                                <p:cTn id="11" presetID="10" presetClass="entr" presetSubtype="0" fill="hold" grpId="0" nodeType="withEffect">
+                                  <p:stCondLst>
+                                    <p:cond delay="0"/>
+                                  </p:stCondLst>
+                                  <p:childTnLst>
+                                    <p:set>
+                                      <p:cBhvr>
+                                        <p:cTn id="12" dur="1" fill="hold">
+                                          <p:stCondLst>
+                                            <p:cond delay="0"/>
+                                          </p:stCondLst>
+                                        </p:cTn>
+                                        <p:tgtEl>
+                                          <p:spTgt spid="2"/>
+                                        </p:tgtEl>
+                                        <p:attrNameLst>
+                                          <p:attrName>style.visibility</p:attrName>
+                                        </p:attrNameLst>
+                                      </p:cBhvr>
+                                      <p:to>
+                                        <p:strVal val="visible"/>
+                                      </p:to>
+                                    </p:set>
+                                    <p:animEffect transition="in" filter="fade">
+                                      <p:cBhvr>
+                                        <p:cTn id="13" dur="500"/>
+                                        <p:tgtEl>
+                                          <p:spTgt spid="2"/>
+                                        </p:tgtEl>
+                                      </p:cBhvr>
+                                    </p:animEffect>
+                                  </p:childTnLst>
+                                </p:cTn>
+                              </p:par>
+                            </p:childTnLst>
+                          </p:cTn>
+                        </p:par>
+                      </p:childTnLst>
+                    </p:cTn>
+                  </p:par>
+                  <p:par>
+                    <p:cTn id="14" fill="hold">
+                      <p:stCondLst>
+                        <p:cond delay="indefinite"/>
+                      </p:stCondLst>
+                      <p:childTnLst>
+                        <p:par>
+                          <p:cTn id="15" fill="hold">
+                            <p:stCondLst>
+                              <p:cond delay="0"/>
+                            </p:stCondLst>
+                            <p:childTnLst>
+                              <p:par>
+                                <p:cTn id="16" presetID="10" presetClass="exit" presetSubtype="0" fill="hold" nodeType="clickEffect">
+                                  <p:stCondLst>
+                                    <p:cond delay="0"/>
+                                  </p:stCondLst>
+                                  <p:childTnLst>
+                                    <p:animEffect transition="out" filter="fade">
+                                      <p:cBhvr>
+                                        <p:cTn id="17" dur="500"/>
+                                        <p:tgtEl>
+                                          <p:spTgt spid="4"/>
+                                        </p:tgtEl>
+                                      </p:cBhvr>
+                                    </p:animEffect>
+                                    <p:set>
+                                      <p:cBhvr>
+                                        <p:cTn id="18" dur="1" fill="hold">
+                                          <p:stCondLst>
+                                            <p:cond delay="499"/>
+                                          </p:stCondLst>
+                                        </p:cTn>
+                                        <p:tgtEl>
+                                          <p:spTgt spid="4"/>
+                                        </p:tgtEl>
+                                        <p:attrNameLst>
+                                          <p:attrName>style.visibility</p:attrName>
+                                        </p:attrNameLst>
+                                      </p:cBhvr>
+                                      <p:to>
+                                        <p:strVal val="hidden"/>
+                                      </p:to>
+                                    </p:set>
+                                  </p:childTnLst>
+                                </p:cTn>
+                              </p:par>
+                              <p:par>
+                                <p:cTn id="19" presetID="10" presetClass="exit" presetSubtype="0" fill="hold" grpId="1" nodeType="withEffect">
+                                  <p:stCondLst>
+                                    <p:cond delay="0"/>
+                                  </p:stCondLst>
+                                  <p:childTnLst>
+                                    <p:animEffect transition="out" filter="fade">
+                                      <p:cBhvr>
+                                        <p:cTn id="20" dur="500"/>
+                                        <p:tgtEl>
+                                          <p:spTgt spid="5"/>
+                                        </p:tgtEl>
+                                      </p:cBhvr>
+                                    </p:animEffect>
+                                    <p:set>
+                                      <p:cBhvr>
+                                        <p:cTn id="21" dur="1" fill="hold">
+                                          <p:stCondLst>
+                                            <p:cond delay="499"/>
+                                          </p:stCondLst>
+                                        </p:cTn>
+                                        <p:tgtEl>
+                                          <p:spTgt spid="5"/>
+                                        </p:tgtEl>
+                                        <p:attrNameLst>
+                                          <p:attrName>style.visibility</p:attrName>
+                                        </p:attrNameLst>
+                                      </p:cBhvr>
+                                      <p:to>
+                                        <p:strVal val="hidden"/>
+                                      </p:to>
+                                    </p:set>
+                                  </p:childTnLst>
+                                </p:cTn>
+                              </p:par>
+                            </p:childTnLst>
+                          </p:cTn>
+                        </p:par>
+                        <p:par>
+                          <p:cTn id="22" fill="hold">
+                            <p:stCondLst>
+                              <p:cond delay="500"/>
+                            </p:stCondLst>
+                            <p:childTnLst>
+                              <p:par>
+                                <p:cTn id="23" presetID="10" presetClass="entr" presetSubtype="0" fill="hold" grpId="0" nodeType="afterEffect">
+                                  <p:stCondLst>
+                                    <p:cond delay="0"/>
+                                  </p:stCondLst>
+                                  <p:childTnLst>
+                                    <p:set>
+                                      <p:cBhvr>
+                                        <p:cTn id="24" dur="1" fill="hold">
+                                          <p:stCondLst>
+                                            <p:cond delay="0"/>
+                                          </p:stCondLst>
+                                        </p:cTn>
+                                        <p:tgtEl>
+                                          <p:spTgt spid="6"/>
+                                        </p:tgtEl>
+                                        <p:attrNameLst>
+                                          <p:attrName>style.visibility</p:attrName>
+                                        </p:attrNameLst>
+                                      </p:cBhvr>
+                                      <p:to>
+                                        <p:strVal val="visible"/>
+                                      </p:to>
+                                    </p:set>
+                                    <p:animEffect transition="in" filter="fade">
+                                      <p:cBhvr>
+                                        <p:cTn id="25" dur="500"/>
+                                        <p:tgtEl>
+                                          <p:spTgt spid="6"/>
+                                        </p:tgtEl>
+                                      </p:cBhvr>
+                                    </p:animEffect>
+                                  </p:childTnLst>
+                                </p:cTn>
+                              </p:par>
+                              <p:par>
+                                <p:cTn id="26" presetID="10" presetClass="entr" presetSubtype="0" fill="hold" grpId="0" nodeType="withEffect">
+                                  <p:stCondLst>
+                                    <p:cond delay="0"/>
+                                  </p:stCondLst>
+                                  <p:childTnLst>
+                                    <p:set>
+                                      <p:cBhvr>
+                                        <p:cTn id="27" dur="1" fill="hold">
+                                          <p:stCondLst>
+                                            <p:cond delay="0"/>
+                                          </p:stCondLst>
+                                        </p:cTn>
+                                        <p:tgtEl>
+                                          <p:spTgt spid="7"/>
+                                        </p:tgtEl>
+                                        <p:attrNameLst>
+                                          <p:attrName>style.visibility</p:attrName>
+                                        </p:attrNameLst>
+                                      </p:cBhvr>
+                                      <p:to>
+                                        <p:strVal val="visible"/>
+                                      </p:to>
+                                    </p:set>
+                                    <p:animEffect transition="in" filter="fade">
+                                      <p:cBhvr>
+                                        <p:cTn id="28" dur="500"/>
+                                        <p:tgtEl>
+                                          <p:spTgt spid="7"/>
+                                        </p:tgtEl>
+                                      </p:cBhvr>
+                                    </p:animEffect>
+                                  </p:childTnLst>
+                                </p:cTn>
+                              </p:par>
+                            </p:childTnLst>
+                          </p:cTn>
+                        </p:par>
+                      </p:childTnLst>
+                    </p:cTn>
+                  </p:par>
+                  <p:par>
+                    <p:cTn id="29" fill="hold">
+                      <p:stCondLst>
+                        <p:cond delay="indefinite"/>
+                      </p:stCondLst>
+                      <p:childTnLst>
+                        <p:par>
+                          <p:cTn id="30" fill="hold">
+                            <p:stCondLst>
+                              <p:cond delay="0"/>
+                            </p:stCondLst>
+                            <p:childTnLst>
+                              <p:par>
+                                <p:cTn id="31" presetID="10" presetClass="exit" presetSubtype="0" fill="hold" grpId="1" nodeType="clickEffect">
+                                  <p:stCondLst>
+                                    <p:cond delay="0"/>
+                                  </p:stCondLst>
+                                  <p:childTnLst>
+                                    <p:animEffect transition="out" filter="fade">
+                                      <p:cBhvr>
+                                        <p:cTn id="32" dur="500"/>
+                                        <p:tgtEl>
+                                          <p:spTgt spid="6"/>
+                                        </p:tgtEl>
+                                      </p:cBhvr>
+                                    </p:animEffect>
+                                    <p:set>
+                                      <p:cBhvr>
+                                        <p:cTn id="33" dur="1" fill="hold">
+                                          <p:stCondLst>
+                                            <p:cond delay="499"/>
+                                          </p:stCondLst>
+                                        </p:cTn>
+                                        <p:tgtEl>
+                                          <p:spTgt spid="6"/>
+                                        </p:tgtEl>
+                                        <p:attrNameLst>
+                                          <p:attrName>style.visibility</p:attrName>
+                                        </p:attrNameLst>
+                                      </p:cBhvr>
+                                      <p:to>
+                                        <p:strVal val="hidden"/>
+                                      </p:to>
+                                    </p:set>
+                                  </p:childTnLst>
+                                </p:cTn>
+                              </p:par>
+                              <p:par>
+                                <p:cTn id="34" presetID="10" presetClass="exit" presetSubtype="0" fill="hold" grpId="1" nodeType="withEffect">
+                                  <p:stCondLst>
+                                    <p:cond delay="0"/>
+                                  </p:stCondLst>
+                                  <p:childTnLst>
+                                    <p:animEffect transition="out" filter="fade">
+                                      <p:cBhvr>
+                                        <p:cTn id="35" dur="500"/>
+                                        <p:tgtEl>
+                                          <p:spTgt spid="7"/>
+                                        </p:tgtEl>
+                                      </p:cBhvr>
+                                    </p:animEffect>
+                                    <p:set>
+                                      <p:cBhvr>
+                                        <p:cTn id="36" dur="1" fill="hold">
+                                          <p:stCondLst>
+                                            <p:cond delay="499"/>
+                                          </p:stCondLst>
+                                        </p:cTn>
+                                        <p:tgtEl>
+                                          <p:spTgt spid="7"/>
+                                        </p:tgtEl>
+                                        <p:attrNameLst>
+                                          <p:attrName>style.visibility</p:attrName>
+                                        </p:attrNameLst>
+                                      </p:cBhvr>
+                                      <p:to>
+                                        <p:strVal val="hidden"/>
+                                      </p:to>
+                                    </p:set>
+                                  </p:childTnLst>
+                                </p:cTn>
+                              </p:par>
+                              <p:par>
+                                <p:cTn id="37" presetID="10" presetClass="entr" presetSubtype="0" fill="hold" grpId="0" nodeType="withEffect">
+                                  <p:stCondLst>
+                                    <p:cond delay="0"/>
+                                  </p:stCondLst>
+                                  <p:childTnLst>
+                                    <p:set>
+                                      <p:cBhvr>
+                                        <p:cTn id="38" dur="1" fill="hold">
+                                          <p:stCondLst>
+                                            <p:cond delay="0"/>
+                                          </p:stCondLst>
+                                        </p:cTn>
+                                        <p:tgtEl>
+                                          <p:spTgt spid="9"/>
+                                        </p:tgtEl>
+                                        <p:attrNameLst>
+                                          <p:attrName>style.visibility</p:attrName>
+                                        </p:attrNameLst>
+                                      </p:cBhvr>
+                                      <p:to>
+                                        <p:strVal val="visible"/>
+                                      </p:to>
+                                    </p:set>
+                                    <p:animEffect transition="in" filter="fade">
+                                      <p:cBhvr>
+                                        <p:cTn id="39" dur="500"/>
+                                        <p:tgtEl>
+                                          <p:spTgt spid="9"/>
+                                        </p:tgtEl>
+                                      </p:cBhvr>
+                                    </p:animEffect>
+                                  </p:childTnLst>
+                                </p:cTn>
+                              </p:par>
+                            </p:childTnLst>
+                          </p:cTn>
+                        </p:par>
+                      </p:childTnLst>
+                    </p:cTn>
+                  </p:par>
+                </p:childTnLst>
+              </p:cTn>
+              <p:prevCondLst>
+                <p:cond evt="onPrev" delay="0">
+                  <p:tgtEl>
+                    <p:sldTgt/>
+                  </p:tgtEl>
+                </p:cond>
+              </p:prevCondLst>
+              <p:nextCondLst>
+                <p:cond evt="onNext" delay="0">
+                  <p:tgtEl>
+                    <p:sldTgt/>
+                  </p:tgtEl>
+                </p:cond>
+              </p:nextCondLst>
+            </p:seq>
+          </p:childTnLst>
+        </p:cTn>
+      </p:par>
+    </p:tnLst>
+    <p:bldLst>
+      <p:bldP spid="2" grpId="0"/>
+      <p:bldP spid="5" grpId="0"/>
+      <p:bldP spid="5" grpId="1"/>
+      <p:bldP spid="6" grpId="0" animBg="1"/>
+      <p:bldP spid="6" grpId="1" animBg="1"/>
+      <p:bldP spid="7" grpId="0"/>
+      <p:bldP spid="7" grpId="1"/>
+      <p:bldP spid="9" grpId="0"/>
+    </p:bldLst>
+  </p:timing>
+</p:sld>
+</file>
+
+<file path=ppt/slides/slide9.xml><?xml version="1.0" encoding="utf-8"?>
+<p:sld xmlns:a="http://schemas.openxmlformats.org/drawingml/2006/main" xmlns:r="http://schemas.openxmlformats.org/officeDocument/2006/relationships" xmlns:p="http://schemas.openxmlformats.org/presentationml/2006/main">
+  <p:cSld>
+    <p:spTree>
+      <p:nvGrpSpPr>
+        <p:cNvPr id="1" name=""/>
+        <p:cNvGrpSpPr/>
+        <p:nvPr/>
+      </p:nvGrpSpPr>
+      <p:grpSpPr>
+        <a:xfrm>
+          <a:off x="0" y="0"/>
+          <a:ext cx="0" cy="0"/>
+          <a:chOff x="0" y="0"/>
+          <a:chExt cx="0" cy="0"/>
+        </a:xfrm>
+      </p:grpSpPr>
+      <p:sp>
+        <p:nvSpPr>
+          <p:cNvPr id="2" name="Rectangle 1"/>
+          <p:cNvSpPr>
+            <a:spLocks noGrp="1"/>
+          </p:cNvSpPr>
+          <p:nvPr>
+            <p:ph type="title"/>
+          </p:nvPr>
+        </p:nvSpPr>
+        <p:spPr/>
+        <p:txBody>
+          <a:bodyPr/>
+          <a:lstStyle/>
+          <a:p>
+            <a:pPr algn="l" defTabSz="914400">
+              <a:spcBef>
+                <a:spcPts val="0"/>
+              </a:spcBef>
+              <a:buNone/>
+            </a:pPr>
+            <a:r>
+              <a:rPr lang="zh-CN" altLang="en-US" sz="4400" b="0" i="0" dirty="0" smtClean="0">
+                <a:solidFill>
+                  <a:srgbClr val="4F271C"/>
+                </a:solidFill>
+                <a:latin typeface="Tw Cen MT"/>
+                <a:ea typeface="宋体" pitchFamily="2" charset="-122"/>
+                <a:cs typeface="+mj-cs"/>
+              </a:rPr>
+              <a:t>硬件系统说明</a:t>
+            </a:r>
+            <a:endParaRPr lang="zh-CN" altLang="en-US" sz="4400" b="0" i="0" dirty="0">
+              <a:solidFill>
+                <a:srgbClr val="4F271C"/>
+              </a:solidFill>
+              <a:latin typeface="Tw Cen MT"/>
+              <a:ea typeface="宋体" pitchFamily="2" charset="-122"/>
+              <a:cs typeface="+mj-cs"/>
+            </a:endParaRPr>
+          </a:p>
+        </p:txBody>
+      </p:sp>
+      <p:sp>
+        <p:nvSpPr>
+          <p:cNvPr id="3" name="Rectangle 2"/>
+          <p:cNvSpPr>
+            <a:spLocks noGrp="1"/>
+          </p:cNvSpPr>
+          <p:nvPr>
+            <p:ph sz="quarter" idx="1"/>
+          </p:nvPr>
+        </p:nvSpPr>
+        <p:spPr/>
+        <p:txBody>
+          <a:bodyPr/>
+          <a:lstStyle/>
+          <a:p>
+            <a:pPr marL="320040" indent="-320040" algn="l" defTabSz="914400">
+              <a:spcBef>
+                <a:spcPts val="700"/>
+              </a:spcBef>
+              <a:buClr>
+                <a:srgbClr val="FEB80A"/>
+              </a:buClr>
+              <a:buSzPct val="60000"/>
+              <a:buFont typeface="Wingdings"/>
+              <a:buChar char="Ø"/>
+            </a:pPr>
+            <a:r>
+              <a:rPr lang="zh-CN" altLang="en-US" sz="2900" b="0" i="0" dirty="0" smtClean="0">
+                <a:solidFill>
+                  <a:schemeClr val="tx1"/>
+                </a:solidFill>
+                <a:latin typeface="Tw Cen MT"/>
+                <a:ea typeface="宋体" pitchFamily="2" charset="-122"/>
+                <a:cs typeface="+mn-cs"/>
+              </a:rPr>
+              <a:t>简介</a:t>
+            </a:r>
+          </a:p>
+          <a:p>
+            <a:pPr marL="640080" lvl="1" indent="-274320" algn="l" defTabSz="914400">
+              <a:spcBef>
+                <a:spcPts val="550"/>
+              </a:spcBef>
+              <a:buClr>
+                <a:srgbClr val="3891A7"/>
+              </a:buClr>
+              <a:buSzPct val="70000"/>
+              <a:buFont typeface="Wingdings"/>
+              <a:buChar char="Ø"/>
+            </a:pPr>
+            <a:r>
+              <a:rPr lang="zh-CN" altLang="en-US" sz="2600" b="0" i="0" dirty="0" smtClean="0">
+                <a:solidFill>
+                  <a:schemeClr val="tx1"/>
+                </a:solidFill>
+                <a:latin typeface="Tw Cen MT"/>
+                <a:ea typeface="宋体" pitchFamily="2" charset="-122"/>
+                <a:cs typeface="+mn-cs"/>
+              </a:rPr>
+              <a:t>用户端：键盘、</a:t>
+            </a:r>
+            <a:r>
+              <a:rPr lang="en-US" altLang="zh-CN" sz="2600" b="0" i="0" dirty="0" smtClean="0">
+                <a:solidFill>
+                  <a:schemeClr val="tx1"/>
+                </a:solidFill>
+                <a:latin typeface="Tw Cen MT"/>
+                <a:ea typeface="宋体" pitchFamily="2" charset="-122"/>
+                <a:cs typeface="+mn-cs"/>
+              </a:rPr>
+              <a:t>GPS</a:t>
+            </a:r>
+            <a:r>
+              <a:rPr lang="zh-CN" altLang="en-US" sz="2600" b="0" i="0" dirty="0" smtClean="0">
+                <a:solidFill>
+                  <a:schemeClr val="tx1"/>
+                </a:solidFill>
+                <a:latin typeface="Tw Cen MT"/>
+                <a:ea typeface="宋体" pitchFamily="2" charset="-122"/>
+                <a:cs typeface="+mn-cs"/>
+              </a:rPr>
+              <a:t>、时钟模块、</a:t>
+            </a:r>
+            <a:r>
+              <a:rPr lang="en-US" altLang="zh-CN" sz="2600" b="0" i="0" dirty="0" smtClean="0">
+                <a:solidFill>
+                  <a:schemeClr val="tx1"/>
+                </a:solidFill>
+                <a:latin typeface="Tw Cen MT"/>
+                <a:ea typeface="宋体" pitchFamily="2" charset="-122"/>
+                <a:cs typeface="+mn-cs"/>
+              </a:rPr>
+              <a:t>nRF2401</a:t>
+            </a:r>
+          </a:p>
+          <a:p>
+            <a:pPr marL="640080" lvl="1" indent="-274320" algn="l" defTabSz="914400">
+              <a:spcBef>
+                <a:spcPts val="550"/>
+              </a:spcBef>
+              <a:buClr>
+                <a:srgbClr val="3891A7"/>
+              </a:buClr>
+              <a:buSzPct val="70000"/>
+              <a:buFont typeface="Wingdings"/>
+              <a:buChar char="Ø"/>
+            </a:pPr>
+            <a:endParaRPr lang="en-US" altLang="zh-CN" dirty="0">
+              <a:latin typeface="Tw Cen MT"/>
+              <a:ea typeface="宋体" pitchFamily="2" charset="-122"/>
+            </a:endParaRPr>
+          </a:p>
+          <a:p>
+            <a:pPr marL="365760" lvl="1" indent="0" algn="l" defTabSz="914400">
+              <a:spcBef>
+                <a:spcPts val="550"/>
+              </a:spcBef>
+              <a:buClr>
+                <a:srgbClr val="3891A7"/>
+              </a:buClr>
+              <a:buSzPct val="70000"/>
+              <a:buNone/>
+            </a:pPr>
+            <a:endParaRPr lang="zh-CN" altLang="en-US" dirty="0" smtClean="0">
+              <a:ea typeface="宋体" pitchFamily="2" charset="-122"/>
+            </a:endParaRPr>
+          </a:p>
+          <a:p>
+            <a:pPr lvl="1">
+              <a:buClr>
+                <a:srgbClr val="3891A7"/>
+              </a:buClr>
+              <a:buFont typeface="Wingdings"/>
+              <a:buChar char="Ø"/>
+            </a:pPr>
+            <a:r>
+              <a:rPr lang="zh-CN" altLang="en-US" sz="2600" b="0" i="0" dirty="0" smtClean="0">
+                <a:solidFill>
+                  <a:schemeClr val="tx1"/>
+                </a:solidFill>
+                <a:latin typeface="Tw Cen MT"/>
+                <a:ea typeface="宋体" pitchFamily="2" charset="-122"/>
+                <a:cs typeface="+mn-cs"/>
+              </a:rPr>
+              <a:t>服务器端：</a:t>
+            </a:r>
+            <a:r>
+              <a:rPr lang="en-US" altLang="zh-CN" dirty="0">
+                <a:ea typeface="宋体" pitchFamily="2" charset="-122"/>
+              </a:rPr>
+              <a:t>GPS</a:t>
+            </a:r>
+            <a:r>
+              <a:rPr lang="zh-CN" altLang="en-US" dirty="0" smtClean="0">
+                <a:ea typeface="宋体" pitchFamily="2" charset="-122"/>
+              </a:rPr>
+              <a:t>、</a:t>
+            </a:r>
+            <a:r>
+              <a:rPr lang="en-US" altLang="zh-CN" dirty="0" smtClean="0">
+                <a:ea typeface="宋体" pitchFamily="2" charset="-122"/>
+              </a:rPr>
+              <a:t>GSM</a:t>
+            </a:r>
+            <a:r>
+              <a:rPr lang="zh-CN" altLang="en-US" dirty="0" smtClean="0">
+                <a:ea typeface="宋体" pitchFamily="2" charset="-122"/>
+              </a:rPr>
+              <a:t>、时钟模块、</a:t>
+            </a:r>
+            <a:r>
+              <a:rPr lang="en-US" altLang="zh-CN" dirty="0">
+                <a:ea typeface="宋体" pitchFamily="2" charset="-122"/>
+              </a:rPr>
+              <a:t>nRF2401</a:t>
+            </a:r>
+            <a:endParaRPr lang="zh-CN" altLang="en-US" dirty="0">
+              <a:ea typeface="宋体" pitchFamily="2" charset="-122"/>
+            </a:endParaRPr>
+          </a:p>
+          <a:p>
+            <a:pPr lvl="1">
+              <a:buClr>
+                <a:srgbClr val="3891A7"/>
+              </a:buClr>
+              <a:buFont typeface="Wingdings"/>
+              <a:buChar char="Ø"/>
+            </a:pPr>
+            <a:endParaRPr lang="zh-CN" altLang="en-US" dirty="0">
+              <a:ea typeface="宋体" pitchFamily="2" charset="-122"/>
+            </a:endParaRPr>
+          </a:p>
+          <a:p>
+            <a:pPr marL="640080" lvl="1" indent="-274320" algn="l" defTabSz="914400">
+              <a:spcBef>
+                <a:spcPts val="550"/>
+              </a:spcBef>
+              <a:buClr>
+                <a:srgbClr val="3891A7"/>
+              </a:buClr>
+              <a:buSzPct val="70000"/>
+              <a:buFont typeface="Wingdings"/>
+              <a:buChar char="Ø"/>
+            </a:pPr>
+            <a:endParaRPr lang="zh-CN" altLang="en-US" dirty="0" smtClean="0">
+              <a:ea typeface="宋体" pitchFamily="2" charset="-122"/>
+            </a:endParaRPr>
+          </a:p>
+          <a:p>
+            <a:pPr marL="365760" lvl="1" indent="0" algn="l" defTabSz="914400">
+              <a:spcBef>
+                <a:spcPts val="550"/>
+              </a:spcBef>
+              <a:buClr>
+                <a:srgbClr val="3891A7"/>
+              </a:buClr>
+              <a:buSzPct val="70000"/>
+              <a:buNone/>
+            </a:pPr>
+            <a:endParaRPr lang="zh-CN" altLang="en-US" dirty="0" smtClean="0">
+              <a:ea typeface="宋体" pitchFamily="2" charset="-122"/>
+            </a:endParaRPr>
+          </a:p>
+        </p:txBody>
+      </p:sp>
+    </p:spTree>
+  </p:cSld>
+  <p:clrMapOvr>
+    <a:masterClrMapping/>
+  </p:clrMapOvr>
+  <p:timing>
+    <p:tnLst>
+      <p:par>
+        <p:cTn id="1" dur="indefinite" restart="never" nodeType="tmRoot"/>
+      </p:par>
+    </p:tnLst>
   </p:timing>
 </p:sld>
 </file>
